--- a/STT465_3.pptx
+++ b/STT465_3.pptx
@@ -5,7 +5,7 @@
     <p:sldMasterId id="2147483648" r:id="rId1"/>
   </p:sldMasterIdLst>
   <p:notesMasterIdLst>
-    <p:notesMasterId r:id="rId7"/>
+    <p:notesMasterId r:id="rId10"/>
   </p:notesMasterIdLst>
   <p:sldIdLst>
     <p:sldId id="338" r:id="rId2"/>
@@ -13,6 +13,9 @@
     <p:sldId id="340" r:id="rId4"/>
     <p:sldId id="348" r:id="rId5"/>
     <p:sldId id="353" r:id="rId6"/>
+    <p:sldId id="354" r:id="rId7"/>
+    <p:sldId id="355" r:id="rId8"/>
+    <p:sldId id="356" r:id="rId9"/>
   </p:sldIdLst>
   <p:sldSz cx="9144000" cy="6858000" type="screen4x3"/>
   <p:notesSz cx="6858000" cy="9144000"/>
@@ -203,7 +206,7 @@
             <a:fld id="{EC2AD4C0-0FC1-44D9-A720-D776D6428221}" type="datetimeFigureOut">
               <a:rPr lang="en-US" smtClean="0"/>
               <a:pPr/>
-              <a:t>9/14/15</a:t>
+              <a:t>9/15/15</a:t>
             </a:fld>
             <a:endParaRPr lang="en-US"/>
           </a:p>
@@ -884,6 +887,252 @@
 </p:notes>
 </file>
 
+<file path=ppt/notesSlides/notesSlide6.xml><?xml version="1.0" encoding="utf-8"?>
+<p:notes xmlns:a="http://schemas.openxmlformats.org/drawingml/2006/main" xmlns:r="http://schemas.openxmlformats.org/officeDocument/2006/relationships" xmlns:p="http://schemas.openxmlformats.org/presentationml/2006/main">
+  <p:cSld>
+    <p:spTree>
+      <p:nvGrpSpPr>
+        <p:cNvPr id="1" name=""/>
+        <p:cNvGrpSpPr/>
+        <p:nvPr/>
+      </p:nvGrpSpPr>
+      <p:grpSpPr>
+        <a:xfrm>
+          <a:off x="0" y="0"/>
+          <a:ext cx="0" cy="0"/>
+          <a:chOff x="0" y="0"/>
+          <a:chExt cx="0" cy="0"/>
+        </a:xfrm>
+      </p:grpSpPr>
+      <p:sp>
+        <p:nvSpPr>
+          <p:cNvPr id="2" name="Slide Image Placeholder 1"/>
+          <p:cNvSpPr>
+            <a:spLocks noGrp="1" noRot="1" noChangeAspect="1"/>
+          </p:cNvSpPr>
+          <p:nvPr>
+            <p:ph type="sldImg"/>
+          </p:nvPr>
+        </p:nvSpPr>
+        <p:spPr/>
+      </p:sp>
+      <p:sp>
+        <p:nvSpPr>
+          <p:cNvPr id="3" name="Notes Placeholder 2"/>
+          <p:cNvSpPr>
+            <a:spLocks noGrp="1"/>
+          </p:cNvSpPr>
+          <p:nvPr>
+            <p:ph type="body" idx="1"/>
+          </p:nvPr>
+        </p:nvSpPr>
+        <p:spPr/>
+        <p:txBody>
+          <a:bodyPr>
+            <a:normAutofit/>
+          </a:bodyPr>
+          <a:lstStyle/>
+          <a:p>
+            <a:endParaRPr lang="en-US"/>
+          </a:p>
+        </p:txBody>
+      </p:sp>
+      <p:sp>
+        <p:nvSpPr>
+          <p:cNvPr id="4" name="Slide Number Placeholder 3"/>
+          <p:cNvSpPr>
+            <a:spLocks noGrp="1"/>
+          </p:cNvSpPr>
+          <p:nvPr>
+            <p:ph type="sldNum" sz="quarter" idx="10"/>
+          </p:nvPr>
+        </p:nvSpPr>
+        <p:spPr/>
+        <p:txBody>
+          <a:bodyPr/>
+          <a:lstStyle/>
+          <a:p>
+            <a:fld id="{CACBEE2F-8C26-493F-9430-82D1D1B7C623}" type="slidenum">
+              <a:rPr lang="en-US" smtClean="0"/>
+              <a:pPr/>
+              <a:t>6</a:t>
+            </a:fld>
+            <a:endParaRPr lang="en-US"/>
+          </a:p>
+        </p:txBody>
+      </p:sp>
+    </p:spTree>
+  </p:cSld>
+  <p:clrMapOvr>
+    <a:masterClrMapping/>
+  </p:clrMapOvr>
+</p:notes>
+</file>
+
+<file path=ppt/notesSlides/notesSlide7.xml><?xml version="1.0" encoding="utf-8"?>
+<p:notes xmlns:a="http://schemas.openxmlformats.org/drawingml/2006/main" xmlns:r="http://schemas.openxmlformats.org/officeDocument/2006/relationships" xmlns:p="http://schemas.openxmlformats.org/presentationml/2006/main">
+  <p:cSld>
+    <p:spTree>
+      <p:nvGrpSpPr>
+        <p:cNvPr id="1" name=""/>
+        <p:cNvGrpSpPr/>
+        <p:nvPr/>
+      </p:nvGrpSpPr>
+      <p:grpSpPr>
+        <a:xfrm>
+          <a:off x="0" y="0"/>
+          <a:ext cx="0" cy="0"/>
+          <a:chOff x="0" y="0"/>
+          <a:chExt cx="0" cy="0"/>
+        </a:xfrm>
+      </p:grpSpPr>
+      <p:sp>
+        <p:nvSpPr>
+          <p:cNvPr id="2" name="Slide Image Placeholder 1"/>
+          <p:cNvSpPr>
+            <a:spLocks noGrp="1" noRot="1" noChangeAspect="1"/>
+          </p:cNvSpPr>
+          <p:nvPr>
+            <p:ph type="sldImg"/>
+          </p:nvPr>
+        </p:nvSpPr>
+        <p:spPr/>
+      </p:sp>
+      <p:sp>
+        <p:nvSpPr>
+          <p:cNvPr id="3" name="Notes Placeholder 2"/>
+          <p:cNvSpPr>
+            <a:spLocks noGrp="1"/>
+          </p:cNvSpPr>
+          <p:nvPr>
+            <p:ph type="body" idx="1"/>
+          </p:nvPr>
+        </p:nvSpPr>
+        <p:spPr/>
+        <p:txBody>
+          <a:bodyPr>
+            <a:normAutofit/>
+          </a:bodyPr>
+          <a:lstStyle/>
+          <a:p>
+            <a:endParaRPr lang="en-US"/>
+          </a:p>
+        </p:txBody>
+      </p:sp>
+      <p:sp>
+        <p:nvSpPr>
+          <p:cNvPr id="4" name="Slide Number Placeholder 3"/>
+          <p:cNvSpPr>
+            <a:spLocks noGrp="1"/>
+          </p:cNvSpPr>
+          <p:nvPr>
+            <p:ph type="sldNum" sz="quarter" idx="10"/>
+          </p:nvPr>
+        </p:nvSpPr>
+        <p:spPr/>
+        <p:txBody>
+          <a:bodyPr/>
+          <a:lstStyle/>
+          <a:p>
+            <a:fld id="{CACBEE2F-8C26-493F-9430-82D1D1B7C623}" type="slidenum">
+              <a:rPr lang="en-US" smtClean="0"/>
+              <a:pPr/>
+              <a:t>7</a:t>
+            </a:fld>
+            <a:endParaRPr lang="en-US"/>
+          </a:p>
+        </p:txBody>
+      </p:sp>
+    </p:spTree>
+  </p:cSld>
+  <p:clrMapOvr>
+    <a:masterClrMapping/>
+  </p:clrMapOvr>
+</p:notes>
+</file>
+
+<file path=ppt/notesSlides/notesSlide8.xml><?xml version="1.0" encoding="utf-8"?>
+<p:notes xmlns:a="http://schemas.openxmlformats.org/drawingml/2006/main" xmlns:r="http://schemas.openxmlformats.org/officeDocument/2006/relationships" xmlns:p="http://schemas.openxmlformats.org/presentationml/2006/main">
+  <p:cSld>
+    <p:spTree>
+      <p:nvGrpSpPr>
+        <p:cNvPr id="1" name=""/>
+        <p:cNvGrpSpPr/>
+        <p:nvPr/>
+      </p:nvGrpSpPr>
+      <p:grpSpPr>
+        <a:xfrm>
+          <a:off x="0" y="0"/>
+          <a:ext cx="0" cy="0"/>
+          <a:chOff x="0" y="0"/>
+          <a:chExt cx="0" cy="0"/>
+        </a:xfrm>
+      </p:grpSpPr>
+      <p:sp>
+        <p:nvSpPr>
+          <p:cNvPr id="2" name="Slide Image Placeholder 1"/>
+          <p:cNvSpPr>
+            <a:spLocks noGrp="1" noRot="1" noChangeAspect="1"/>
+          </p:cNvSpPr>
+          <p:nvPr>
+            <p:ph type="sldImg"/>
+          </p:nvPr>
+        </p:nvSpPr>
+        <p:spPr/>
+      </p:sp>
+      <p:sp>
+        <p:nvSpPr>
+          <p:cNvPr id="3" name="Notes Placeholder 2"/>
+          <p:cNvSpPr>
+            <a:spLocks noGrp="1"/>
+          </p:cNvSpPr>
+          <p:nvPr>
+            <p:ph type="body" idx="1"/>
+          </p:nvPr>
+        </p:nvSpPr>
+        <p:spPr/>
+        <p:txBody>
+          <a:bodyPr>
+            <a:normAutofit/>
+          </a:bodyPr>
+          <a:lstStyle/>
+          <a:p>
+            <a:endParaRPr lang="en-US"/>
+          </a:p>
+        </p:txBody>
+      </p:sp>
+      <p:sp>
+        <p:nvSpPr>
+          <p:cNvPr id="4" name="Slide Number Placeholder 3"/>
+          <p:cNvSpPr>
+            <a:spLocks noGrp="1"/>
+          </p:cNvSpPr>
+          <p:nvPr>
+            <p:ph type="sldNum" sz="quarter" idx="10"/>
+          </p:nvPr>
+        </p:nvSpPr>
+        <p:spPr/>
+        <p:txBody>
+          <a:bodyPr/>
+          <a:lstStyle/>
+          <a:p>
+            <a:fld id="{CACBEE2F-8C26-493F-9430-82D1D1B7C623}" type="slidenum">
+              <a:rPr lang="en-US" smtClean="0"/>
+              <a:pPr/>
+              <a:t>8</a:t>
+            </a:fld>
+            <a:endParaRPr lang="en-US"/>
+          </a:p>
+        </p:txBody>
+      </p:sp>
+    </p:spTree>
+  </p:cSld>
+  <p:clrMapOvr>
+    <a:masterClrMapping/>
+  </p:clrMapOvr>
+</p:notes>
+</file>
+
 <file path=ppt/slideLayouts/slideLayout1.xml><?xml version="1.0" encoding="utf-8"?>
 <p:sldLayout xmlns:a="http://schemas.openxmlformats.org/drawingml/2006/main" xmlns:r="http://schemas.openxmlformats.org/officeDocument/2006/relationships" xmlns:p="http://schemas.openxmlformats.org/presentationml/2006/main" type="title" preserve="1">
   <p:cSld name="Title Slide">
@@ -1066,7 +1315,7 @@
             <a:fld id="{F9C811E6-0209-4075-80E7-F5953C8ECEE3}" type="datetime1">
               <a:rPr lang="en-US" smtClean="0"/>
               <a:pPr/>
-              <a:t>9/14/15</a:t>
+              <a:t>9/15/15</a:t>
             </a:fld>
             <a:endParaRPr lang="en-US"/>
           </a:p>
@@ -1237,7 +1486,7 @@
             <a:fld id="{648E6BB1-E6D9-4EE7-828F-046F7223761D}" type="datetime1">
               <a:rPr lang="en-US" smtClean="0"/>
               <a:pPr/>
-              <a:t>9/14/15</a:t>
+              <a:t>9/15/15</a:t>
             </a:fld>
             <a:endParaRPr lang="en-US"/>
           </a:p>
@@ -1418,7 +1667,7 @@
             <a:fld id="{B4B9C580-A780-4D76-B2D1-C34F1DA97DF0}" type="datetime1">
               <a:rPr lang="en-US" smtClean="0"/>
               <a:pPr/>
-              <a:t>9/14/15</a:t>
+              <a:t>9/15/15</a:t>
             </a:fld>
             <a:endParaRPr lang="en-US"/>
           </a:p>
@@ -1589,7 +1838,7 @@
             <a:fld id="{EB19DDAF-3255-4785-974C-BB4FAF02D67E}" type="datetime1">
               <a:rPr lang="en-US" smtClean="0"/>
               <a:pPr/>
-              <a:t>9/14/15</a:t>
+              <a:t>9/15/15</a:t>
             </a:fld>
             <a:endParaRPr lang="en-US"/>
           </a:p>
@@ -1836,7 +2085,7 @@
             <a:fld id="{C344AF86-11D1-4E84-BA60-17130236FDAA}" type="datetime1">
               <a:rPr lang="en-US" smtClean="0"/>
               <a:pPr/>
-              <a:t>9/14/15</a:t>
+              <a:t>9/15/15</a:t>
             </a:fld>
             <a:endParaRPr lang="en-US"/>
           </a:p>
@@ -2125,7 +2374,7 @@
             <a:fld id="{A8DD670F-7E07-4783-A6F8-B28127B5AF4A}" type="datetime1">
               <a:rPr lang="en-US" smtClean="0"/>
               <a:pPr/>
-              <a:t>9/14/15</a:t>
+              <a:t>9/15/15</a:t>
             </a:fld>
             <a:endParaRPr lang="en-US"/>
           </a:p>
@@ -2548,7 +2797,7 @@
             <a:fld id="{92676DD9-688F-48EE-8233-B3B78BDDA63D}" type="datetime1">
               <a:rPr lang="en-US" smtClean="0"/>
               <a:pPr/>
-              <a:t>9/14/15</a:t>
+              <a:t>9/15/15</a:t>
             </a:fld>
             <a:endParaRPr lang="en-US"/>
           </a:p>
@@ -2667,7 +2916,7 @@
             <a:fld id="{F6CC4A83-AE34-48B8-B90E-70388FDBF0F7}" type="datetime1">
               <a:rPr lang="en-US" smtClean="0"/>
               <a:pPr/>
-              <a:t>9/14/15</a:t>
+              <a:t>9/15/15</a:t>
             </a:fld>
             <a:endParaRPr lang="en-US"/>
           </a:p>
@@ -2763,7 +3012,7 @@
             <a:fld id="{510CA3E2-9601-488E-B92B-23013819BD02}" type="datetime1">
               <a:rPr lang="en-US" smtClean="0"/>
               <a:pPr/>
-              <a:t>9/14/15</a:t>
+              <a:t>9/15/15</a:t>
             </a:fld>
             <a:endParaRPr lang="en-US"/>
           </a:p>
@@ -3041,7 +3290,7 @@
             <a:fld id="{331F1CBD-358A-4E18-86FD-C337233E15F0}" type="datetime1">
               <a:rPr lang="en-US" smtClean="0"/>
               <a:pPr/>
-              <a:t>9/14/15</a:t>
+              <a:t>9/15/15</a:t>
             </a:fld>
             <a:endParaRPr lang="en-US"/>
           </a:p>
@@ -3295,7 +3544,7 @@
             <a:fld id="{3CB4F0D5-901F-4458-A8F8-F062616694B4}" type="datetime1">
               <a:rPr lang="en-US" smtClean="0"/>
               <a:pPr/>
-              <a:t>9/14/15</a:t>
+              <a:t>9/15/15</a:t>
             </a:fld>
             <a:endParaRPr lang="en-US"/>
           </a:p>
@@ -3509,7 +3758,7 @@
             <a:fld id="{F77D84EF-BDBF-448B-906E-D51D4CAF22DC}" type="datetime1">
               <a:rPr lang="en-US" smtClean="0"/>
               <a:pPr/>
-              <a:t>9/14/15</a:t>
+              <a:t>9/15/15</a:t>
             </a:fld>
             <a:endParaRPr lang="en-US"/>
           </a:p>
@@ -3915,17 +4164,7 @@
                   </a:schemeClr>
                 </a:solidFill>
               </a:rPr>
-              <a:t>STT </a:t>
-            </a:r>
-            <a:r>
-              <a:rPr lang="en-US" sz="3200" dirty="0" smtClean="0">
-                <a:solidFill>
-                  <a:schemeClr val="accent2">
-                    <a:lumMod val="75000"/>
-                  </a:schemeClr>
-                </a:solidFill>
-              </a:rPr>
-              <a:t>465</a:t>
+              <a:t>STT 465</a:t>
             </a:r>
             <a:r>
               <a:rPr lang="en-US" sz="3200" dirty="0">
@@ -3954,7 +4193,17 @@
                   </a:schemeClr>
                 </a:solidFill>
               </a:rPr>
-              <a:t>Single-parameter models: Beta-Binomial &amp; Poisson</a:t>
+              <a:t>Single-parameter models: </a:t>
+            </a:r>
+            <a:r>
+              <a:rPr lang="en-US" sz="3200" dirty="0" smtClean="0">
+                <a:solidFill>
+                  <a:schemeClr val="accent2">
+                    <a:lumMod val="75000"/>
+                  </a:schemeClr>
+                </a:solidFill>
+              </a:rPr>
+              <a:t/>
             </a:r>
             <a:br>
               <a:rPr lang="en-US" sz="3200" dirty="0" smtClean="0">
@@ -3973,7 +4222,17 @@
                   </a:schemeClr>
                 </a:solidFill>
               </a:rPr>
-              <a:t/>
+              <a:t>Beta</a:t>
+            </a:r>
+            <a:r>
+              <a:rPr lang="en-US" sz="3200" dirty="0" smtClean="0">
+                <a:solidFill>
+                  <a:schemeClr val="accent2">
+                    <a:lumMod val="75000"/>
+                  </a:schemeClr>
+                </a:solidFill>
+              </a:rPr>
+              <a:t>-Binomial &amp; Poisson</a:t>
             </a:r>
             <a:br>
               <a:rPr lang="en-US" sz="3200" dirty="0" smtClean="0">
@@ -3992,6 +4251,25 @@
                   </a:schemeClr>
                 </a:solidFill>
               </a:rPr>
+              <a:t/>
+            </a:r>
+            <a:br>
+              <a:rPr lang="en-US" sz="3200" dirty="0" smtClean="0">
+                <a:solidFill>
+                  <a:schemeClr val="accent2">
+                    <a:lumMod val="75000"/>
+                  </a:schemeClr>
+                </a:solidFill>
+              </a:rPr>
+            </a:br>
+            <a:r>
+              <a:rPr lang="en-US" sz="3200" dirty="0" smtClean="0">
+                <a:solidFill>
+                  <a:schemeClr val="accent2">
+                    <a:lumMod val="75000"/>
+                  </a:schemeClr>
+                </a:solidFill>
+              </a:rPr>
               <a:t> </a:t>
             </a:r>
             <a:r>
@@ -4000,15 +4278,7 @@
                   <a:schemeClr val="tx2"/>
                 </a:solidFill>
               </a:rPr>
-              <a:t>(</a:t>
-            </a:r>
-            <a:r>
-              <a:rPr lang="en-US" sz="3200" dirty="0" smtClean="0">
-                <a:solidFill>
-                  <a:schemeClr val="tx2"/>
-                </a:solidFill>
-              </a:rPr>
-              <a:t>G. de los Campos)</a:t>
+              <a:t>(G. de los Campos)</a:t>
             </a:r>
             <a:endParaRPr lang="en-US" sz="3200" dirty="0">
               <a:solidFill>
@@ -4338,17 +4608,7 @@
                   </a:schemeClr>
                 </a:solidFill>
               </a:rPr>
-              <a:t>(3) </a:t>
-            </a:r>
-            <a:r>
-              <a:rPr lang="en-US" dirty="0" smtClean="0">
-                <a:solidFill>
-                  <a:schemeClr val="accent1">
-                    <a:lumMod val="75000"/>
-                  </a:schemeClr>
-                </a:solidFill>
-              </a:rPr>
-              <a:t> From (1) and (2) and using Bayes Rule, </a:t>
+              <a:t>(3)  From (1) and (2) and using Bayes Rule, </a:t>
             </a:r>
             <a:r>
               <a:rPr lang="en-US" dirty="0">
@@ -4523,7 +4783,19 @@
                   </a:schemeClr>
                 </a:solidFill>
               </a:rPr>
-              <a:t>                    </a:t>
+              <a:t>                     (consider both the effects on bias and variance)</a:t>
+            </a:r>
+          </a:p>
+          <a:p>
+            <a:r>
+              <a:rPr lang="en-US" dirty="0">
+                <a:solidFill>
+                  <a:schemeClr val="accent1">
+                    <a:lumMod val="75000"/>
+                  </a:schemeClr>
+                </a:solidFill>
+              </a:rPr>
+              <a:t>	</a:t>
             </a:r>
             <a:r>
               <a:rPr lang="en-US" dirty="0" smtClean="0">
@@ -4533,7 +4805,19 @@
                   </a:schemeClr>
                 </a:solidFill>
               </a:rPr>
-              <a:t> (consider both the effects on bias and variance)</a:t>
+              <a:t>- Posterior credibility regions (interpretation, types,…)</a:t>
+            </a:r>
+          </a:p>
+          <a:p>
+            <a:r>
+              <a:rPr lang="en-US" dirty="0" smtClean="0">
+                <a:solidFill>
+                  <a:schemeClr val="accent1">
+                    <a:lumMod val="75000"/>
+                  </a:schemeClr>
+                </a:solidFill>
+              </a:rPr>
+              <a:t>.</a:t>
             </a:r>
           </a:p>
           <a:p>
@@ -4547,61 +4831,6 @@
               </a:rPr>
               <a:t>	</a:t>
             </a:r>
-            <a:r>
-              <a:rPr lang="en-US" dirty="0" smtClean="0">
-                <a:solidFill>
-                  <a:schemeClr val="accent1">
-                    <a:lumMod val="75000"/>
-                  </a:schemeClr>
-                </a:solidFill>
-              </a:rPr>
-              <a:t>- Posterior credibility regions (interpretation, types,…)</a:t>
-            </a:r>
-            <a:endParaRPr lang="en-US" dirty="0" smtClean="0">
-              <a:solidFill>
-                <a:schemeClr val="accent1">
-                  <a:lumMod val="75000"/>
-                </a:schemeClr>
-              </a:solidFill>
-            </a:endParaRPr>
-          </a:p>
-          <a:p>
-            <a:r>
-              <a:rPr lang="en-US" dirty="0" smtClean="0">
-                <a:solidFill>
-                  <a:schemeClr val="accent1">
-                    <a:lumMod val="75000"/>
-                  </a:schemeClr>
-                </a:solidFill>
-              </a:rPr>
-              <a:t>.</a:t>
-            </a:r>
-            <a:endParaRPr lang="en-US" dirty="0" smtClean="0">
-              <a:solidFill>
-                <a:schemeClr val="accent1">
-                  <a:lumMod val="75000"/>
-                </a:schemeClr>
-              </a:solidFill>
-            </a:endParaRPr>
-          </a:p>
-          <a:p>
-            <a:r>
-              <a:rPr lang="en-US" dirty="0">
-                <a:solidFill>
-                  <a:schemeClr val="accent1">
-                    <a:lumMod val="75000"/>
-                  </a:schemeClr>
-                </a:solidFill>
-              </a:rPr>
-              <a:t>	</a:t>
-            </a:r>
-            <a:endParaRPr lang="en-US" dirty="0">
-              <a:solidFill>
-                <a:schemeClr val="accent1">
-                  <a:lumMod val="75000"/>
-                </a:schemeClr>
-              </a:solidFill>
-            </a:endParaRPr>
           </a:p>
         </p:txBody>
       </p:sp>
@@ -6024,7 +6253,7 @@
           <a:graphicData uri="http://schemas.openxmlformats.org/presentationml/2006/ole">
             <mc:AlternateContent xmlns:mc="http://schemas.openxmlformats.org/markup-compatibility/2006">
               <mc:Choice xmlns:v="urn:schemas-microsoft-com:vml" Requires="v">
-                <p:oleObj spid="_x0000_s2060" name="Equation" r:id="rId4" imgW="1384300" imgH="279400" progId="Equation.3">
+                <p:oleObj spid="_x0000_s2069" name="Equation" r:id="rId4" imgW="1384300" imgH="279400" progId="Equation.3">
                   <p:embed/>
                 </p:oleObj>
               </mc:Choice>
@@ -6081,7 +6310,7 @@
           <a:graphicData uri="http://schemas.openxmlformats.org/presentationml/2006/ole">
             <mc:AlternateContent xmlns:mc="http://schemas.openxmlformats.org/markup-compatibility/2006">
               <mc:Choice xmlns:v="urn:schemas-microsoft-com:vml" Requires="v">
-                <p:oleObj spid="_x0000_s2061" name="Equation" r:id="rId6" imgW="4686300" imgH="317500" progId="Equation.3">
+                <p:oleObj spid="_x0000_s2070" name="Equation" r:id="rId6" imgW="4686300" imgH="317500" progId="Equation.3">
                   <p:embed/>
                 </p:oleObj>
               </mc:Choice>
@@ -6138,7 +6367,7 @@
           <a:graphicData uri="http://schemas.openxmlformats.org/presentationml/2006/ole">
             <mc:AlternateContent xmlns:mc="http://schemas.openxmlformats.org/markup-compatibility/2006">
               <mc:Choice xmlns:v="urn:schemas-microsoft-com:vml" Requires="v">
-                <p:oleObj spid="_x0000_s2062" name="Equation" r:id="rId8" imgW="4318000" imgH="495300" progId="Equation.3">
+                <p:oleObj spid="_x0000_s2071" name="Equation" r:id="rId8" imgW="4318000" imgH="495300" progId="Equation.3">
                   <p:embed/>
                 </p:oleObj>
               </mc:Choice>
@@ -6195,7 +6424,7 @@
           <a:graphicData uri="http://schemas.openxmlformats.org/presentationml/2006/ole">
             <mc:AlternateContent xmlns:mc="http://schemas.openxmlformats.org/markup-compatibility/2006">
               <mc:Choice xmlns:v="urn:schemas-microsoft-com:vml" Requires="v">
-                <p:oleObj spid="_x0000_s2063" name="Equation" r:id="rId10" imgW="2438400" imgH="469900" progId="Equation.3">
+                <p:oleObj spid="_x0000_s2072" name="Equation" r:id="rId10" imgW="2438400" imgH="469900" progId="Equation.3">
                   <p:embed/>
                 </p:oleObj>
               </mc:Choice>
@@ -6728,7 +6957,7 @@
           <a:graphicData uri="http://schemas.openxmlformats.org/presentationml/2006/ole">
             <mc:AlternateContent xmlns:mc="http://schemas.openxmlformats.org/markup-compatibility/2006">
               <mc:Choice xmlns:v="urn:schemas-microsoft-com:vml" Requires="v">
-                <p:oleObj spid="_x0000_s3076" name="Equation" r:id="rId4" imgW="3479800" imgH="469900" progId="Equation.3">
+                <p:oleObj spid="_x0000_s3083" name="Equation" r:id="rId4" imgW="3479800" imgH="469900" progId="Equation.3">
                   <p:embed/>
                 </p:oleObj>
               </mc:Choice>
@@ -6785,7 +7014,7 @@
           <a:graphicData uri="http://schemas.openxmlformats.org/presentationml/2006/ole">
             <mc:AlternateContent xmlns:mc="http://schemas.openxmlformats.org/markup-compatibility/2006">
               <mc:Choice xmlns:v="urn:schemas-microsoft-com:vml" Requires="v">
-                <p:oleObj spid="_x0000_s3077" name="Equation" r:id="rId6" imgW="3657600" imgH="495300" progId="Equation.3">
+                <p:oleObj spid="_x0000_s3084" name="Equation" r:id="rId6" imgW="3657600" imgH="495300" progId="Equation.3">
                   <p:embed/>
                 </p:oleObj>
               </mc:Choice>
@@ -6842,7 +7071,7 @@
           <a:graphicData uri="http://schemas.openxmlformats.org/presentationml/2006/ole">
             <mc:AlternateContent xmlns:mc="http://schemas.openxmlformats.org/markup-compatibility/2006">
               <mc:Choice xmlns:v="urn:schemas-microsoft-com:vml" Requires="v">
-                <p:oleObj spid="_x0000_s3078" name="Equation" r:id="rId8" imgW="2895600" imgH="1422400" progId="Equation.3">
+                <p:oleObj spid="_x0000_s3085" name="Equation" r:id="rId8" imgW="2895600" imgH="1422400" progId="Equation.3">
                   <p:embed/>
                 </p:oleObj>
               </mc:Choice>
@@ -7530,7 +7759,7 @@
           <a:graphicData uri="http://schemas.openxmlformats.org/presentationml/2006/ole">
             <mc:AlternateContent xmlns:mc="http://schemas.openxmlformats.org/markup-compatibility/2006">
               <mc:Choice xmlns:v="urn:schemas-microsoft-com:vml" Requires="v">
-                <p:oleObj spid="_x0000_s4099" name="Equation" r:id="rId4" imgW="3479800" imgH="469900" progId="Equation.3">
+                <p:oleObj spid="_x0000_s4104" name="Equation" r:id="rId4" imgW="3479800" imgH="469900" progId="Equation.3">
                   <p:embed/>
                 </p:oleObj>
               </mc:Choice>
@@ -7587,7 +7816,7 @@
           <a:graphicData uri="http://schemas.openxmlformats.org/presentationml/2006/ole">
             <mc:AlternateContent xmlns:mc="http://schemas.openxmlformats.org/markup-compatibility/2006">
               <mc:Choice xmlns:v="urn:schemas-microsoft-com:vml" Requires="v">
-                <p:oleObj spid="_x0000_s4100" name="Equation" r:id="rId6" imgW="3530600" imgH="482600" progId="Equation.3">
+                <p:oleObj spid="_x0000_s4105" name="Equation" r:id="rId6" imgW="3530600" imgH="482600" progId="Equation.3">
                   <p:embed/>
                 </p:oleObj>
               </mc:Choice>
@@ -7626,6 +7855,2337 @@
     <p:extLst>
       <p:ext uri="{BB962C8B-B14F-4D97-AF65-F5344CB8AC3E}">
         <p14:creationId xmlns:p14="http://schemas.microsoft.com/office/powerpoint/2010/main" val="3136654170"/>
+      </p:ext>
+    </p:extLst>
+  </p:cSld>
+  <p:clrMapOvr>
+    <a:masterClrMapping/>
+  </p:clrMapOvr>
+  <p:timing>
+    <p:tnLst>
+      <p:par>
+        <p:cTn xmlns:p14="http://schemas.microsoft.com/office/powerpoint/2010/main" id="1" dur="indefinite" restart="never" nodeType="tmRoot">
+          <p:childTnLst>
+            <p:seq concurrent="1" nextAc="seek">
+              <p:cTn id="2" dur="indefinite" nodeType="mainSeq">
+                <p:childTnLst>
+                  <p:par>
+                    <p:cTn id="3" fill="hold">
+                      <p:stCondLst>
+                        <p:cond delay="indefinite"/>
+                      </p:stCondLst>
+                      <p:childTnLst>
+                        <p:par>
+                          <p:cTn id="4" fill="hold">
+                            <p:stCondLst>
+                              <p:cond delay="0"/>
+                            </p:stCondLst>
+                            <p:childTnLst>
+                              <p:par>
+                                <p:cTn id="5" presetID="3" presetClass="entr" presetSubtype="10" fill="hold" grpId="0" nodeType="clickEffect">
+                                  <p:stCondLst>
+                                    <p:cond delay="0"/>
+                                  </p:stCondLst>
+                                  <p:childTnLst>
+                                    <p:set>
+                                      <p:cBhvr>
+                                        <p:cTn id="6" dur="1" fill="hold">
+                                          <p:stCondLst>
+                                            <p:cond delay="0"/>
+                                          </p:stCondLst>
+                                        </p:cTn>
+                                        <p:tgtEl>
+                                          <p:spTgt spid="6">
+                                            <p:bg/>
+                                          </p:spTgt>
+                                        </p:tgtEl>
+                                        <p:attrNameLst>
+                                          <p:attrName>style.visibility</p:attrName>
+                                        </p:attrNameLst>
+                                      </p:cBhvr>
+                                      <p:to>
+                                        <p:strVal val="visible"/>
+                                      </p:to>
+                                    </p:set>
+                                    <p:animEffect transition="in" filter="blinds(horizontal)">
+                                      <p:cBhvr>
+                                        <p:cTn id="7" dur="500"/>
+                                        <p:tgtEl>
+                                          <p:spTgt spid="6">
+                                            <p:bg/>
+                                          </p:spTgt>
+                                        </p:tgtEl>
+                                      </p:cBhvr>
+                                    </p:animEffect>
+                                  </p:childTnLst>
+                                </p:cTn>
+                              </p:par>
+                            </p:childTnLst>
+                          </p:cTn>
+                        </p:par>
+                      </p:childTnLst>
+                    </p:cTn>
+                  </p:par>
+                </p:childTnLst>
+              </p:cTn>
+              <p:prevCondLst>
+                <p:cond evt="onPrev" delay="0">
+                  <p:tgtEl>
+                    <p:sldTgt/>
+                  </p:tgtEl>
+                </p:cond>
+              </p:prevCondLst>
+              <p:nextCondLst>
+                <p:cond evt="onNext" delay="0">
+                  <p:tgtEl>
+                    <p:sldTgt/>
+                  </p:tgtEl>
+                </p:cond>
+              </p:nextCondLst>
+            </p:seq>
+          </p:childTnLst>
+        </p:cTn>
+      </p:par>
+    </p:tnLst>
+    <p:bldLst>
+      <p:bldP spid="6" grpId="0" build="p" bldLvl="2" animBg="1"/>
+    </p:bldLst>
+  </p:timing>
+</p:sld>
+</file>
+
+<file path=ppt/slides/slide6.xml><?xml version="1.0" encoding="utf-8"?>
+<p:sld xmlns:a="http://schemas.openxmlformats.org/drawingml/2006/main" xmlns:r="http://schemas.openxmlformats.org/officeDocument/2006/relationships" xmlns:p="http://schemas.openxmlformats.org/presentationml/2006/main">
+  <p:cSld>
+    <p:spTree>
+      <p:nvGrpSpPr>
+        <p:cNvPr id="1" name=""/>
+        <p:cNvGrpSpPr/>
+        <p:nvPr/>
+      </p:nvGrpSpPr>
+      <p:grpSpPr>
+        <a:xfrm>
+          <a:off x="0" y="0"/>
+          <a:ext cx="0" cy="0"/>
+          <a:chOff x="0" y="0"/>
+          <a:chExt cx="0" cy="0"/>
+        </a:xfrm>
+      </p:grpSpPr>
+      <p:sp>
+        <p:nvSpPr>
+          <p:cNvPr id="2" name="Title 1"/>
+          <p:cNvSpPr>
+            <a:spLocks noGrp="1"/>
+          </p:cNvSpPr>
+          <p:nvPr>
+            <p:ph type="ctrTitle"/>
+          </p:nvPr>
+        </p:nvSpPr>
+        <p:spPr>
+          <a:xfrm>
+            <a:off x="609600" y="-152400"/>
+            <a:ext cx="7772400" cy="762000"/>
+          </a:xfrm>
+        </p:spPr>
+        <p:txBody>
+          <a:bodyPr>
+            <a:normAutofit/>
+          </a:bodyPr>
+          <a:lstStyle/>
+          <a:p>
+            <a:r>
+              <a:rPr lang="en-US" sz="2800" dirty="0" smtClean="0">
+                <a:solidFill>
+                  <a:schemeClr val="accent2">
+                    <a:lumMod val="75000"/>
+                  </a:schemeClr>
+                </a:solidFill>
+              </a:rPr>
+              <a:t>Poisson Model: Likelihood Analyses</a:t>
+            </a:r>
+            <a:endParaRPr lang="en-US" sz="2800" dirty="0">
+              <a:solidFill>
+                <a:schemeClr val="accent2">
+                  <a:lumMod val="75000"/>
+                </a:schemeClr>
+              </a:solidFill>
+            </a:endParaRPr>
+          </a:p>
+        </p:txBody>
+      </p:sp>
+      <p:sp>
+        <p:nvSpPr>
+          <p:cNvPr id="4" name="Footer Placeholder 3"/>
+          <p:cNvSpPr>
+            <a:spLocks noGrp="1"/>
+          </p:cNvSpPr>
+          <p:nvPr>
+            <p:ph type="ftr" sz="quarter" idx="11"/>
+          </p:nvPr>
+        </p:nvSpPr>
+        <p:spPr/>
+        <p:txBody>
+          <a:bodyPr/>
+          <a:lstStyle/>
+          <a:p>
+            <a:r>
+              <a:rPr lang="en-US" dirty="0" smtClean="0">
+                <a:solidFill>
+                  <a:schemeClr val="accent1"/>
+                </a:solidFill>
+              </a:rPr>
+              <a:t>STT 465, MSU, Fall, 2015</a:t>
+            </a:r>
+            <a:endParaRPr lang="en-US" dirty="0">
+              <a:solidFill>
+                <a:schemeClr val="accent1"/>
+              </a:solidFill>
+            </a:endParaRPr>
+          </a:p>
+        </p:txBody>
+      </p:sp>
+      <p:sp>
+        <p:nvSpPr>
+          <p:cNvPr id="6" name="TextBox 5"/>
+          <p:cNvSpPr txBox="1"/>
+          <p:nvPr/>
+        </p:nvSpPr>
+        <p:spPr>
+          <a:xfrm>
+            <a:off x="76200" y="533400"/>
+            <a:ext cx="9067800" cy="5909311"/>
+          </a:xfrm>
+          <a:prstGeom prst="rect">
+            <a:avLst/>
+          </a:prstGeom>
+          <a:noFill/>
+          <a:ln>
+            <a:solidFill>
+              <a:srgbClr val="800000"/>
+            </a:solidFill>
+            <a:prstDash val="sysDash"/>
+          </a:ln>
+        </p:spPr>
+        <p:txBody>
+          <a:bodyPr wrap="square" rtlCol="0">
+            <a:spAutoFit/>
+          </a:bodyPr>
+          <a:lstStyle/>
+          <a:p>
+            <a:pPr marL="285750" indent="-285750">
+              <a:buFont typeface="Symbol" charset="0"/>
+              <a:buChar char=""/>
+            </a:pPr>
+            <a:r>
+              <a:rPr lang="en-US" dirty="0" smtClean="0">
+                <a:solidFill>
+                  <a:schemeClr val="accent1">
+                    <a:lumMod val="75000"/>
+                  </a:schemeClr>
+                </a:solidFill>
+              </a:rPr>
+              <a:t>Data: count (y</a:t>
+            </a:r>
+            <a:r>
+              <a:rPr lang="en-US" baseline="-25000" dirty="0" smtClean="0">
+                <a:solidFill>
+                  <a:schemeClr val="accent1">
+                    <a:lumMod val="75000"/>
+                  </a:schemeClr>
+                </a:solidFill>
+              </a:rPr>
+              <a:t>i</a:t>
+            </a:r>
+            <a:r>
+              <a:rPr lang="en-US" dirty="0" smtClean="0">
+                <a:solidFill>
+                  <a:schemeClr val="accent1">
+                    <a:lumMod val="75000"/>
+                  </a:schemeClr>
+                </a:solidFill>
+              </a:rPr>
+              <a:t>=0,1,2,….)</a:t>
+            </a:r>
+            <a:endParaRPr lang="en-US" dirty="0">
+              <a:solidFill>
+                <a:schemeClr val="accent1">
+                  <a:lumMod val="75000"/>
+                </a:schemeClr>
+              </a:solidFill>
+            </a:endParaRPr>
+          </a:p>
+          <a:p>
+            <a:endParaRPr lang="en-US" dirty="0">
+              <a:solidFill>
+                <a:schemeClr val="accent1">
+                  <a:lumMod val="75000"/>
+                </a:schemeClr>
+              </a:solidFill>
+            </a:endParaRPr>
+          </a:p>
+          <a:p>
+            <a:pPr marL="285750" indent="-285750">
+              <a:buFont typeface="Symbol" charset="0"/>
+              <a:buChar char=""/>
+            </a:pPr>
+            <a:r>
+              <a:rPr lang="en-US" dirty="0" smtClean="0">
+                <a:solidFill>
+                  <a:schemeClr val="accent1">
+                    <a:lumMod val="75000"/>
+                  </a:schemeClr>
+                </a:solidFill>
+              </a:rPr>
+              <a:t>Probability model</a:t>
+            </a:r>
+            <a:endParaRPr lang="en-US" dirty="0" smtClean="0">
+              <a:solidFill>
+                <a:schemeClr val="accent1">
+                  <a:lumMod val="75000"/>
+                </a:schemeClr>
+              </a:solidFill>
+            </a:endParaRPr>
+          </a:p>
+          <a:p>
+            <a:pPr marL="285750" indent="-285750">
+              <a:buFont typeface="Symbol" charset="0"/>
+              <a:buChar char=""/>
+            </a:pPr>
+            <a:endParaRPr lang="en-US" dirty="0" smtClean="0">
+              <a:solidFill>
+                <a:schemeClr val="accent1">
+                  <a:lumMod val="75000"/>
+                </a:schemeClr>
+              </a:solidFill>
+            </a:endParaRPr>
+          </a:p>
+          <a:p>
+            <a:pPr marL="285750" indent="-285750">
+              <a:buFont typeface="Symbol" charset="0"/>
+              <a:buChar char=""/>
+            </a:pPr>
+            <a:endParaRPr lang="en-US" dirty="0">
+              <a:solidFill>
+                <a:schemeClr val="accent1">
+                  <a:lumMod val="75000"/>
+                </a:schemeClr>
+              </a:solidFill>
+            </a:endParaRPr>
+          </a:p>
+          <a:p>
+            <a:r>
+              <a:rPr lang="en-US" dirty="0" smtClean="0">
+                <a:solidFill>
+                  <a:schemeClr val="accent1">
+                    <a:lumMod val="75000"/>
+                  </a:schemeClr>
+                </a:solidFill>
+              </a:rPr>
+              <a:t>      [Question: What </a:t>
+            </a:r>
+            <a:r>
+              <a:rPr lang="en-US" dirty="0" smtClean="0">
+                <a:solidFill>
+                  <a:schemeClr val="accent1">
+                    <a:lumMod val="75000"/>
+                  </a:schemeClr>
+                </a:solidFill>
+              </a:rPr>
+              <a:t>part is the kernel and what part is the integrating constant?]</a:t>
+            </a:r>
+          </a:p>
+          <a:p>
+            <a:r>
+              <a:rPr lang="en-US" dirty="0">
+                <a:solidFill>
+                  <a:schemeClr val="accent1">
+                    <a:lumMod val="75000"/>
+                  </a:schemeClr>
+                </a:solidFill>
+              </a:rPr>
+              <a:t> </a:t>
+            </a:r>
+            <a:r>
+              <a:rPr lang="en-US" dirty="0" smtClean="0">
+                <a:solidFill>
+                  <a:schemeClr val="accent1">
+                    <a:lumMod val="75000"/>
+                  </a:schemeClr>
+                </a:solidFill>
+              </a:rPr>
+              <a:t>    </a:t>
+            </a:r>
+            <a:r>
+              <a:rPr lang="en-US" dirty="0">
+                <a:solidFill>
+                  <a:schemeClr val="accent1">
+                    <a:lumMod val="75000"/>
+                  </a:schemeClr>
+                </a:solidFill>
+              </a:rPr>
+              <a:t> [Question: </a:t>
+            </a:r>
+            <a:r>
+              <a:rPr lang="en-US" dirty="0" smtClean="0">
+                <a:solidFill>
+                  <a:schemeClr val="accent1">
+                    <a:lumMod val="75000"/>
+                  </a:schemeClr>
+                </a:solidFill>
+              </a:rPr>
+              <a:t>How would you find </a:t>
+            </a:r>
+            <a:r>
+              <a:rPr lang="en-US" dirty="0">
+                <a:solidFill>
+                  <a:schemeClr val="accent1">
+                    <a:lumMod val="75000"/>
+                  </a:schemeClr>
+                </a:solidFill>
+              </a:rPr>
+              <a:t>the integrating </a:t>
+            </a:r>
+            <a:r>
+              <a:rPr lang="en-US" dirty="0" smtClean="0">
+                <a:solidFill>
+                  <a:schemeClr val="accent1">
+                    <a:lumMod val="75000"/>
+                  </a:schemeClr>
+                </a:solidFill>
+              </a:rPr>
+              <a:t>constant if are give the kernel?</a:t>
+            </a:r>
+            <a:r>
+              <a:rPr lang="en-US" dirty="0">
+                <a:solidFill>
+                  <a:schemeClr val="accent1">
+                    <a:lumMod val="75000"/>
+                  </a:schemeClr>
+                </a:solidFill>
+              </a:rPr>
+              <a:t>]</a:t>
+            </a:r>
+          </a:p>
+          <a:p>
+            <a:endParaRPr lang="en-US" dirty="0" smtClean="0">
+              <a:solidFill>
+                <a:schemeClr val="accent1">
+                  <a:lumMod val="75000"/>
+                </a:schemeClr>
+              </a:solidFill>
+            </a:endParaRPr>
+          </a:p>
+          <a:p>
+            <a:pPr marL="285750" indent="-285750">
+              <a:buFont typeface="Symbol" charset="0"/>
+              <a:buChar char=""/>
+            </a:pPr>
+            <a:r>
+              <a:rPr lang="en-US" dirty="0" smtClean="0">
+                <a:solidFill>
+                  <a:schemeClr val="accent1">
+                    <a:lumMod val="75000"/>
+                  </a:schemeClr>
+                </a:solidFill>
+              </a:rPr>
+              <a:t>Expected value and variance:</a:t>
+            </a:r>
+          </a:p>
+          <a:p>
+            <a:r>
+              <a:rPr lang="en-US" dirty="0">
+                <a:solidFill>
+                  <a:schemeClr val="accent1">
+                    <a:lumMod val="75000"/>
+                  </a:schemeClr>
+                </a:solidFill>
+              </a:rPr>
+              <a:t> </a:t>
+            </a:r>
+            <a:r>
+              <a:rPr lang="en-US" dirty="0" smtClean="0">
+                <a:solidFill>
+                  <a:schemeClr val="accent1">
+                    <a:lumMod val="75000"/>
+                  </a:schemeClr>
+                </a:solidFill>
+              </a:rPr>
+              <a:t>     [Question: how would you determine the E[] and </a:t>
+            </a:r>
+            <a:r>
+              <a:rPr lang="en-US" dirty="0" err="1" smtClean="0">
+                <a:solidFill>
+                  <a:schemeClr val="accent1">
+                    <a:lumMod val="75000"/>
+                  </a:schemeClr>
+                </a:solidFill>
+              </a:rPr>
+              <a:t>Var</a:t>
+            </a:r>
+            <a:r>
+              <a:rPr lang="en-US" dirty="0" smtClean="0">
+                <a:solidFill>
+                  <a:schemeClr val="accent1">
+                    <a:lumMod val="75000"/>
+                  </a:schemeClr>
+                </a:solidFill>
+              </a:rPr>
+              <a:t>[]? ]</a:t>
+            </a:r>
+          </a:p>
+          <a:p>
+            <a:r>
+              <a:rPr lang="en-US" dirty="0" smtClean="0">
+                <a:solidFill>
+                  <a:schemeClr val="accent1">
+                    <a:lumMod val="75000"/>
+                  </a:schemeClr>
+                </a:solidFill>
+              </a:rPr>
+              <a:t>      [Question: what is the </a:t>
+            </a:r>
+            <a:r>
+              <a:rPr lang="en-US" dirty="0" err="1" smtClean="0">
+                <a:solidFill>
+                  <a:schemeClr val="accent1">
+                    <a:lumMod val="75000"/>
+                  </a:schemeClr>
+                </a:solidFill>
+              </a:rPr>
+              <a:t>coef</a:t>
+            </a:r>
+            <a:r>
+              <a:rPr lang="en-US" dirty="0" smtClean="0">
+                <a:solidFill>
+                  <a:schemeClr val="accent1">
+                    <a:lumMod val="75000"/>
+                  </a:schemeClr>
+                </a:solidFill>
+              </a:rPr>
+              <a:t>. of variation </a:t>
+            </a:r>
+            <a:r>
+              <a:rPr lang="en-US" dirty="0" err="1" smtClean="0">
+                <a:solidFill>
+                  <a:schemeClr val="accent1">
+                    <a:lumMod val="75000"/>
+                  </a:schemeClr>
+                </a:solidFill>
+              </a:rPr>
+              <a:t>sd</a:t>
+            </a:r>
+            <a:r>
+              <a:rPr lang="en-US" dirty="0" smtClean="0">
+                <a:solidFill>
+                  <a:schemeClr val="accent1">
+                    <a:lumMod val="75000"/>
+                  </a:schemeClr>
+                </a:solidFill>
+              </a:rPr>
+              <a:t>(y)/|E(y)|?]</a:t>
+            </a:r>
+          </a:p>
+          <a:p>
+            <a:endParaRPr lang="en-US" dirty="0" smtClean="0">
+              <a:solidFill>
+                <a:schemeClr val="accent1">
+                  <a:lumMod val="75000"/>
+                </a:schemeClr>
+              </a:solidFill>
+            </a:endParaRPr>
+          </a:p>
+          <a:p>
+            <a:pPr marL="285750" indent="-285750">
+              <a:buFont typeface="Symbol" charset="0"/>
+              <a:buChar char=""/>
+            </a:pPr>
+            <a:r>
+              <a:rPr lang="en-US" dirty="0" smtClean="0">
+                <a:solidFill>
+                  <a:schemeClr val="accent1">
+                    <a:lumMod val="75000"/>
+                  </a:schemeClr>
+                </a:solidFill>
+              </a:rPr>
+              <a:t>Joint distribution of n </a:t>
+            </a:r>
+            <a:r>
+              <a:rPr lang="en-US" dirty="0" err="1" smtClean="0">
+                <a:solidFill>
+                  <a:schemeClr val="accent1">
+                    <a:lumMod val="75000"/>
+                  </a:schemeClr>
+                </a:solidFill>
+              </a:rPr>
+              <a:t>iid</a:t>
+            </a:r>
+            <a:r>
+              <a:rPr lang="en-US" dirty="0" smtClean="0">
+                <a:solidFill>
+                  <a:schemeClr val="accent1">
+                    <a:lumMod val="75000"/>
+                  </a:schemeClr>
+                </a:solidFill>
+              </a:rPr>
+              <a:t> draws from a Poisson model (Sampling Model)</a:t>
+            </a:r>
+          </a:p>
+          <a:p>
+            <a:pPr marL="285750" indent="-285750">
+              <a:buFont typeface="Symbol" charset="0"/>
+              <a:buChar char=""/>
+            </a:pPr>
+            <a:endParaRPr lang="en-US" dirty="0">
+              <a:solidFill>
+                <a:schemeClr val="accent1">
+                  <a:lumMod val="75000"/>
+                </a:schemeClr>
+              </a:solidFill>
+            </a:endParaRPr>
+          </a:p>
+          <a:p>
+            <a:pPr marL="285750" indent="-285750">
+              <a:buFont typeface="Symbol" charset="0"/>
+              <a:buChar char=""/>
+            </a:pPr>
+            <a:endParaRPr lang="en-US" dirty="0" smtClean="0">
+              <a:solidFill>
+                <a:schemeClr val="accent1">
+                  <a:lumMod val="75000"/>
+                </a:schemeClr>
+              </a:solidFill>
+            </a:endParaRPr>
+          </a:p>
+          <a:p>
+            <a:endParaRPr lang="en-US" dirty="0" smtClean="0">
+              <a:solidFill>
+                <a:schemeClr val="accent1">
+                  <a:lumMod val="75000"/>
+                </a:schemeClr>
+              </a:solidFill>
+            </a:endParaRPr>
+          </a:p>
+          <a:p>
+            <a:r>
+              <a:rPr lang="en-US" dirty="0">
+                <a:solidFill>
+                  <a:schemeClr val="accent1">
+                    <a:lumMod val="75000"/>
+                  </a:schemeClr>
+                </a:solidFill>
+              </a:rPr>
+              <a:t> </a:t>
+            </a:r>
+            <a:r>
+              <a:rPr lang="en-US" dirty="0" smtClean="0">
+                <a:solidFill>
+                  <a:schemeClr val="accent1">
+                    <a:lumMod val="75000"/>
+                  </a:schemeClr>
+                </a:solidFill>
+              </a:rPr>
+              <a:t>    </a:t>
+            </a:r>
+          </a:p>
+          <a:p>
+            <a:r>
+              <a:rPr lang="en-US" dirty="0">
+                <a:solidFill>
+                  <a:schemeClr val="accent1">
+                    <a:lumMod val="75000"/>
+                  </a:schemeClr>
+                </a:solidFill>
+              </a:rPr>
+              <a:t> </a:t>
+            </a:r>
+            <a:r>
+              <a:rPr lang="en-US" dirty="0" smtClean="0">
+                <a:solidFill>
+                  <a:schemeClr val="accent1">
+                    <a:lumMod val="75000"/>
+                  </a:schemeClr>
+                </a:solidFill>
+              </a:rPr>
+              <a:t>     [ Discuss: sufficient statistic ]</a:t>
+            </a:r>
+          </a:p>
+          <a:p>
+            <a:r>
+              <a:rPr lang="en-US" dirty="0">
+                <a:solidFill>
+                  <a:schemeClr val="accent1">
+                    <a:lumMod val="75000"/>
+                  </a:schemeClr>
+                </a:solidFill>
+              </a:rPr>
+              <a:t> </a:t>
+            </a:r>
+            <a:r>
+              <a:rPr lang="en-US" dirty="0" smtClean="0">
+                <a:solidFill>
+                  <a:schemeClr val="accent1">
+                    <a:lumMod val="75000"/>
+                  </a:schemeClr>
+                </a:solidFill>
+              </a:rPr>
+              <a:t>     [ Discuss: how to get MLE of theta?; Does it have a closed form?]</a:t>
+            </a:r>
+          </a:p>
+          <a:p>
+            <a:r>
+              <a:rPr lang="en-US" dirty="0">
+                <a:solidFill>
+                  <a:schemeClr val="accent1">
+                    <a:lumMod val="75000"/>
+                  </a:schemeClr>
+                </a:solidFill>
+              </a:rPr>
+              <a:t> </a:t>
+            </a:r>
+            <a:r>
+              <a:rPr lang="en-US" dirty="0" smtClean="0">
+                <a:solidFill>
+                  <a:schemeClr val="accent1">
+                    <a:lumMod val="75000"/>
+                  </a:schemeClr>
+                </a:solidFill>
+              </a:rPr>
+              <a:t>     [ Discuss: what is the sampling variance of the MLE estimator?]</a:t>
+            </a:r>
+            <a:br>
+              <a:rPr lang="en-US" dirty="0" smtClean="0">
+                <a:solidFill>
+                  <a:schemeClr val="accent1">
+                    <a:lumMod val="75000"/>
+                  </a:schemeClr>
+                </a:solidFill>
+              </a:rPr>
+            </a:br>
+            <a:r>
+              <a:rPr lang="en-US" dirty="0" smtClean="0">
+                <a:solidFill>
+                  <a:schemeClr val="accent1">
+                    <a:lumMod val="75000"/>
+                  </a:schemeClr>
+                </a:solidFill>
+              </a:rPr>
+              <a:t>      [ Discuss: how would you provide an approximate 95% CI for the MLE estimate?]</a:t>
+            </a:r>
+            <a:endParaRPr lang="en-US" dirty="0">
+              <a:solidFill>
+                <a:schemeClr val="accent1">
+                  <a:lumMod val="75000"/>
+                </a:schemeClr>
+              </a:solidFill>
+            </a:endParaRPr>
+          </a:p>
+        </p:txBody>
+      </p:sp>
+      <p:graphicFrame>
+        <p:nvGraphicFramePr>
+          <p:cNvPr id="5" name="Object 4"/>
+          <p:cNvGraphicFramePr>
+            <a:graphicFrameLocks noChangeAspect="1"/>
+          </p:cNvGraphicFramePr>
+          <p:nvPr>
+            <p:extLst>
+              <p:ext uri="{D42A27DB-BD31-4B8C-83A1-F6EECF244321}">
+                <p14:modId xmlns:p14="http://schemas.microsoft.com/office/powerpoint/2010/main" val="2851603176"/>
+              </p:ext>
+            </p:extLst>
+          </p:nvPr>
+        </p:nvGraphicFramePr>
+        <p:xfrm>
+          <a:off x="2209800" y="990600"/>
+          <a:ext cx="2282825" cy="681590"/>
+        </p:xfrm>
+        <a:graphic>
+          <a:graphicData uri="http://schemas.openxmlformats.org/presentationml/2006/ole">
+            <mc:AlternateContent xmlns:mc="http://schemas.openxmlformats.org/markup-compatibility/2006">
+              <mc:Choice xmlns:v="urn:schemas-microsoft-com:vml" Requires="v">
+                <p:oleObj spid="_x0000_s1031" name="Equation" r:id="rId4" imgW="1485900" imgH="444500" progId="Equation.3">
+                  <p:embed/>
+                </p:oleObj>
+              </mc:Choice>
+              <mc:Fallback>
+                <p:oleObj name="Equation" r:id="rId4" imgW="1485900" imgH="444500" progId="Equation.3">
+                  <p:embed/>
+                  <p:pic>
+                    <p:nvPicPr>
+                      <p:cNvPr id="0" name=""/>
+                      <p:cNvPicPr/>
+                      <p:nvPr/>
+                    </p:nvPicPr>
+                    <p:blipFill>
+                      <a:blip r:embed="rId5"/>
+                      <a:stretch>
+                        <a:fillRect/>
+                      </a:stretch>
+                    </p:blipFill>
+                    <p:spPr>
+                      <a:xfrm>
+                        <a:off x="2209800" y="990600"/>
+                        <a:ext cx="2282825" cy="681590"/>
+                      </a:xfrm>
+                      <a:prstGeom prst="rect">
+                        <a:avLst/>
+                      </a:prstGeom>
+                    </p:spPr>
+                  </p:pic>
+                </p:oleObj>
+              </mc:Fallback>
+            </mc:AlternateContent>
+          </a:graphicData>
+        </a:graphic>
+      </p:graphicFrame>
+      <p:graphicFrame>
+        <p:nvGraphicFramePr>
+          <p:cNvPr id="8" name="Object 7"/>
+          <p:cNvGraphicFramePr>
+            <a:graphicFrameLocks noChangeAspect="1"/>
+          </p:cNvGraphicFramePr>
+          <p:nvPr>
+            <p:extLst>
+              <p:ext uri="{D42A27DB-BD31-4B8C-83A1-F6EECF244321}">
+                <p14:modId xmlns:p14="http://schemas.microsoft.com/office/powerpoint/2010/main" val="3047086703"/>
+              </p:ext>
+            </p:extLst>
+          </p:nvPr>
+        </p:nvGraphicFramePr>
+        <p:xfrm>
+          <a:off x="3276600" y="2667000"/>
+          <a:ext cx="2085974" cy="417477"/>
+        </p:xfrm>
+        <a:graphic>
+          <a:graphicData uri="http://schemas.openxmlformats.org/presentationml/2006/ole">
+            <mc:AlternateContent xmlns:mc="http://schemas.openxmlformats.org/markup-compatibility/2006">
+              <mc:Choice xmlns:v="urn:schemas-microsoft-com:vml" Requires="v">
+                <p:oleObj spid="_x0000_s1032" name="Equation" r:id="rId6" imgW="1206500" imgH="241300" progId="Equation.3">
+                  <p:embed/>
+                </p:oleObj>
+              </mc:Choice>
+              <mc:Fallback>
+                <p:oleObj name="Equation" r:id="rId6" imgW="1206500" imgH="241300" progId="Equation.3">
+                  <p:embed/>
+                  <p:pic>
+                    <p:nvPicPr>
+                      <p:cNvPr id="0" name=""/>
+                      <p:cNvPicPr/>
+                      <p:nvPr/>
+                    </p:nvPicPr>
+                    <p:blipFill>
+                      <a:blip r:embed="rId7"/>
+                      <a:stretch>
+                        <a:fillRect/>
+                      </a:stretch>
+                    </p:blipFill>
+                    <p:spPr>
+                      <a:xfrm>
+                        <a:off x="3276600" y="2667000"/>
+                        <a:ext cx="2085974" cy="417477"/>
+                      </a:xfrm>
+                      <a:prstGeom prst="rect">
+                        <a:avLst/>
+                      </a:prstGeom>
+                    </p:spPr>
+                  </p:pic>
+                </p:oleObj>
+              </mc:Fallback>
+            </mc:AlternateContent>
+          </a:graphicData>
+        </a:graphic>
+      </p:graphicFrame>
+      <p:graphicFrame>
+        <p:nvGraphicFramePr>
+          <p:cNvPr id="9" name="Object 8"/>
+          <p:cNvGraphicFramePr>
+            <a:graphicFrameLocks noChangeAspect="1"/>
+          </p:cNvGraphicFramePr>
+          <p:nvPr>
+            <p:extLst>
+              <p:ext uri="{D42A27DB-BD31-4B8C-83A1-F6EECF244321}">
+                <p14:modId xmlns:p14="http://schemas.microsoft.com/office/powerpoint/2010/main" val="2760958656"/>
+              </p:ext>
+            </p:extLst>
+          </p:nvPr>
+        </p:nvGraphicFramePr>
+        <p:xfrm>
+          <a:off x="1143000" y="4343400"/>
+          <a:ext cx="6400801" cy="700088"/>
+        </p:xfrm>
+        <a:graphic>
+          <a:graphicData uri="http://schemas.openxmlformats.org/presentationml/2006/ole">
+            <mc:AlternateContent xmlns:mc="http://schemas.openxmlformats.org/markup-compatibility/2006">
+              <mc:Choice xmlns:v="urn:schemas-microsoft-com:vml" Requires="v">
+                <p:oleObj spid="_x0000_s1033" name="Equation" r:id="rId8" imgW="4165600" imgH="457200" progId="Equation.3">
+                  <p:embed/>
+                </p:oleObj>
+              </mc:Choice>
+              <mc:Fallback>
+                <p:oleObj name="Equation" r:id="rId8" imgW="4165600" imgH="457200" progId="Equation.3">
+                  <p:embed/>
+                  <p:pic>
+                    <p:nvPicPr>
+                      <p:cNvPr id="0" name=""/>
+                      <p:cNvPicPr/>
+                      <p:nvPr/>
+                    </p:nvPicPr>
+                    <p:blipFill>
+                      <a:blip r:embed="rId9"/>
+                      <a:stretch>
+                        <a:fillRect/>
+                      </a:stretch>
+                    </p:blipFill>
+                    <p:spPr>
+                      <a:xfrm>
+                        <a:off x="1143000" y="4343400"/>
+                        <a:ext cx="6400801" cy="700088"/>
+                      </a:xfrm>
+                      <a:prstGeom prst="rect">
+                        <a:avLst/>
+                      </a:prstGeom>
+                    </p:spPr>
+                  </p:pic>
+                </p:oleObj>
+              </mc:Fallback>
+            </mc:AlternateContent>
+          </a:graphicData>
+        </a:graphic>
+      </p:graphicFrame>
+    </p:spTree>
+    <p:extLst>
+      <p:ext uri="{BB962C8B-B14F-4D97-AF65-F5344CB8AC3E}">
+        <p14:creationId xmlns:p14="http://schemas.microsoft.com/office/powerpoint/2010/main" val="697342979"/>
+      </p:ext>
+    </p:extLst>
+  </p:cSld>
+  <p:clrMapOvr>
+    <a:masterClrMapping/>
+  </p:clrMapOvr>
+  <p:timing>
+    <p:tnLst>
+      <p:par>
+        <p:cTn xmlns:p14="http://schemas.microsoft.com/office/powerpoint/2010/main" id="1" dur="indefinite" restart="never" nodeType="tmRoot">
+          <p:childTnLst>
+            <p:seq concurrent="1" nextAc="seek">
+              <p:cTn id="2" dur="indefinite" nodeType="mainSeq">
+                <p:childTnLst>
+                  <p:par>
+                    <p:cTn id="3" fill="hold">
+                      <p:stCondLst>
+                        <p:cond delay="indefinite"/>
+                      </p:stCondLst>
+                      <p:childTnLst>
+                        <p:par>
+                          <p:cTn id="4" fill="hold">
+                            <p:stCondLst>
+                              <p:cond delay="0"/>
+                            </p:stCondLst>
+                            <p:childTnLst>
+                              <p:par>
+                                <p:cTn id="5" presetID="3" presetClass="entr" presetSubtype="10" fill="hold" grpId="0" nodeType="clickEffect">
+                                  <p:stCondLst>
+                                    <p:cond delay="0"/>
+                                  </p:stCondLst>
+                                  <p:childTnLst>
+                                    <p:set>
+                                      <p:cBhvr>
+                                        <p:cTn id="6" dur="1" fill="hold">
+                                          <p:stCondLst>
+                                            <p:cond delay="0"/>
+                                          </p:stCondLst>
+                                        </p:cTn>
+                                        <p:tgtEl>
+                                          <p:spTgt spid="6">
+                                            <p:bg/>
+                                          </p:spTgt>
+                                        </p:tgtEl>
+                                        <p:attrNameLst>
+                                          <p:attrName>style.visibility</p:attrName>
+                                        </p:attrNameLst>
+                                      </p:cBhvr>
+                                      <p:to>
+                                        <p:strVal val="visible"/>
+                                      </p:to>
+                                    </p:set>
+                                    <p:animEffect transition="in" filter="blinds(horizontal)">
+                                      <p:cBhvr>
+                                        <p:cTn id="7" dur="500"/>
+                                        <p:tgtEl>
+                                          <p:spTgt spid="6">
+                                            <p:bg/>
+                                          </p:spTgt>
+                                        </p:tgtEl>
+                                      </p:cBhvr>
+                                    </p:animEffect>
+                                  </p:childTnLst>
+                                </p:cTn>
+                              </p:par>
+                            </p:childTnLst>
+                          </p:cTn>
+                        </p:par>
+                      </p:childTnLst>
+                    </p:cTn>
+                  </p:par>
+                </p:childTnLst>
+              </p:cTn>
+              <p:prevCondLst>
+                <p:cond evt="onPrev" delay="0">
+                  <p:tgtEl>
+                    <p:sldTgt/>
+                  </p:tgtEl>
+                </p:cond>
+              </p:prevCondLst>
+              <p:nextCondLst>
+                <p:cond evt="onNext" delay="0">
+                  <p:tgtEl>
+                    <p:sldTgt/>
+                  </p:tgtEl>
+                </p:cond>
+              </p:nextCondLst>
+            </p:seq>
+          </p:childTnLst>
+        </p:cTn>
+      </p:par>
+    </p:tnLst>
+    <p:bldLst>
+      <p:bldP spid="6" grpId="0" build="p" bldLvl="2" animBg="1"/>
+    </p:bldLst>
+  </p:timing>
+</p:sld>
+</file>
+
+<file path=ppt/slides/slide7.xml><?xml version="1.0" encoding="utf-8"?>
+<p:sld xmlns:a="http://schemas.openxmlformats.org/drawingml/2006/main" xmlns:r="http://schemas.openxmlformats.org/officeDocument/2006/relationships" xmlns:p="http://schemas.openxmlformats.org/presentationml/2006/main">
+  <p:cSld>
+    <p:spTree>
+      <p:nvGrpSpPr>
+        <p:cNvPr id="1" name=""/>
+        <p:cNvGrpSpPr/>
+        <p:nvPr/>
+      </p:nvGrpSpPr>
+      <p:grpSpPr>
+        <a:xfrm>
+          <a:off x="0" y="0"/>
+          <a:ext cx="0" cy="0"/>
+          <a:chOff x="0" y="0"/>
+          <a:chExt cx="0" cy="0"/>
+        </a:xfrm>
+      </p:grpSpPr>
+      <p:sp>
+        <p:nvSpPr>
+          <p:cNvPr id="2" name="Title 1"/>
+          <p:cNvSpPr>
+            <a:spLocks noGrp="1"/>
+          </p:cNvSpPr>
+          <p:nvPr>
+            <p:ph type="ctrTitle"/>
+          </p:nvPr>
+        </p:nvSpPr>
+        <p:spPr>
+          <a:xfrm>
+            <a:off x="609600" y="-152400"/>
+            <a:ext cx="7772400" cy="762000"/>
+          </a:xfrm>
+        </p:spPr>
+        <p:txBody>
+          <a:bodyPr>
+            <a:normAutofit/>
+          </a:bodyPr>
+          <a:lstStyle/>
+          <a:p>
+            <a:r>
+              <a:rPr lang="en-US" sz="2800" dirty="0" smtClean="0">
+                <a:solidFill>
+                  <a:schemeClr val="accent2">
+                    <a:lumMod val="75000"/>
+                  </a:schemeClr>
+                </a:solidFill>
+              </a:rPr>
+              <a:t>Poisson Model: In search for a conjugate prior</a:t>
+            </a:r>
+            <a:endParaRPr lang="en-US" sz="2800" dirty="0">
+              <a:solidFill>
+                <a:schemeClr val="accent2">
+                  <a:lumMod val="75000"/>
+                </a:schemeClr>
+              </a:solidFill>
+            </a:endParaRPr>
+          </a:p>
+        </p:txBody>
+      </p:sp>
+      <p:sp>
+        <p:nvSpPr>
+          <p:cNvPr id="4" name="Footer Placeholder 3"/>
+          <p:cNvSpPr>
+            <a:spLocks noGrp="1"/>
+          </p:cNvSpPr>
+          <p:nvPr>
+            <p:ph type="ftr" sz="quarter" idx="11"/>
+          </p:nvPr>
+        </p:nvSpPr>
+        <p:spPr/>
+        <p:txBody>
+          <a:bodyPr/>
+          <a:lstStyle/>
+          <a:p>
+            <a:r>
+              <a:rPr lang="en-US" dirty="0" smtClean="0">
+                <a:solidFill>
+                  <a:schemeClr val="accent1"/>
+                </a:solidFill>
+              </a:rPr>
+              <a:t>STT 465, MSU, Fall, 2015</a:t>
+            </a:r>
+            <a:endParaRPr lang="en-US" dirty="0">
+              <a:solidFill>
+                <a:schemeClr val="accent1"/>
+              </a:solidFill>
+            </a:endParaRPr>
+          </a:p>
+        </p:txBody>
+      </p:sp>
+      <p:sp>
+        <p:nvSpPr>
+          <p:cNvPr id="6" name="TextBox 5"/>
+          <p:cNvSpPr txBox="1"/>
+          <p:nvPr/>
+        </p:nvSpPr>
+        <p:spPr>
+          <a:xfrm>
+            <a:off x="76200" y="533400"/>
+            <a:ext cx="9067800" cy="5909311"/>
+          </a:xfrm>
+          <a:prstGeom prst="rect">
+            <a:avLst/>
+          </a:prstGeom>
+          <a:noFill/>
+          <a:ln>
+            <a:solidFill>
+              <a:srgbClr val="800000"/>
+            </a:solidFill>
+            <a:prstDash val="sysDash"/>
+          </a:ln>
+        </p:spPr>
+        <p:txBody>
+          <a:bodyPr wrap="square" rtlCol="0">
+            <a:spAutoFit/>
+          </a:bodyPr>
+          <a:lstStyle/>
+          <a:p>
+            <a:pPr marL="285750" indent="-285750">
+              <a:buFont typeface="Symbol" charset="0"/>
+              <a:buChar char=""/>
+            </a:pPr>
+            <a:r>
+              <a:rPr lang="en-US" dirty="0" smtClean="0">
+                <a:solidFill>
+                  <a:schemeClr val="accent1">
+                    <a:lumMod val="75000"/>
+                  </a:schemeClr>
+                </a:solidFill>
+              </a:rPr>
+              <a:t>Likelihood</a:t>
+            </a:r>
+          </a:p>
+          <a:p>
+            <a:pPr marL="285750" indent="-285750">
+              <a:buFont typeface="Symbol" charset="0"/>
+              <a:buChar char=""/>
+            </a:pPr>
+            <a:endParaRPr lang="en-US" dirty="0">
+              <a:solidFill>
+                <a:schemeClr val="accent1">
+                  <a:lumMod val="75000"/>
+                </a:schemeClr>
+              </a:solidFill>
+            </a:endParaRPr>
+          </a:p>
+          <a:p>
+            <a:pPr marL="285750" indent="-285750">
+              <a:buFont typeface="Symbol" charset="0"/>
+              <a:buChar char=""/>
+            </a:pPr>
+            <a:endParaRPr lang="en-US" dirty="0" smtClean="0">
+              <a:solidFill>
+                <a:schemeClr val="accent1">
+                  <a:lumMod val="75000"/>
+                </a:schemeClr>
+              </a:solidFill>
+            </a:endParaRPr>
+          </a:p>
+          <a:p>
+            <a:endParaRPr lang="en-US" dirty="0">
+              <a:solidFill>
+                <a:schemeClr val="accent1">
+                  <a:lumMod val="75000"/>
+                </a:schemeClr>
+              </a:solidFill>
+            </a:endParaRPr>
+          </a:p>
+          <a:p>
+            <a:pPr marL="285750" indent="-285750">
+              <a:buFont typeface="Symbol" charset="0"/>
+              <a:buChar char=""/>
+            </a:pPr>
+            <a:r>
+              <a:rPr lang="en-US" dirty="0" smtClean="0">
+                <a:solidFill>
+                  <a:schemeClr val="accent1">
+                    <a:lumMod val="75000"/>
+                  </a:schemeClr>
+                </a:solidFill>
+              </a:rPr>
+              <a:t>We may guess that a conjugate prior may have this form:</a:t>
+            </a:r>
+          </a:p>
+          <a:p>
+            <a:endParaRPr lang="en-US" dirty="0" smtClean="0">
+              <a:solidFill>
+                <a:schemeClr val="accent1">
+                  <a:lumMod val="75000"/>
+                </a:schemeClr>
+              </a:solidFill>
+            </a:endParaRPr>
+          </a:p>
+          <a:p>
+            <a:pPr marL="285750" indent="-285750">
+              <a:buFont typeface="Symbol" charset="0"/>
+              <a:buChar char=""/>
+            </a:pPr>
+            <a:endParaRPr lang="en-US" dirty="0">
+              <a:solidFill>
+                <a:schemeClr val="accent1">
+                  <a:lumMod val="75000"/>
+                </a:schemeClr>
+              </a:solidFill>
+            </a:endParaRPr>
+          </a:p>
+          <a:p>
+            <a:pPr marL="285750" indent="-285750">
+              <a:buFont typeface="Symbol" charset="0"/>
+              <a:buChar char=""/>
+            </a:pPr>
+            <a:endParaRPr lang="en-US" dirty="0" smtClean="0">
+              <a:solidFill>
+                <a:schemeClr val="accent1">
+                  <a:lumMod val="75000"/>
+                </a:schemeClr>
+              </a:solidFill>
+            </a:endParaRPr>
+          </a:p>
+          <a:p>
+            <a:pPr marL="285750" indent="-285750">
+              <a:buFont typeface="Symbol" charset="0"/>
+              <a:buChar char=""/>
+            </a:pPr>
+            <a:r>
+              <a:rPr lang="en-US" dirty="0" smtClean="0">
+                <a:solidFill>
+                  <a:schemeClr val="accent1">
+                    <a:lumMod val="75000"/>
+                  </a:schemeClr>
+                </a:solidFill>
+              </a:rPr>
+              <a:t>If we have something like that, the posterior will have the following kernel</a:t>
+            </a:r>
+          </a:p>
+          <a:p>
+            <a:pPr marL="285750" indent="-285750">
+              <a:buFont typeface="Symbol" charset="0"/>
+              <a:buChar char=""/>
+            </a:pPr>
+            <a:endParaRPr lang="en-US" dirty="0">
+              <a:solidFill>
+                <a:schemeClr val="accent1">
+                  <a:lumMod val="75000"/>
+                </a:schemeClr>
+              </a:solidFill>
+            </a:endParaRPr>
+          </a:p>
+          <a:p>
+            <a:pPr marL="285750" indent="-285750">
+              <a:buFont typeface="Symbol" charset="0"/>
+              <a:buChar char=""/>
+            </a:pPr>
+            <a:endParaRPr lang="en-US" dirty="0" smtClean="0">
+              <a:solidFill>
+                <a:schemeClr val="accent1">
+                  <a:lumMod val="75000"/>
+                </a:schemeClr>
+              </a:solidFill>
+            </a:endParaRPr>
+          </a:p>
+          <a:p>
+            <a:pPr marL="285750" indent="-285750">
+              <a:buFont typeface="Symbol" charset="0"/>
+              <a:buChar char=""/>
+            </a:pPr>
+            <a:endParaRPr lang="en-US" dirty="0">
+              <a:solidFill>
+                <a:schemeClr val="accent1">
+                  <a:lumMod val="75000"/>
+                </a:schemeClr>
+              </a:solidFill>
+            </a:endParaRPr>
+          </a:p>
+          <a:p>
+            <a:pPr marL="285750" indent="-285750">
+              <a:buFont typeface="Symbol" charset="0"/>
+              <a:buChar char=""/>
+            </a:pPr>
+            <a:endParaRPr lang="en-US" dirty="0" smtClean="0">
+              <a:solidFill>
+                <a:schemeClr val="accent1">
+                  <a:lumMod val="75000"/>
+                </a:schemeClr>
+              </a:solidFill>
+            </a:endParaRPr>
+          </a:p>
+          <a:p>
+            <a:pPr marL="285750" indent="-285750">
+              <a:buFont typeface="Symbol" charset="0"/>
+              <a:buChar char=""/>
+            </a:pPr>
+            <a:endParaRPr lang="en-US" dirty="0">
+              <a:solidFill>
+                <a:schemeClr val="accent1">
+                  <a:lumMod val="75000"/>
+                </a:schemeClr>
+              </a:solidFill>
+            </a:endParaRPr>
+          </a:p>
+          <a:p>
+            <a:pPr marL="285750" indent="-285750">
+              <a:buFont typeface="Symbol" charset="0"/>
+              <a:buChar char=""/>
+            </a:pPr>
+            <a:endParaRPr lang="en-US" dirty="0" smtClean="0">
+              <a:solidFill>
+                <a:schemeClr val="accent1">
+                  <a:lumMod val="75000"/>
+                </a:schemeClr>
+              </a:solidFill>
+            </a:endParaRPr>
+          </a:p>
+          <a:p>
+            <a:pPr marL="285750" indent="-285750">
+              <a:buFont typeface="Symbol" charset="0"/>
+              <a:buChar char=""/>
+            </a:pPr>
+            <a:r>
+              <a:rPr lang="en-US" dirty="0" smtClean="0">
+                <a:solidFill>
+                  <a:schemeClr val="accent1">
+                    <a:lumMod val="75000"/>
+                  </a:schemeClr>
+                </a:solidFill>
+              </a:rPr>
+              <a:t>We have such form in the Gamma distribution</a:t>
+            </a:r>
+          </a:p>
+          <a:p>
+            <a:endParaRPr lang="en-US" dirty="0" smtClean="0">
+              <a:solidFill>
+                <a:schemeClr val="accent1">
+                  <a:lumMod val="75000"/>
+                </a:schemeClr>
+              </a:solidFill>
+            </a:endParaRPr>
+          </a:p>
+          <a:p>
+            <a:pPr marL="285750" indent="-285750">
+              <a:buFont typeface="Symbol" charset="0"/>
+              <a:buChar char=""/>
+            </a:pPr>
+            <a:endParaRPr lang="en-US" dirty="0">
+              <a:solidFill>
+                <a:schemeClr val="accent1">
+                  <a:lumMod val="75000"/>
+                </a:schemeClr>
+              </a:solidFill>
+            </a:endParaRPr>
+          </a:p>
+          <a:p>
+            <a:pPr marL="285750" indent="-285750">
+              <a:buFont typeface="Symbol" charset="0"/>
+              <a:buChar char=""/>
+            </a:pPr>
+            <a:endParaRPr lang="en-US" dirty="0" smtClean="0">
+              <a:solidFill>
+                <a:schemeClr val="accent1">
+                  <a:lumMod val="75000"/>
+                </a:schemeClr>
+              </a:solidFill>
+            </a:endParaRPr>
+          </a:p>
+          <a:p>
+            <a:endParaRPr lang="en-US" dirty="0" smtClean="0">
+              <a:solidFill>
+                <a:schemeClr val="accent1">
+                  <a:lumMod val="75000"/>
+                </a:schemeClr>
+              </a:solidFill>
+            </a:endParaRPr>
+          </a:p>
+          <a:p>
+            <a:endParaRPr lang="en-US" dirty="0">
+              <a:solidFill>
+                <a:schemeClr val="accent1">
+                  <a:lumMod val="75000"/>
+                </a:schemeClr>
+              </a:solidFill>
+            </a:endParaRPr>
+          </a:p>
+        </p:txBody>
+      </p:sp>
+      <p:graphicFrame>
+        <p:nvGraphicFramePr>
+          <p:cNvPr id="9" name="Object 8"/>
+          <p:cNvGraphicFramePr>
+            <a:graphicFrameLocks noChangeAspect="1"/>
+          </p:cNvGraphicFramePr>
+          <p:nvPr>
+            <p:extLst>
+              <p:ext uri="{D42A27DB-BD31-4B8C-83A1-F6EECF244321}">
+                <p14:modId xmlns:p14="http://schemas.microsoft.com/office/powerpoint/2010/main" val="3757776478"/>
+              </p:ext>
+            </p:extLst>
+          </p:nvPr>
+        </p:nvGraphicFramePr>
+        <p:xfrm>
+          <a:off x="2184400" y="906463"/>
+          <a:ext cx="2205038" cy="388937"/>
+        </p:xfrm>
+        <a:graphic>
+          <a:graphicData uri="http://schemas.openxmlformats.org/presentationml/2006/ole">
+            <mc:AlternateContent xmlns:mc="http://schemas.openxmlformats.org/markup-compatibility/2006">
+              <mc:Choice xmlns:v="urn:schemas-microsoft-com:vml" Requires="v">
+                <p:oleObj spid="_x0000_s5131" name="Equation" r:id="rId4" imgW="1435100" imgH="254000" progId="Equation.3">
+                  <p:embed/>
+                </p:oleObj>
+              </mc:Choice>
+              <mc:Fallback>
+                <p:oleObj name="Equation" r:id="rId4" imgW="1435100" imgH="254000" progId="Equation.3">
+                  <p:embed/>
+                  <p:pic>
+                    <p:nvPicPr>
+                      <p:cNvPr id="0" name=""/>
+                      <p:cNvPicPr/>
+                      <p:nvPr/>
+                    </p:nvPicPr>
+                    <p:blipFill>
+                      <a:blip r:embed="rId5"/>
+                      <a:stretch>
+                        <a:fillRect/>
+                      </a:stretch>
+                    </p:blipFill>
+                    <p:spPr>
+                      <a:xfrm>
+                        <a:off x="2184400" y="906463"/>
+                        <a:ext cx="2205038" cy="388937"/>
+                      </a:xfrm>
+                      <a:prstGeom prst="rect">
+                        <a:avLst/>
+                      </a:prstGeom>
+                    </p:spPr>
+                  </p:pic>
+                </p:oleObj>
+              </mc:Fallback>
+            </mc:AlternateContent>
+          </a:graphicData>
+        </a:graphic>
+      </p:graphicFrame>
+      <p:graphicFrame>
+        <p:nvGraphicFramePr>
+          <p:cNvPr id="10" name="Object 9"/>
+          <p:cNvGraphicFramePr>
+            <a:graphicFrameLocks noChangeAspect="1"/>
+          </p:cNvGraphicFramePr>
+          <p:nvPr>
+            <p:extLst>
+              <p:ext uri="{D42A27DB-BD31-4B8C-83A1-F6EECF244321}">
+                <p14:modId xmlns:p14="http://schemas.microsoft.com/office/powerpoint/2010/main" val="2045955067"/>
+              </p:ext>
+            </p:extLst>
+          </p:nvPr>
+        </p:nvGraphicFramePr>
+        <p:xfrm>
+          <a:off x="2513013" y="2200275"/>
+          <a:ext cx="1500187" cy="466725"/>
+        </p:xfrm>
+        <a:graphic>
+          <a:graphicData uri="http://schemas.openxmlformats.org/presentationml/2006/ole">
+            <mc:AlternateContent xmlns:mc="http://schemas.openxmlformats.org/markup-compatibility/2006">
+              <mc:Choice xmlns:v="urn:schemas-microsoft-com:vml" Requires="v">
+                <p:oleObj spid="_x0000_s5132" name="Equation" r:id="rId6" imgW="977900" imgH="304800" progId="Equation.3">
+                  <p:embed/>
+                </p:oleObj>
+              </mc:Choice>
+              <mc:Fallback>
+                <p:oleObj name="Equation" r:id="rId6" imgW="977900" imgH="304800" progId="Equation.3">
+                  <p:embed/>
+                  <p:pic>
+                    <p:nvPicPr>
+                      <p:cNvPr id="0" name=""/>
+                      <p:cNvPicPr/>
+                      <p:nvPr/>
+                    </p:nvPicPr>
+                    <p:blipFill>
+                      <a:blip r:embed="rId7"/>
+                      <a:stretch>
+                        <a:fillRect/>
+                      </a:stretch>
+                    </p:blipFill>
+                    <p:spPr>
+                      <a:xfrm>
+                        <a:off x="2513013" y="2200275"/>
+                        <a:ext cx="1500187" cy="466725"/>
+                      </a:xfrm>
+                      <a:prstGeom prst="rect">
+                        <a:avLst/>
+                      </a:prstGeom>
+                    </p:spPr>
+                  </p:pic>
+                </p:oleObj>
+              </mc:Fallback>
+            </mc:AlternateContent>
+          </a:graphicData>
+        </a:graphic>
+      </p:graphicFrame>
+      <p:graphicFrame>
+        <p:nvGraphicFramePr>
+          <p:cNvPr id="11" name="Object 10"/>
+          <p:cNvGraphicFramePr>
+            <a:graphicFrameLocks noChangeAspect="1"/>
+          </p:cNvGraphicFramePr>
+          <p:nvPr>
+            <p:extLst>
+              <p:ext uri="{D42A27DB-BD31-4B8C-83A1-F6EECF244321}">
+                <p14:modId xmlns:p14="http://schemas.microsoft.com/office/powerpoint/2010/main" val="131962913"/>
+              </p:ext>
+            </p:extLst>
+          </p:nvPr>
+        </p:nvGraphicFramePr>
+        <p:xfrm>
+          <a:off x="2427288" y="3179763"/>
+          <a:ext cx="3338512" cy="1341437"/>
+        </p:xfrm>
+        <a:graphic>
+          <a:graphicData uri="http://schemas.openxmlformats.org/presentationml/2006/ole">
+            <mc:AlternateContent xmlns:mc="http://schemas.openxmlformats.org/markup-compatibility/2006">
+              <mc:Choice xmlns:v="urn:schemas-microsoft-com:vml" Requires="v">
+                <p:oleObj spid="_x0000_s5133" name="Equation" r:id="rId8" imgW="2171700" imgH="876300" progId="Equation.3">
+                  <p:embed/>
+                </p:oleObj>
+              </mc:Choice>
+              <mc:Fallback>
+                <p:oleObj name="Equation" r:id="rId8" imgW="2171700" imgH="876300" progId="Equation.3">
+                  <p:embed/>
+                  <p:pic>
+                    <p:nvPicPr>
+                      <p:cNvPr id="0" name=""/>
+                      <p:cNvPicPr/>
+                      <p:nvPr/>
+                    </p:nvPicPr>
+                    <p:blipFill>
+                      <a:blip r:embed="rId9"/>
+                      <a:stretch>
+                        <a:fillRect/>
+                      </a:stretch>
+                    </p:blipFill>
+                    <p:spPr>
+                      <a:xfrm>
+                        <a:off x="2427288" y="3179763"/>
+                        <a:ext cx="3338512" cy="1341437"/>
+                      </a:xfrm>
+                      <a:prstGeom prst="rect">
+                        <a:avLst/>
+                      </a:prstGeom>
+                    </p:spPr>
+                  </p:pic>
+                </p:oleObj>
+              </mc:Fallback>
+            </mc:AlternateContent>
+          </a:graphicData>
+        </a:graphic>
+      </p:graphicFrame>
+      <p:graphicFrame>
+        <p:nvGraphicFramePr>
+          <p:cNvPr id="12" name="Object 11"/>
+          <p:cNvGraphicFramePr>
+            <a:graphicFrameLocks noChangeAspect="1"/>
+          </p:cNvGraphicFramePr>
+          <p:nvPr>
+            <p:extLst>
+              <p:ext uri="{D42A27DB-BD31-4B8C-83A1-F6EECF244321}">
+                <p14:modId xmlns:p14="http://schemas.microsoft.com/office/powerpoint/2010/main" val="487052945"/>
+              </p:ext>
+            </p:extLst>
+          </p:nvPr>
+        </p:nvGraphicFramePr>
+        <p:xfrm>
+          <a:off x="2195513" y="5170488"/>
+          <a:ext cx="2420937" cy="758825"/>
+        </p:xfrm>
+        <a:graphic>
+          <a:graphicData uri="http://schemas.openxmlformats.org/presentationml/2006/ole">
+            <mc:AlternateContent xmlns:mc="http://schemas.openxmlformats.org/markup-compatibility/2006">
+              <mc:Choice xmlns:v="urn:schemas-microsoft-com:vml" Requires="v">
+                <p:oleObj spid="_x0000_s5134" name="Equation" r:id="rId10" imgW="1574800" imgH="495300" progId="Equation.3">
+                  <p:embed/>
+                </p:oleObj>
+              </mc:Choice>
+              <mc:Fallback>
+                <p:oleObj name="Equation" r:id="rId10" imgW="1574800" imgH="495300" progId="Equation.3">
+                  <p:embed/>
+                  <p:pic>
+                    <p:nvPicPr>
+                      <p:cNvPr id="0" name=""/>
+                      <p:cNvPicPr/>
+                      <p:nvPr/>
+                    </p:nvPicPr>
+                    <p:blipFill>
+                      <a:blip r:embed="rId11"/>
+                      <a:stretch>
+                        <a:fillRect/>
+                      </a:stretch>
+                    </p:blipFill>
+                    <p:spPr>
+                      <a:xfrm>
+                        <a:off x="2195513" y="5170488"/>
+                        <a:ext cx="2420937" cy="758825"/>
+                      </a:xfrm>
+                      <a:prstGeom prst="rect">
+                        <a:avLst/>
+                      </a:prstGeom>
+                    </p:spPr>
+                  </p:pic>
+                </p:oleObj>
+              </mc:Fallback>
+            </mc:AlternateContent>
+          </a:graphicData>
+        </a:graphic>
+      </p:graphicFrame>
+    </p:spTree>
+    <p:extLst>
+      <p:ext uri="{BB962C8B-B14F-4D97-AF65-F5344CB8AC3E}">
+        <p14:creationId xmlns:p14="http://schemas.microsoft.com/office/powerpoint/2010/main" val="3316175018"/>
+      </p:ext>
+    </p:extLst>
+  </p:cSld>
+  <p:clrMapOvr>
+    <a:masterClrMapping/>
+  </p:clrMapOvr>
+  <p:timing>
+    <p:tnLst>
+      <p:par>
+        <p:cTn xmlns:p14="http://schemas.microsoft.com/office/powerpoint/2010/main" id="1" dur="indefinite" restart="never" nodeType="tmRoot">
+          <p:childTnLst>
+            <p:seq concurrent="1" nextAc="seek">
+              <p:cTn id="2" dur="indefinite" nodeType="mainSeq">
+                <p:childTnLst>
+                  <p:par>
+                    <p:cTn id="3" fill="hold">
+                      <p:stCondLst>
+                        <p:cond delay="indefinite"/>
+                      </p:stCondLst>
+                      <p:childTnLst>
+                        <p:par>
+                          <p:cTn id="4" fill="hold">
+                            <p:stCondLst>
+                              <p:cond delay="0"/>
+                            </p:stCondLst>
+                            <p:childTnLst>
+                              <p:par>
+                                <p:cTn id="5" presetID="3" presetClass="entr" presetSubtype="10" fill="hold" grpId="0" nodeType="clickEffect">
+                                  <p:stCondLst>
+                                    <p:cond delay="0"/>
+                                  </p:stCondLst>
+                                  <p:childTnLst>
+                                    <p:set>
+                                      <p:cBhvr>
+                                        <p:cTn id="6" dur="1" fill="hold">
+                                          <p:stCondLst>
+                                            <p:cond delay="0"/>
+                                          </p:stCondLst>
+                                        </p:cTn>
+                                        <p:tgtEl>
+                                          <p:spTgt spid="6">
+                                            <p:bg/>
+                                          </p:spTgt>
+                                        </p:tgtEl>
+                                        <p:attrNameLst>
+                                          <p:attrName>style.visibility</p:attrName>
+                                        </p:attrNameLst>
+                                      </p:cBhvr>
+                                      <p:to>
+                                        <p:strVal val="visible"/>
+                                      </p:to>
+                                    </p:set>
+                                    <p:animEffect transition="in" filter="blinds(horizontal)">
+                                      <p:cBhvr>
+                                        <p:cTn id="7" dur="500"/>
+                                        <p:tgtEl>
+                                          <p:spTgt spid="6">
+                                            <p:bg/>
+                                          </p:spTgt>
+                                        </p:tgtEl>
+                                      </p:cBhvr>
+                                    </p:animEffect>
+                                  </p:childTnLst>
+                                </p:cTn>
+                              </p:par>
+                            </p:childTnLst>
+                          </p:cTn>
+                        </p:par>
+                      </p:childTnLst>
+                    </p:cTn>
+                  </p:par>
+                </p:childTnLst>
+              </p:cTn>
+              <p:prevCondLst>
+                <p:cond evt="onPrev" delay="0">
+                  <p:tgtEl>
+                    <p:sldTgt/>
+                  </p:tgtEl>
+                </p:cond>
+              </p:prevCondLst>
+              <p:nextCondLst>
+                <p:cond evt="onNext" delay="0">
+                  <p:tgtEl>
+                    <p:sldTgt/>
+                  </p:tgtEl>
+                </p:cond>
+              </p:nextCondLst>
+            </p:seq>
+          </p:childTnLst>
+        </p:cTn>
+      </p:par>
+    </p:tnLst>
+    <p:bldLst>
+      <p:bldP spid="6" grpId="0" build="p" bldLvl="2" animBg="1"/>
+    </p:bldLst>
+  </p:timing>
+</p:sld>
+</file>
+
+<file path=ppt/slides/slide8.xml><?xml version="1.0" encoding="utf-8"?>
+<p:sld xmlns:a="http://schemas.openxmlformats.org/drawingml/2006/main" xmlns:r="http://schemas.openxmlformats.org/officeDocument/2006/relationships" xmlns:p="http://schemas.openxmlformats.org/presentationml/2006/main">
+  <p:cSld>
+    <p:spTree>
+      <p:nvGrpSpPr>
+        <p:cNvPr id="1" name=""/>
+        <p:cNvGrpSpPr/>
+        <p:nvPr/>
+      </p:nvGrpSpPr>
+      <p:grpSpPr>
+        <a:xfrm>
+          <a:off x="0" y="0"/>
+          <a:ext cx="0" cy="0"/>
+          <a:chOff x="0" y="0"/>
+          <a:chExt cx="0" cy="0"/>
+        </a:xfrm>
+      </p:grpSpPr>
+      <p:sp>
+        <p:nvSpPr>
+          <p:cNvPr id="2" name="Title 1"/>
+          <p:cNvSpPr>
+            <a:spLocks noGrp="1"/>
+          </p:cNvSpPr>
+          <p:nvPr>
+            <p:ph type="ctrTitle"/>
+          </p:nvPr>
+        </p:nvSpPr>
+        <p:spPr>
+          <a:xfrm>
+            <a:off x="609600" y="-152400"/>
+            <a:ext cx="7772400" cy="762000"/>
+          </a:xfrm>
+        </p:spPr>
+        <p:txBody>
+          <a:bodyPr>
+            <a:normAutofit/>
+          </a:bodyPr>
+          <a:lstStyle/>
+          <a:p>
+            <a:r>
+              <a:rPr lang="en-US" sz="2800" dirty="0" smtClean="0">
+                <a:solidFill>
+                  <a:schemeClr val="accent2">
+                    <a:lumMod val="75000"/>
+                  </a:schemeClr>
+                </a:solidFill>
+              </a:rPr>
+              <a:t>Poisson Model: Posterior Density</a:t>
+            </a:r>
+            <a:endParaRPr lang="en-US" sz="2800" dirty="0">
+              <a:solidFill>
+                <a:schemeClr val="accent2">
+                  <a:lumMod val="75000"/>
+                </a:schemeClr>
+              </a:solidFill>
+            </a:endParaRPr>
+          </a:p>
+        </p:txBody>
+      </p:sp>
+      <p:sp>
+        <p:nvSpPr>
+          <p:cNvPr id="4" name="Footer Placeholder 3"/>
+          <p:cNvSpPr>
+            <a:spLocks noGrp="1"/>
+          </p:cNvSpPr>
+          <p:nvPr>
+            <p:ph type="ftr" sz="quarter" idx="11"/>
+          </p:nvPr>
+        </p:nvSpPr>
+        <p:spPr/>
+        <p:txBody>
+          <a:bodyPr/>
+          <a:lstStyle/>
+          <a:p>
+            <a:r>
+              <a:rPr lang="en-US" dirty="0" smtClean="0">
+                <a:solidFill>
+                  <a:schemeClr val="accent1"/>
+                </a:solidFill>
+              </a:rPr>
+              <a:t>STT 465, MSU, Fall, 2015</a:t>
+            </a:r>
+            <a:endParaRPr lang="en-US" dirty="0">
+              <a:solidFill>
+                <a:schemeClr val="accent1"/>
+              </a:solidFill>
+            </a:endParaRPr>
+          </a:p>
+        </p:txBody>
+      </p:sp>
+      <p:sp>
+        <p:nvSpPr>
+          <p:cNvPr id="6" name="TextBox 5"/>
+          <p:cNvSpPr txBox="1"/>
+          <p:nvPr/>
+        </p:nvSpPr>
+        <p:spPr>
+          <a:xfrm>
+            <a:off x="76200" y="533400"/>
+            <a:ext cx="9067800" cy="5909311"/>
+          </a:xfrm>
+          <a:prstGeom prst="rect">
+            <a:avLst/>
+          </a:prstGeom>
+          <a:noFill/>
+          <a:ln>
+            <a:solidFill>
+              <a:srgbClr val="800000"/>
+            </a:solidFill>
+            <a:prstDash val="sysDash"/>
+          </a:ln>
+        </p:spPr>
+        <p:txBody>
+          <a:bodyPr wrap="square" rtlCol="0">
+            <a:spAutoFit/>
+          </a:bodyPr>
+          <a:lstStyle/>
+          <a:p>
+            <a:pPr marL="285750" indent="-285750">
+              <a:buFont typeface="Symbol" charset="0"/>
+              <a:buChar char=""/>
+            </a:pPr>
+            <a:r>
+              <a:rPr lang="en-US" dirty="0" smtClean="0">
+                <a:solidFill>
+                  <a:schemeClr val="accent1">
+                    <a:lumMod val="75000"/>
+                  </a:schemeClr>
+                </a:solidFill>
+              </a:rPr>
+              <a:t>Likelihood</a:t>
+            </a:r>
+          </a:p>
+          <a:p>
+            <a:pPr marL="285750" indent="-285750">
+              <a:buFont typeface="Symbol" charset="0"/>
+              <a:buChar char=""/>
+            </a:pPr>
+            <a:endParaRPr lang="en-US" dirty="0">
+              <a:solidFill>
+                <a:schemeClr val="accent1">
+                  <a:lumMod val="75000"/>
+                </a:schemeClr>
+              </a:solidFill>
+            </a:endParaRPr>
+          </a:p>
+          <a:p>
+            <a:pPr marL="285750" indent="-285750">
+              <a:buFont typeface="Symbol" charset="0"/>
+              <a:buChar char=""/>
+            </a:pPr>
+            <a:endParaRPr lang="en-US" dirty="0" smtClean="0">
+              <a:solidFill>
+                <a:schemeClr val="accent1">
+                  <a:lumMod val="75000"/>
+                </a:schemeClr>
+              </a:solidFill>
+            </a:endParaRPr>
+          </a:p>
+          <a:p>
+            <a:endParaRPr lang="en-US" dirty="0">
+              <a:solidFill>
+                <a:schemeClr val="accent1">
+                  <a:lumMod val="75000"/>
+                </a:schemeClr>
+              </a:solidFill>
+            </a:endParaRPr>
+          </a:p>
+          <a:p>
+            <a:pPr marL="285750" indent="-285750">
+              <a:buFont typeface="Symbol" charset="0"/>
+              <a:buChar char=""/>
+            </a:pPr>
+            <a:r>
+              <a:rPr lang="en-US" dirty="0" smtClean="0">
+                <a:solidFill>
+                  <a:schemeClr val="accent1">
+                    <a:lumMod val="75000"/>
+                  </a:schemeClr>
+                </a:solidFill>
+              </a:rPr>
+              <a:t>We may guess that a conjugate prior may have this form:</a:t>
+            </a:r>
+          </a:p>
+          <a:p>
+            <a:endParaRPr lang="en-US" dirty="0" smtClean="0">
+              <a:solidFill>
+                <a:schemeClr val="accent1">
+                  <a:lumMod val="75000"/>
+                </a:schemeClr>
+              </a:solidFill>
+            </a:endParaRPr>
+          </a:p>
+          <a:p>
+            <a:pPr marL="285750" indent="-285750">
+              <a:buFont typeface="Symbol" charset="0"/>
+              <a:buChar char=""/>
+            </a:pPr>
+            <a:endParaRPr lang="en-US" dirty="0">
+              <a:solidFill>
+                <a:schemeClr val="accent1">
+                  <a:lumMod val="75000"/>
+                </a:schemeClr>
+              </a:solidFill>
+            </a:endParaRPr>
+          </a:p>
+          <a:p>
+            <a:pPr marL="285750" indent="-285750">
+              <a:buFont typeface="Symbol" charset="0"/>
+              <a:buChar char=""/>
+            </a:pPr>
+            <a:endParaRPr lang="en-US" dirty="0" smtClean="0">
+              <a:solidFill>
+                <a:schemeClr val="accent1">
+                  <a:lumMod val="75000"/>
+                </a:schemeClr>
+              </a:solidFill>
+            </a:endParaRPr>
+          </a:p>
+          <a:p>
+            <a:pPr marL="285750" indent="-285750">
+              <a:buFont typeface="Symbol" charset="0"/>
+              <a:buChar char=""/>
+            </a:pPr>
+            <a:r>
+              <a:rPr lang="en-US" dirty="0" smtClean="0">
+                <a:solidFill>
+                  <a:schemeClr val="accent1">
+                    <a:lumMod val="75000"/>
+                  </a:schemeClr>
+                </a:solidFill>
+              </a:rPr>
+              <a:t>If we have something like that, the posterior will have the following kernel</a:t>
+            </a:r>
+          </a:p>
+          <a:p>
+            <a:pPr marL="285750" indent="-285750">
+              <a:buFont typeface="Symbol" charset="0"/>
+              <a:buChar char=""/>
+            </a:pPr>
+            <a:endParaRPr lang="en-US" dirty="0">
+              <a:solidFill>
+                <a:schemeClr val="accent1">
+                  <a:lumMod val="75000"/>
+                </a:schemeClr>
+              </a:solidFill>
+            </a:endParaRPr>
+          </a:p>
+          <a:p>
+            <a:pPr marL="285750" indent="-285750">
+              <a:buFont typeface="Symbol" charset="0"/>
+              <a:buChar char=""/>
+            </a:pPr>
+            <a:endParaRPr lang="en-US" dirty="0" smtClean="0">
+              <a:solidFill>
+                <a:schemeClr val="accent1">
+                  <a:lumMod val="75000"/>
+                </a:schemeClr>
+              </a:solidFill>
+            </a:endParaRPr>
+          </a:p>
+          <a:p>
+            <a:pPr marL="285750" indent="-285750">
+              <a:buFont typeface="Symbol" charset="0"/>
+              <a:buChar char=""/>
+            </a:pPr>
+            <a:endParaRPr lang="en-US" dirty="0">
+              <a:solidFill>
+                <a:schemeClr val="accent1">
+                  <a:lumMod val="75000"/>
+                </a:schemeClr>
+              </a:solidFill>
+            </a:endParaRPr>
+          </a:p>
+          <a:p>
+            <a:pPr marL="285750" indent="-285750">
+              <a:buFont typeface="Symbol" charset="0"/>
+              <a:buChar char=""/>
+            </a:pPr>
+            <a:endParaRPr lang="en-US" dirty="0" smtClean="0">
+              <a:solidFill>
+                <a:schemeClr val="accent1">
+                  <a:lumMod val="75000"/>
+                </a:schemeClr>
+              </a:solidFill>
+            </a:endParaRPr>
+          </a:p>
+          <a:p>
+            <a:pPr marL="285750" indent="-285750">
+              <a:buFont typeface="Symbol" charset="0"/>
+              <a:buChar char=""/>
+            </a:pPr>
+            <a:endParaRPr lang="en-US" dirty="0">
+              <a:solidFill>
+                <a:schemeClr val="accent1">
+                  <a:lumMod val="75000"/>
+                </a:schemeClr>
+              </a:solidFill>
+            </a:endParaRPr>
+          </a:p>
+          <a:p>
+            <a:pPr marL="285750" indent="-285750">
+              <a:buFont typeface="Symbol" charset="0"/>
+              <a:buChar char=""/>
+            </a:pPr>
+            <a:endParaRPr lang="en-US" dirty="0" smtClean="0">
+              <a:solidFill>
+                <a:schemeClr val="accent1">
+                  <a:lumMod val="75000"/>
+                </a:schemeClr>
+              </a:solidFill>
+            </a:endParaRPr>
+          </a:p>
+          <a:p>
+            <a:pPr marL="285750" indent="-285750">
+              <a:buFont typeface="Symbol" charset="0"/>
+              <a:buChar char=""/>
+            </a:pPr>
+            <a:r>
+              <a:rPr lang="en-US" dirty="0" smtClean="0">
+                <a:solidFill>
+                  <a:schemeClr val="accent1">
+                    <a:lumMod val="75000"/>
+                  </a:schemeClr>
+                </a:solidFill>
+              </a:rPr>
+              <a:t>We have such form in the Gamma distribution</a:t>
+            </a:r>
+          </a:p>
+          <a:p>
+            <a:endParaRPr lang="en-US" dirty="0" smtClean="0">
+              <a:solidFill>
+                <a:schemeClr val="accent1">
+                  <a:lumMod val="75000"/>
+                </a:schemeClr>
+              </a:solidFill>
+            </a:endParaRPr>
+          </a:p>
+          <a:p>
+            <a:pPr marL="285750" indent="-285750">
+              <a:buFont typeface="Symbol" charset="0"/>
+              <a:buChar char=""/>
+            </a:pPr>
+            <a:endParaRPr lang="en-US" dirty="0">
+              <a:solidFill>
+                <a:schemeClr val="accent1">
+                  <a:lumMod val="75000"/>
+                </a:schemeClr>
+              </a:solidFill>
+            </a:endParaRPr>
+          </a:p>
+          <a:p>
+            <a:pPr marL="285750" indent="-285750">
+              <a:buFont typeface="Symbol" charset="0"/>
+              <a:buChar char=""/>
+            </a:pPr>
+            <a:endParaRPr lang="en-US" dirty="0" smtClean="0">
+              <a:solidFill>
+                <a:schemeClr val="accent1">
+                  <a:lumMod val="75000"/>
+                </a:schemeClr>
+              </a:solidFill>
+            </a:endParaRPr>
+          </a:p>
+          <a:p>
+            <a:endParaRPr lang="en-US" dirty="0" smtClean="0">
+              <a:solidFill>
+                <a:schemeClr val="accent1">
+                  <a:lumMod val="75000"/>
+                </a:schemeClr>
+              </a:solidFill>
+            </a:endParaRPr>
+          </a:p>
+          <a:p>
+            <a:endParaRPr lang="en-US" dirty="0">
+              <a:solidFill>
+                <a:schemeClr val="accent1">
+                  <a:lumMod val="75000"/>
+                </a:schemeClr>
+              </a:solidFill>
+            </a:endParaRPr>
+          </a:p>
+        </p:txBody>
+      </p:sp>
+      <p:graphicFrame>
+        <p:nvGraphicFramePr>
+          <p:cNvPr id="9" name="Object 8"/>
+          <p:cNvGraphicFramePr>
+            <a:graphicFrameLocks noChangeAspect="1"/>
+          </p:cNvGraphicFramePr>
+          <p:nvPr>
+            <p:extLst>
+              <p:ext uri="{D42A27DB-BD31-4B8C-83A1-F6EECF244321}">
+                <p14:modId xmlns:p14="http://schemas.microsoft.com/office/powerpoint/2010/main" val="389105858"/>
+              </p:ext>
+            </p:extLst>
+          </p:nvPr>
+        </p:nvGraphicFramePr>
+        <p:xfrm>
+          <a:off x="2184400" y="906463"/>
+          <a:ext cx="2205038" cy="388937"/>
+        </p:xfrm>
+        <a:graphic>
+          <a:graphicData uri="http://schemas.openxmlformats.org/presentationml/2006/ole">
+            <mc:AlternateContent xmlns:mc="http://schemas.openxmlformats.org/markup-compatibility/2006">
+              <mc:Choice xmlns:v="urn:schemas-microsoft-com:vml" Requires="v">
+                <p:oleObj spid="_x0000_s6149" name="Equation" r:id="rId4" imgW="1435100" imgH="254000" progId="Equation.3">
+                  <p:embed/>
+                </p:oleObj>
+              </mc:Choice>
+              <mc:Fallback>
+                <p:oleObj name="Equation" r:id="rId4" imgW="1435100" imgH="254000" progId="Equation.3">
+                  <p:embed/>
+                  <p:pic>
+                    <p:nvPicPr>
+                      <p:cNvPr id="0" name=""/>
+                      <p:cNvPicPr/>
+                      <p:nvPr/>
+                    </p:nvPicPr>
+                    <p:blipFill>
+                      <a:blip r:embed="rId5"/>
+                      <a:stretch>
+                        <a:fillRect/>
+                      </a:stretch>
+                    </p:blipFill>
+                    <p:spPr>
+                      <a:xfrm>
+                        <a:off x="2184400" y="906463"/>
+                        <a:ext cx="2205038" cy="388937"/>
+                      </a:xfrm>
+                      <a:prstGeom prst="rect">
+                        <a:avLst/>
+                      </a:prstGeom>
+                    </p:spPr>
+                  </p:pic>
+                </p:oleObj>
+              </mc:Fallback>
+            </mc:AlternateContent>
+          </a:graphicData>
+        </a:graphic>
+      </p:graphicFrame>
+      <p:graphicFrame>
+        <p:nvGraphicFramePr>
+          <p:cNvPr id="10" name="Object 9"/>
+          <p:cNvGraphicFramePr>
+            <a:graphicFrameLocks noChangeAspect="1"/>
+          </p:cNvGraphicFramePr>
+          <p:nvPr>
+            <p:extLst>
+              <p:ext uri="{D42A27DB-BD31-4B8C-83A1-F6EECF244321}">
+                <p14:modId xmlns:p14="http://schemas.microsoft.com/office/powerpoint/2010/main" val="1304326894"/>
+              </p:ext>
+            </p:extLst>
+          </p:nvPr>
+        </p:nvGraphicFramePr>
+        <p:xfrm>
+          <a:off x="2513013" y="2200275"/>
+          <a:ext cx="1500187" cy="466725"/>
+        </p:xfrm>
+        <a:graphic>
+          <a:graphicData uri="http://schemas.openxmlformats.org/presentationml/2006/ole">
+            <mc:AlternateContent xmlns:mc="http://schemas.openxmlformats.org/markup-compatibility/2006">
+              <mc:Choice xmlns:v="urn:schemas-microsoft-com:vml" Requires="v">
+                <p:oleObj spid="_x0000_s6150" name="Equation" r:id="rId6" imgW="977900" imgH="304800" progId="Equation.3">
+                  <p:embed/>
+                </p:oleObj>
+              </mc:Choice>
+              <mc:Fallback>
+                <p:oleObj name="Equation" r:id="rId6" imgW="977900" imgH="304800" progId="Equation.3">
+                  <p:embed/>
+                  <p:pic>
+                    <p:nvPicPr>
+                      <p:cNvPr id="0" name=""/>
+                      <p:cNvPicPr/>
+                      <p:nvPr/>
+                    </p:nvPicPr>
+                    <p:blipFill>
+                      <a:blip r:embed="rId7"/>
+                      <a:stretch>
+                        <a:fillRect/>
+                      </a:stretch>
+                    </p:blipFill>
+                    <p:spPr>
+                      <a:xfrm>
+                        <a:off x="2513013" y="2200275"/>
+                        <a:ext cx="1500187" cy="466725"/>
+                      </a:xfrm>
+                      <a:prstGeom prst="rect">
+                        <a:avLst/>
+                      </a:prstGeom>
+                    </p:spPr>
+                  </p:pic>
+                </p:oleObj>
+              </mc:Fallback>
+            </mc:AlternateContent>
+          </a:graphicData>
+        </a:graphic>
+      </p:graphicFrame>
+      <p:graphicFrame>
+        <p:nvGraphicFramePr>
+          <p:cNvPr id="11" name="Object 10"/>
+          <p:cNvGraphicFramePr>
+            <a:graphicFrameLocks noChangeAspect="1"/>
+          </p:cNvGraphicFramePr>
+          <p:nvPr>
+            <p:extLst>
+              <p:ext uri="{D42A27DB-BD31-4B8C-83A1-F6EECF244321}">
+                <p14:modId xmlns:p14="http://schemas.microsoft.com/office/powerpoint/2010/main" val="2116959138"/>
+              </p:ext>
+            </p:extLst>
+          </p:nvPr>
+        </p:nvGraphicFramePr>
+        <p:xfrm>
+          <a:off x="2427288" y="3179763"/>
+          <a:ext cx="3338512" cy="1341437"/>
+        </p:xfrm>
+        <a:graphic>
+          <a:graphicData uri="http://schemas.openxmlformats.org/presentationml/2006/ole">
+            <mc:AlternateContent xmlns:mc="http://schemas.openxmlformats.org/markup-compatibility/2006">
+              <mc:Choice xmlns:v="urn:schemas-microsoft-com:vml" Requires="v">
+                <p:oleObj spid="_x0000_s6151" name="Equation" r:id="rId8" imgW="2171700" imgH="876300" progId="Equation.3">
+                  <p:embed/>
+                </p:oleObj>
+              </mc:Choice>
+              <mc:Fallback>
+                <p:oleObj name="Equation" r:id="rId8" imgW="2171700" imgH="876300" progId="Equation.3">
+                  <p:embed/>
+                  <p:pic>
+                    <p:nvPicPr>
+                      <p:cNvPr id="0" name=""/>
+                      <p:cNvPicPr/>
+                      <p:nvPr/>
+                    </p:nvPicPr>
+                    <p:blipFill>
+                      <a:blip r:embed="rId9"/>
+                      <a:stretch>
+                        <a:fillRect/>
+                      </a:stretch>
+                    </p:blipFill>
+                    <p:spPr>
+                      <a:xfrm>
+                        <a:off x="2427288" y="3179763"/>
+                        <a:ext cx="3338512" cy="1341437"/>
+                      </a:xfrm>
+                      <a:prstGeom prst="rect">
+                        <a:avLst/>
+                      </a:prstGeom>
+                    </p:spPr>
+                  </p:pic>
+                </p:oleObj>
+              </mc:Fallback>
+            </mc:AlternateContent>
+          </a:graphicData>
+        </a:graphic>
+      </p:graphicFrame>
+      <p:graphicFrame>
+        <p:nvGraphicFramePr>
+          <p:cNvPr id="12" name="Object 11"/>
+          <p:cNvGraphicFramePr>
+            <a:graphicFrameLocks noChangeAspect="1"/>
+          </p:cNvGraphicFramePr>
+          <p:nvPr>
+            <p:extLst>
+              <p:ext uri="{D42A27DB-BD31-4B8C-83A1-F6EECF244321}">
+                <p14:modId xmlns:p14="http://schemas.microsoft.com/office/powerpoint/2010/main" val="3260178646"/>
+              </p:ext>
+            </p:extLst>
+          </p:nvPr>
+        </p:nvGraphicFramePr>
+        <p:xfrm>
+          <a:off x="2195513" y="5170488"/>
+          <a:ext cx="2420937" cy="758825"/>
+        </p:xfrm>
+        <a:graphic>
+          <a:graphicData uri="http://schemas.openxmlformats.org/presentationml/2006/ole">
+            <mc:AlternateContent xmlns:mc="http://schemas.openxmlformats.org/markup-compatibility/2006">
+              <mc:Choice xmlns:v="urn:schemas-microsoft-com:vml" Requires="v">
+                <p:oleObj spid="_x0000_s6152" name="Equation" r:id="rId10" imgW="1574800" imgH="495300" progId="Equation.3">
+                  <p:embed/>
+                </p:oleObj>
+              </mc:Choice>
+              <mc:Fallback>
+                <p:oleObj name="Equation" r:id="rId10" imgW="1574800" imgH="495300" progId="Equation.3">
+                  <p:embed/>
+                  <p:pic>
+                    <p:nvPicPr>
+                      <p:cNvPr id="0" name=""/>
+                      <p:cNvPicPr/>
+                      <p:nvPr/>
+                    </p:nvPicPr>
+                    <p:blipFill>
+                      <a:blip r:embed="rId11"/>
+                      <a:stretch>
+                        <a:fillRect/>
+                      </a:stretch>
+                    </p:blipFill>
+                    <p:spPr>
+                      <a:xfrm>
+                        <a:off x="2195513" y="5170488"/>
+                        <a:ext cx="2420937" cy="758825"/>
+                      </a:xfrm>
+                      <a:prstGeom prst="rect">
+                        <a:avLst/>
+                      </a:prstGeom>
+                    </p:spPr>
+                  </p:pic>
+                </p:oleObj>
+              </mc:Fallback>
+            </mc:AlternateContent>
+          </a:graphicData>
+        </a:graphic>
+      </p:graphicFrame>
+    </p:spTree>
+    <p:extLst>
+      <p:ext uri="{BB962C8B-B14F-4D97-AF65-F5344CB8AC3E}">
+        <p14:creationId xmlns:p14="http://schemas.microsoft.com/office/powerpoint/2010/main" val="939035691"/>
       </p:ext>
     </p:extLst>
   </p:cSld>

--- a/STT465_3.pptx
+++ b/STT465_3.pptx
@@ -5,7 +5,7 @@
     <p:sldMasterId id="2147483648" r:id="rId1"/>
   </p:sldMasterIdLst>
   <p:notesMasterIdLst>
-    <p:notesMasterId r:id="rId10"/>
+    <p:notesMasterId r:id="rId12"/>
   </p:notesMasterIdLst>
   <p:sldIdLst>
     <p:sldId id="338" r:id="rId2"/>
@@ -16,6 +16,8 @@
     <p:sldId id="354" r:id="rId7"/>
     <p:sldId id="355" r:id="rId8"/>
     <p:sldId id="356" r:id="rId9"/>
+    <p:sldId id="357" r:id="rId10"/>
+    <p:sldId id="358" r:id="rId11"/>
   </p:sldIdLst>
   <p:sldSz cx="9144000" cy="6858000" type="screen4x3"/>
   <p:notesSz cx="6858000" cy="9144000"/>
@@ -206,7 +208,7 @@
             <a:fld id="{EC2AD4C0-0FC1-44D9-A720-D776D6428221}" type="datetimeFigureOut">
               <a:rPr lang="en-US" smtClean="0"/>
               <a:pPr/>
-              <a:t>9/15/15</a:t>
+              <a:t>9/16/15</a:t>
             </a:fld>
             <a:endParaRPr lang="en-US"/>
           </a:p>
@@ -559,6 +561,88 @@
 </p:notes>
 </file>
 
+<file path=ppt/notesSlides/notesSlide10.xml><?xml version="1.0" encoding="utf-8"?>
+<p:notes xmlns:a="http://schemas.openxmlformats.org/drawingml/2006/main" xmlns:r="http://schemas.openxmlformats.org/officeDocument/2006/relationships" xmlns:p="http://schemas.openxmlformats.org/presentationml/2006/main">
+  <p:cSld>
+    <p:spTree>
+      <p:nvGrpSpPr>
+        <p:cNvPr id="1" name=""/>
+        <p:cNvGrpSpPr/>
+        <p:nvPr/>
+      </p:nvGrpSpPr>
+      <p:grpSpPr>
+        <a:xfrm>
+          <a:off x="0" y="0"/>
+          <a:ext cx="0" cy="0"/>
+          <a:chOff x="0" y="0"/>
+          <a:chExt cx="0" cy="0"/>
+        </a:xfrm>
+      </p:grpSpPr>
+      <p:sp>
+        <p:nvSpPr>
+          <p:cNvPr id="2" name="Slide Image Placeholder 1"/>
+          <p:cNvSpPr>
+            <a:spLocks noGrp="1" noRot="1" noChangeAspect="1"/>
+          </p:cNvSpPr>
+          <p:nvPr>
+            <p:ph type="sldImg"/>
+          </p:nvPr>
+        </p:nvSpPr>
+        <p:spPr/>
+      </p:sp>
+      <p:sp>
+        <p:nvSpPr>
+          <p:cNvPr id="3" name="Notes Placeholder 2"/>
+          <p:cNvSpPr>
+            <a:spLocks noGrp="1"/>
+          </p:cNvSpPr>
+          <p:nvPr>
+            <p:ph type="body" idx="1"/>
+          </p:nvPr>
+        </p:nvSpPr>
+        <p:spPr/>
+        <p:txBody>
+          <a:bodyPr>
+            <a:normAutofit/>
+          </a:bodyPr>
+          <a:lstStyle/>
+          <a:p>
+            <a:endParaRPr lang="en-US"/>
+          </a:p>
+        </p:txBody>
+      </p:sp>
+      <p:sp>
+        <p:nvSpPr>
+          <p:cNvPr id="4" name="Slide Number Placeholder 3"/>
+          <p:cNvSpPr>
+            <a:spLocks noGrp="1"/>
+          </p:cNvSpPr>
+          <p:nvPr>
+            <p:ph type="sldNum" sz="quarter" idx="10"/>
+          </p:nvPr>
+        </p:nvSpPr>
+        <p:spPr/>
+        <p:txBody>
+          <a:bodyPr/>
+          <a:lstStyle/>
+          <a:p>
+            <a:fld id="{CACBEE2F-8C26-493F-9430-82D1D1B7C623}" type="slidenum">
+              <a:rPr lang="en-US" smtClean="0"/>
+              <a:pPr/>
+              <a:t>10</a:t>
+            </a:fld>
+            <a:endParaRPr lang="en-US"/>
+          </a:p>
+        </p:txBody>
+      </p:sp>
+    </p:spTree>
+  </p:cSld>
+  <p:clrMapOvr>
+    <a:masterClrMapping/>
+  </p:clrMapOvr>
+</p:notes>
+</file>
+
 <file path=ppt/notesSlides/notesSlide2.xml><?xml version="1.0" encoding="utf-8"?>
 <p:notes xmlns:a="http://schemas.openxmlformats.org/drawingml/2006/main" xmlns:r="http://schemas.openxmlformats.org/officeDocument/2006/relationships" xmlns:p="http://schemas.openxmlformats.org/presentationml/2006/main">
   <p:cSld>
@@ -1133,6 +1217,88 @@
 </p:notes>
 </file>
 
+<file path=ppt/notesSlides/notesSlide9.xml><?xml version="1.0" encoding="utf-8"?>
+<p:notes xmlns:a="http://schemas.openxmlformats.org/drawingml/2006/main" xmlns:r="http://schemas.openxmlformats.org/officeDocument/2006/relationships" xmlns:p="http://schemas.openxmlformats.org/presentationml/2006/main">
+  <p:cSld>
+    <p:spTree>
+      <p:nvGrpSpPr>
+        <p:cNvPr id="1" name=""/>
+        <p:cNvGrpSpPr/>
+        <p:nvPr/>
+      </p:nvGrpSpPr>
+      <p:grpSpPr>
+        <a:xfrm>
+          <a:off x="0" y="0"/>
+          <a:ext cx="0" cy="0"/>
+          <a:chOff x="0" y="0"/>
+          <a:chExt cx="0" cy="0"/>
+        </a:xfrm>
+      </p:grpSpPr>
+      <p:sp>
+        <p:nvSpPr>
+          <p:cNvPr id="2" name="Slide Image Placeholder 1"/>
+          <p:cNvSpPr>
+            <a:spLocks noGrp="1" noRot="1" noChangeAspect="1"/>
+          </p:cNvSpPr>
+          <p:nvPr>
+            <p:ph type="sldImg"/>
+          </p:nvPr>
+        </p:nvSpPr>
+        <p:spPr/>
+      </p:sp>
+      <p:sp>
+        <p:nvSpPr>
+          <p:cNvPr id="3" name="Notes Placeholder 2"/>
+          <p:cNvSpPr>
+            <a:spLocks noGrp="1"/>
+          </p:cNvSpPr>
+          <p:nvPr>
+            <p:ph type="body" idx="1"/>
+          </p:nvPr>
+        </p:nvSpPr>
+        <p:spPr/>
+        <p:txBody>
+          <a:bodyPr>
+            <a:normAutofit/>
+          </a:bodyPr>
+          <a:lstStyle/>
+          <a:p>
+            <a:endParaRPr lang="en-US"/>
+          </a:p>
+        </p:txBody>
+      </p:sp>
+      <p:sp>
+        <p:nvSpPr>
+          <p:cNvPr id="4" name="Slide Number Placeholder 3"/>
+          <p:cNvSpPr>
+            <a:spLocks noGrp="1"/>
+          </p:cNvSpPr>
+          <p:nvPr>
+            <p:ph type="sldNum" sz="quarter" idx="10"/>
+          </p:nvPr>
+        </p:nvSpPr>
+        <p:spPr/>
+        <p:txBody>
+          <a:bodyPr/>
+          <a:lstStyle/>
+          <a:p>
+            <a:fld id="{CACBEE2F-8C26-493F-9430-82D1D1B7C623}" type="slidenum">
+              <a:rPr lang="en-US" smtClean="0"/>
+              <a:pPr/>
+              <a:t>9</a:t>
+            </a:fld>
+            <a:endParaRPr lang="en-US"/>
+          </a:p>
+        </p:txBody>
+      </p:sp>
+    </p:spTree>
+  </p:cSld>
+  <p:clrMapOvr>
+    <a:masterClrMapping/>
+  </p:clrMapOvr>
+</p:notes>
+</file>
+
 <file path=ppt/slideLayouts/slideLayout1.xml><?xml version="1.0" encoding="utf-8"?>
 <p:sldLayout xmlns:a="http://schemas.openxmlformats.org/drawingml/2006/main" xmlns:r="http://schemas.openxmlformats.org/officeDocument/2006/relationships" xmlns:p="http://schemas.openxmlformats.org/presentationml/2006/main" type="title" preserve="1">
   <p:cSld name="Title Slide">
@@ -1315,7 +1481,7 @@
             <a:fld id="{F9C811E6-0209-4075-80E7-F5953C8ECEE3}" type="datetime1">
               <a:rPr lang="en-US" smtClean="0"/>
               <a:pPr/>
-              <a:t>9/15/15</a:t>
+              <a:t>9/16/15</a:t>
             </a:fld>
             <a:endParaRPr lang="en-US"/>
           </a:p>
@@ -1486,7 +1652,7 @@
             <a:fld id="{648E6BB1-E6D9-4EE7-828F-046F7223761D}" type="datetime1">
               <a:rPr lang="en-US" smtClean="0"/>
               <a:pPr/>
-              <a:t>9/15/15</a:t>
+              <a:t>9/16/15</a:t>
             </a:fld>
             <a:endParaRPr lang="en-US"/>
           </a:p>
@@ -1667,7 +1833,7 @@
             <a:fld id="{B4B9C580-A780-4D76-B2D1-C34F1DA97DF0}" type="datetime1">
               <a:rPr lang="en-US" smtClean="0"/>
               <a:pPr/>
-              <a:t>9/15/15</a:t>
+              <a:t>9/16/15</a:t>
             </a:fld>
             <a:endParaRPr lang="en-US"/>
           </a:p>
@@ -1838,7 +2004,7 @@
             <a:fld id="{EB19DDAF-3255-4785-974C-BB4FAF02D67E}" type="datetime1">
               <a:rPr lang="en-US" smtClean="0"/>
               <a:pPr/>
-              <a:t>9/15/15</a:t>
+              <a:t>9/16/15</a:t>
             </a:fld>
             <a:endParaRPr lang="en-US"/>
           </a:p>
@@ -2085,7 +2251,7 @@
             <a:fld id="{C344AF86-11D1-4E84-BA60-17130236FDAA}" type="datetime1">
               <a:rPr lang="en-US" smtClean="0"/>
               <a:pPr/>
-              <a:t>9/15/15</a:t>
+              <a:t>9/16/15</a:t>
             </a:fld>
             <a:endParaRPr lang="en-US"/>
           </a:p>
@@ -2374,7 +2540,7 @@
             <a:fld id="{A8DD670F-7E07-4783-A6F8-B28127B5AF4A}" type="datetime1">
               <a:rPr lang="en-US" smtClean="0"/>
               <a:pPr/>
-              <a:t>9/15/15</a:t>
+              <a:t>9/16/15</a:t>
             </a:fld>
             <a:endParaRPr lang="en-US"/>
           </a:p>
@@ -2797,7 +2963,7 @@
             <a:fld id="{92676DD9-688F-48EE-8233-B3B78BDDA63D}" type="datetime1">
               <a:rPr lang="en-US" smtClean="0"/>
               <a:pPr/>
-              <a:t>9/15/15</a:t>
+              <a:t>9/16/15</a:t>
             </a:fld>
             <a:endParaRPr lang="en-US"/>
           </a:p>
@@ -2916,7 +3082,7 @@
             <a:fld id="{F6CC4A83-AE34-48B8-B90E-70388FDBF0F7}" type="datetime1">
               <a:rPr lang="en-US" smtClean="0"/>
               <a:pPr/>
-              <a:t>9/15/15</a:t>
+              <a:t>9/16/15</a:t>
             </a:fld>
             <a:endParaRPr lang="en-US"/>
           </a:p>
@@ -3012,7 +3178,7 @@
             <a:fld id="{510CA3E2-9601-488E-B92B-23013819BD02}" type="datetime1">
               <a:rPr lang="en-US" smtClean="0"/>
               <a:pPr/>
-              <a:t>9/15/15</a:t>
+              <a:t>9/16/15</a:t>
             </a:fld>
             <a:endParaRPr lang="en-US"/>
           </a:p>
@@ -3290,7 +3456,7 @@
             <a:fld id="{331F1CBD-358A-4E18-86FD-C337233E15F0}" type="datetime1">
               <a:rPr lang="en-US" smtClean="0"/>
               <a:pPr/>
-              <a:t>9/15/15</a:t>
+              <a:t>9/16/15</a:t>
             </a:fld>
             <a:endParaRPr lang="en-US"/>
           </a:p>
@@ -3544,7 +3710,7 @@
             <a:fld id="{3CB4F0D5-901F-4458-A8F8-F062616694B4}" type="datetime1">
               <a:rPr lang="en-US" smtClean="0"/>
               <a:pPr/>
-              <a:t>9/15/15</a:t>
+              <a:t>9/16/15</a:t>
             </a:fld>
             <a:endParaRPr lang="en-US"/>
           </a:p>
@@ -3758,7 +3924,7 @@
             <a:fld id="{F77D84EF-BDBF-448B-906E-D51D4CAF22DC}" type="datetime1">
               <a:rPr lang="en-US" smtClean="0"/>
               <a:pPr/>
-              <a:t>9/15/15</a:t>
+              <a:t>9/16/15</a:t>
             </a:fld>
             <a:endParaRPr lang="en-US"/>
           </a:p>
@@ -4195,16 +4361,6 @@
               </a:rPr>
               <a:t>Single-parameter models: </a:t>
             </a:r>
-            <a:r>
-              <a:rPr lang="en-US" sz="3200" dirty="0" smtClean="0">
-                <a:solidFill>
-                  <a:schemeClr val="accent2">
-                    <a:lumMod val="75000"/>
-                  </a:schemeClr>
-                </a:solidFill>
-              </a:rPr>
-              <a:t/>
-            </a:r>
             <a:br>
               <a:rPr lang="en-US" sz="3200" dirty="0" smtClean="0">
                 <a:solidFill>
@@ -4222,17 +4378,7 @@
                   </a:schemeClr>
                 </a:solidFill>
               </a:rPr>
-              <a:t>Beta</a:t>
-            </a:r>
-            <a:r>
-              <a:rPr lang="en-US" sz="3200" dirty="0" smtClean="0">
-                <a:solidFill>
-                  <a:schemeClr val="accent2">
-                    <a:lumMod val="75000"/>
-                  </a:schemeClr>
-                </a:solidFill>
-              </a:rPr>
-              <a:t>-Binomial &amp; Poisson</a:t>
+              <a:t>Beta-Binomial &amp; Poisson</a:t>
             </a:r>
             <a:br>
               <a:rPr lang="en-US" sz="3200" dirty="0" smtClean="0">
@@ -4335,6 +4481,241 @@
         <p:cTn xmlns:p14="http://schemas.microsoft.com/office/powerpoint/2010/main" id="1" dur="indefinite" restart="never" nodeType="tmRoot"/>
       </p:par>
     </p:tnLst>
+  </p:timing>
+</p:sld>
+</file>
+
+<file path=ppt/slides/slide10.xml><?xml version="1.0" encoding="utf-8"?>
+<p:sld xmlns:a="http://schemas.openxmlformats.org/drawingml/2006/main" xmlns:r="http://schemas.openxmlformats.org/officeDocument/2006/relationships" xmlns:p="http://schemas.openxmlformats.org/presentationml/2006/main">
+  <p:cSld>
+    <p:spTree>
+      <p:nvGrpSpPr>
+        <p:cNvPr id="1" name=""/>
+        <p:cNvGrpSpPr/>
+        <p:nvPr/>
+      </p:nvGrpSpPr>
+      <p:grpSpPr>
+        <a:xfrm>
+          <a:off x="0" y="0"/>
+          <a:ext cx="0" cy="0"/>
+          <a:chOff x="0" y="0"/>
+          <a:chExt cx="0" cy="0"/>
+        </a:xfrm>
+      </p:grpSpPr>
+      <p:sp>
+        <p:nvSpPr>
+          <p:cNvPr id="2" name="Title 1"/>
+          <p:cNvSpPr>
+            <a:spLocks noGrp="1"/>
+          </p:cNvSpPr>
+          <p:nvPr>
+            <p:ph type="ctrTitle"/>
+          </p:nvPr>
+        </p:nvSpPr>
+        <p:spPr>
+          <a:xfrm>
+            <a:off x="609600" y="-152400"/>
+            <a:ext cx="7772400" cy="762000"/>
+          </a:xfrm>
+        </p:spPr>
+        <p:txBody>
+          <a:bodyPr>
+            <a:normAutofit/>
+          </a:bodyPr>
+          <a:lstStyle/>
+          <a:p>
+            <a:r>
+              <a:rPr lang="en-US" sz="2800" dirty="0" smtClean="0">
+                <a:solidFill>
+                  <a:schemeClr val="accent2">
+                    <a:lumMod val="75000"/>
+                  </a:schemeClr>
+                </a:solidFill>
+              </a:rPr>
+              <a:t>Predictive Distribution</a:t>
+            </a:r>
+            <a:endParaRPr lang="en-US" sz="2800" dirty="0">
+              <a:solidFill>
+                <a:schemeClr val="accent2">
+                  <a:lumMod val="75000"/>
+                </a:schemeClr>
+              </a:solidFill>
+            </a:endParaRPr>
+          </a:p>
+        </p:txBody>
+      </p:sp>
+      <p:sp>
+        <p:nvSpPr>
+          <p:cNvPr id="4" name="Footer Placeholder 3"/>
+          <p:cNvSpPr>
+            <a:spLocks noGrp="1"/>
+          </p:cNvSpPr>
+          <p:nvPr>
+            <p:ph type="ftr" sz="quarter" idx="11"/>
+          </p:nvPr>
+        </p:nvSpPr>
+        <p:spPr/>
+        <p:txBody>
+          <a:bodyPr/>
+          <a:lstStyle/>
+          <a:p>
+            <a:r>
+              <a:rPr lang="en-US" dirty="0" smtClean="0">
+                <a:solidFill>
+                  <a:schemeClr val="accent1"/>
+                </a:solidFill>
+              </a:rPr>
+              <a:t>STT 465, MSU, Fall, 2015</a:t>
+            </a:r>
+            <a:endParaRPr lang="en-US" dirty="0">
+              <a:solidFill>
+                <a:schemeClr val="accent1"/>
+              </a:solidFill>
+            </a:endParaRPr>
+          </a:p>
+        </p:txBody>
+      </p:sp>
+      <p:sp>
+        <p:nvSpPr>
+          <p:cNvPr id="6" name="TextBox 5"/>
+          <p:cNvSpPr txBox="1"/>
+          <p:nvPr/>
+        </p:nvSpPr>
+        <p:spPr>
+          <a:xfrm>
+            <a:off x="76200" y="533400"/>
+            <a:ext cx="9067800" cy="369332"/>
+          </a:xfrm>
+          <a:prstGeom prst="rect">
+            <a:avLst/>
+          </a:prstGeom>
+          <a:noFill/>
+          <a:ln>
+            <a:solidFill>
+              <a:srgbClr val="800000"/>
+            </a:solidFill>
+            <a:prstDash val="sysDash"/>
+          </a:ln>
+        </p:spPr>
+        <p:txBody>
+          <a:bodyPr wrap="square" rtlCol="0">
+            <a:spAutoFit/>
+          </a:bodyPr>
+          <a:lstStyle/>
+          <a:p>
+            <a:pPr marL="285750" indent="-285750">
+              <a:buFont typeface="Symbol" charset="0"/>
+              <a:buChar char=""/>
+            </a:pPr>
+            <a:endParaRPr lang="en-US" dirty="0">
+              <a:solidFill>
+                <a:schemeClr val="accent1">
+                  <a:lumMod val="75000"/>
+                </a:schemeClr>
+              </a:solidFill>
+            </a:endParaRPr>
+          </a:p>
+        </p:txBody>
+      </p:sp>
+    </p:spTree>
+    <p:extLst>
+      <p:ext uri="{BB962C8B-B14F-4D97-AF65-F5344CB8AC3E}">
+        <p14:creationId xmlns:p14="http://schemas.microsoft.com/office/powerpoint/2010/main" val="2927708796"/>
+      </p:ext>
+    </p:extLst>
+  </p:cSld>
+  <p:clrMapOvr>
+    <a:masterClrMapping/>
+  </p:clrMapOvr>
+  <p:timing>
+    <p:tnLst>
+      <p:par>
+        <p:cTn xmlns:p14="http://schemas.microsoft.com/office/powerpoint/2010/main" id="1" dur="indefinite" restart="never" nodeType="tmRoot">
+          <p:childTnLst>
+            <p:seq concurrent="1" nextAc="seek">
+              <p:cTn id="2" dur="indefinite" nodeType="mainSeq">
+                <p:childTnLst>
+                  <p:par>
+                    <p:cTn id="3" fill="hold">
+                      <p:stCondLst>
+                        <p:cond delay="indefinite"/>
+                      </p:stCondLst>
+                      <p:childTnLst>
+                        <p:par>
+                          <p:cTn id="4" fill="hold">
+                            <p:stCondLst>
+                              <p:cond delay="0"/>
+                            </p:stCondLst>
+                            <p:childTnLst>
+                              <p:par>
+                                <p:cTn id="5" presetID="3" presetClass="entr" presetSubtype="10" fill="hold" grpId="0" nodeType="clickEffect">
+                                  <p:stCondLst>
+                                    <p:cond delay="0"/>
+                                  </p:stCondLst>
+                                  <p:childTnLst>
+                                    <p:set>
+                                      <p:cBhvr>
+                                        <p:cTn id="6" dur="1" fill="hold">
+                                          <p:stCondLst>
+                                            <p:cond delay="0"/>
+                                          </p:stCondLst>
+                                        </p:cTn>
+                                        <p:tgtEl>
+                                          <p:spTgt spid="6">
+                                            <p:bg/>
+                                          </p:spTgt>
+                                        </p:tgtEl>
+                                        <p:attrNameLst>
+                                          <p:attrName>style.visibility</p:attrName>
+                                        </p:attrNameLst>
+                                      </p:cBhvr>
+                                      <p:to>
+                                        <p:strVal val="visible"/>
+                                      </p:to>
+                                    </p:set>
+                                    <p:animEffect transition="in" filter="blinds(horizontal)">
+                                      <p:cBhvr>
+                                        <p:cTn id="7" dur="500"/>
+                                        <p:tgtEl>
+                                          <p:spTgt spid="6">
+                                            <p:bg/>
+                                          </p:spTgt>
+                                        </p:tgtEl>
+                                      </p:cBhvr>
+                                    </p:animEffect>
+                                  </p:childTnLst>
+                                </p:cTn>
+                              </p:par>
+                            </p:childTnLst>
+                          </p:cTn>
+                        </p:par>
+                      </p:childTnLst>
+                    </p:cTn>
+                  </p:par>
+                </p:childTnLst>
+              </p:cTn>
+              <p:prevCondLst>
+                <p:cond evt="onPrev" delay="0">
+                  <p:tgtEl>
+                    <p:sldTgt/>
+                  </p:tgtEl>
+                </p:cond>
+              </p:prevCondLst>
+              <p:nextCondLst>
+                <p:cond evt="onNext" delay="0">
+                  <p:tgtEl>
+                    <p:sldTgt/>
+                  </p:tgtEl>
+                </p:cond>
+              </p:nextCondLst>
+            </p:seq>
+          </p:childTnLst>
+        </p:cTn>
+      </p:par>
+    </p:tnLst>
+    <p:bldLst>
+      <p:bldP spid="6" grpId="0" build="p" bldLvl="2" animBg="1"/>
+    </p:bldLst>
   </p:timing>
 </p:sld>
 </file>
@@ -6253,7 +6634,7 @@
           <a:graphicData uri="http://schemas.openxmlformats.org/presentationml/2006/ole">
             <mc:AlternateContent xmlns:mc="http://schemas.openxmlformats.org/markup-compatibility/2006">
               <mc:Choice xmlns:v="urn:schemas-microsoft-com:vml" Requires="v">
-                <p:oleObj spid="_x0000_s2069" name="Equation" r:id="rId4" imgW="1384300" imgH="279400" progId="Equation.3">
+                <p:oleObj spid="_x0000_s2078" name="Equation" r:id="rId4" imgW="1384300" imgH="279400" progId="Equation.3">
                   <p:embed/>
                 </p:oleObj>
               </mc:Choice>
@@ -6310,7 +6691,7 @@
           <a:graphicData uri="http://schemas.openxmlformats.org/presentationml/2006/ole">
             <mc:AlternateContent xmlns:mc="http://schemas.openxmlformats.org/markup-compatibility/2006">
               <mc:Choice xmlns:v="urn:schemas-microsoft-com:vml" Requires="v">
-                <p:oleObj spid="_x0000_s2070" name="Equation" r:id="rId6" imgW="4686300" imgH="317500" progId="Equation.3">
+                <p:oleObj spid="_x0000_s2079" name="Equation" r:id="rId6" imgW="4686300" imgH="317500" progId="Equation.3">
                   <p:embed/>
                 </p:oleObj>
               </mc:Choice>
@@ -6367,7 +6748,7 @@
           <a:graphicData uri="http://schemas.openxmlformats.org/presentationml/2006/ole">
             <mc:AlternateContent xmlns:mc="http://schemas.openxmlformats.org/markup-compatibility/2006">
               <mc:Choice xmlns:v="urn:schemas-microsoft-com:vml" Requires="v">
-                <p:oleObj spid="_x0000_s2071" name="Equation" r:id="rId8" imgW="4318000" imgH="495300" progId="Equation.3">
+                <p:oleObj spid="_x0000_s2080" name="Equation" r:id="rId8" imgW="4318000" imgH="495300" progId="Equation.3">
                   <p:embed/>
                 </p:oleObj>
               </mc:Choice>
@@ -6424,7 +6805,7 @@
           <a:graphicData uri="http://schemas.openxmlformats.org/presentationml/2006/ole">
             <mc:AlternateContent xmlns:mc="http://schemas.openxmlformats.org/markup-compatibility/2006">
               <mc:Choice xmlns:v="urn:schemas-microsoft-com:vml" Requires="v">
-                <p:oleObj spid="_x0000_s2072" name="Equation" r:id="rId10" imgW="2438400" imgH="469900" progId="Equation.3">
+                <p:oleObj spid="_x0000_s2081" name="Equation" r:id="rId10" imgW="2438400" imgH="469900" progId="Equation.3">
                   <p:embed/>
                 </p:oleObj>
               </mc:Choice>
@@ -6957,7 +7338,7 @@
           <a:graphicData uri="http://schemas.openxmlformats.org/presentationml/2006/ole">
             <mc:AlternateContent xmlns:mc="http://schemas.openxmlformats.org/markup-compatibility/2006">
               <mc:Choice xmlns:v="urn:schemas-microsoft-com:vml" Requires="v">
-                <p:oleObj spid="_x0000_s3083" name="Equation" r:id="rId4" imgW="3479800" imgH="469900" progId="Equation.3">
+                <p:oleObj spid="_x0000_s3090" name="Equation" r:id="rId4" imgW="3479800" imgH="469900" progId="Equation.3">
                   <p:embed/>
                 </p:oleObj>
               </mc:Choice>
@@ -7014,7 +7395,7 @@
           <a:graphicData uri="http://schemas.openxmlformats.org/presentationml/2006/ole">
             <mc:AlternateContent xmlns:mc="http://schemas.openxmlformats.org/markup-compatibility/2006">
               <mc:Choice xmlns:v="urn:schemas-microsoft-com:vml" Requires="v">
-                <p:oleObj spid="_x0000_s3084" name="Equation" r:id="rId6" imgW="3657600" imgH="495300" progId="Equation.3">
+                <p:oleObj spid="_x0000_s3091" name="Equation" r:id="rId6" imgW="3657600" imgH="495300" progId="Equation.3">
                   <p:embed/>
                 </p:oleObj>
               </mc:Choice>
@@ -7071,7 +7452,7 @@
           <a:graphicData uri="http://schemas.openxmlformats.org/presentationml/2006/ole">
             <mc:AlternateContent xmlns:mc="http://schemas.openxmlformats.org/markup-compatibility/2006">
               <mc:Choice xmlns:v="urn:schemas-microsoft-com:vml" Requires="v">
-                <p:oleObj spid="_x0000_s3085" name="Equation" r:id="rId8" imgW="2895600" imgH="1422400" progId="Equation.3">
+                <p:oleObj spid="_x0000_s3092" name="Equation" r:id="rId8" imgW="2895600" imgH="1422400" progId="Equation.3">
                   <p:embed/>
                 </p:oleObj>
               </mc:Choice>
@@ -7759,7 +8140,7 @@
           <a:graphicData uri="http://schemas.openxmlformats.org/presentationml/2006/ole">
             <mc:AlternateContent xmlns:mc="http://schemas.openxmlformats.org/markup-compatibility/2006">
               <mc:Choice xmlns:v="urn:schemas-microsoft-com:vml" Requires="v">
-                <p:oleObj spid="_x0000_s4104" name="Equation" r:id="rId4" imgW="3479800" imgH="469900" progId="Equation.3">
+                <p:oleObj spid="_x0000_s4109" name="Equation" r:id="rId4" imgW="3479800" imgH="469900" progId="Equation.3">
                   <p:embed/>
                 </p:oleObj>
               </mc:Choice>
@@ -7816,7 +8197,7 @@
           <a:graphicData uri="http://schemas.openxmlformats.org/presentationml/2006/ole">
             <mc:AlternateContent xmlns:mc="http://schemas.openxmlformats.org/markup-compatibility/2006">
               <mc:Choice xmlns:v="urn:schemas-microsoft-com:vml" Requires="v">
-                <p:oleObj spid="_x0000_s4105" name="Equation" r:id="rId6" imgW="3530600" imgH="482600" progId="Equation.3">
+                <p:oleObj spid="_x0000_s4110" name="Equation" r:id="rId6" imgW="3530600" imgH="482600" progId="Equation.3">
                   <p:embed/>
                 </p:oleObj>
               </mc:Choice>
@@ -8138,13 +8519,6 @@
               </a:rPr>
               <a:t>Probability model</a:t>
             </a:r>
-            <a:endParaRPr lang="en-US" dirty="0" smtClean="0">
-              <a:solidFill>
-                <a:schemeClr val="accent1">
-                  <a:lumMod val="75000"/>
-                </a:schemeClr>
-              </a:solidFill>
-            </a:endParaRPr>
           </a:p>
           <a:p>
             <a:pPr marL="285750" indent="-285750">
@@ -8181,17 +8555,7 @@
                   </a:schemeClr>
                 </a:solidFill>
               </a:rPr>
-              <a:t>      [Question: What </a:t>
-            </a:r>
-            <a:r>
-              <a:rPr lang="en-US" dirty="0" smtClean="0">
-                <a:solidFill>
-                  <a:schemeClr val="accent1">
-                    <a:lumMod val="75000"/>
-                  </a:schemeClr>
-                </a:solidFill>
-              </a:rPr>
-              <a:t>part is the kernel and what part is the integrating constant?]</a:t>
+              <a:t>      [Question: What part is the kernel and what part is the integrating constant?]</a:t>
             </a:r>
           </a:p>
           <a:p>
@@ -8603,7 +8967,7 @@
           <a:graphicData uri="http://schemas.openxmlformats.org/presentationml/2006/ole">
             <mc:AlternateContent xmlns:mc="http://schemas.openxmlformats.org/markup-compatibility/2006">
               <mc:Choice xmlns:v="urn:schemas-microsoft-com:vml" Requires="v">
-                <p:oleObj spid="_x0000_s1031" name="Equation" r:id="rId4" imgW="1485900" imgH="444500" progId="Equation.3">
+                <p:oleObj spid="_x0000_s1041" name="Equation" r:id="rId4" imgW="1485900" imgH="444500" progId="Equation.3">
                   <p:embed/>
                 </p:oleObj>
               </mc:Choice>
@@ -8660,7 +9024,7 @@
           <a:graphicData uri="http://schemas.openxmlformats.org/presentationml/2006/ole">
             <mc:AlternateContent xmlns:mc="http://schemas.openxmlformats.org/markup-compatibility/2006">
               <mc:Choice xmlns:v="urn:schemas-microsoft-com:vml" Requires="v">
-                <p:oleObj spid="_x0000_s1032" name="Equation" r:id="rId6" imgW="1206500" imgH="241300" progId="Equation.3">
+                <p:oleObj spid="_x0000_s1042" name="Equation" r:id="rId6" imgW="1206500" imgH="241300" progId="Equation.3">
                   <p:embed/>
                 </p:oleObj>
               </mc:Choice>
@@ -8704,25 +9068,25 @@
           <p:nvPr>
             <p:extLst>
               <p:ext uri="{D42A27DB-BD31-4B8C-83A1-F6EECF244321}">
-                <p14:modId xmlns:p14="http://schemas.microsoft.com/office/powerpoint/2010/main" val="2760958656"/>
+                <p14:modId xmlns:p14="http://schemas.microsoft.com/office/powerpoint/2010/main" val="3605213780"/>
               </p:ext>
             </p:extLst>
           </p:nvPr>
         </p:nvGraphicFramePr>
         <p:xfrm>
-          <a:off x="1143000" y="4343400"/>
-          <a:ext cx="6400801" cy="700088"/>
+          <a:off x="1279525" y="4343400"/>
+          <a:ext cx="6127750" cy="700088"/>
         </p:xfrm>
         <a:graphic>
           <a:graphicData uri="http://schemas.openxmlformats.org/presentationml/2006/ole">
             <mc:AlternateContent xmlns:mc="http://schemas.openxmlformats.org/markup-compatibility/2006">
               <mc:Choice xmlns:v="urn:schemas-microsoft-com:vml" Requires="v">
-                <p:oleObj spid="_x0000_s1033" name="Equation" r:id="rId8" imgW="4165600" imgH="457200" progId="Equation.3">
+                <p:oleObj spid="_x0000_s1043" name="Equation" r:id="rId8" imgW="3987800" imgH="457200" progId="Equation.3">
                   <p:embed/>
                 </p:oleObj>
               </mc:Choice>
               <mc:Fallback>
-                <p:oleObj name="Equation" r:id="rId8" imgW="4165600" imgH="457200" progId="Equation.3">
+                <p:oleObj name="Equation" r:id="rId8" imgW="3987800" imgH="457200" progId="Equation.3">
                   <p:embed/>
                   <p:pic>
                     <p:nvPicPr>
@@ -8738,8 +9102,8 @@
                     </p:blipFill>
                     <p:spPr>
                       <a:xfrm>
-                        <a:off x="1143000" y="4343400"/>
-                        <a:ext cx="6400801" cy="700088"/>
+                        <a:off x="1279525" y="4343400"/>
+                        <a:ext cx="6127750" cy="700088"/>
                       </a:xfrm>
                       <a:prstGeom prst="rect">
                         <a:avLst/>
@@ -9181,8 +9545,45 @@
                   </a:schemeClr>
                 </a:solidFill>
               </a:rPr>
-              <a:t>We have such form in the Gamma distribution</a:t>
-            </a:r>
+              <a:t>We have such </a:t>
+            </a:r>
+            <a:r>
+              <a:rPr lang="en-US" dirty="0" smtClean="0">
+                <a:solidFill>
+                  <a:schemeClr val="accent1">
+                    <a:lumMod val="75000"/>
+                  </a:schemeClr>
+                </a:solidFill>
+              </a:rPr>
+              <a:t>a form </a:t>
+            </a:r>
+            <a:r>
+              <a:rPr lang="en-US" dirty="0" smtClean="0">
+                <a:solidFill>
+                  <a:schemeClr val="accent1">
+                    <a:lumMod val="75000"/>
+                  </a:schemeClr>
+                </a:solidFill>
+              </a:rPr>
+              <a:t>in the Gamma </a:t>
+            </a:r>
+            <a:r>
+              <a:rPr lang="en-US" dirty="0" smtClean="0">
+                <a:solidFill>
+                  <a:schemeClr val="accent1">
+                    <a:lumMod val="75000"/>
+                  </a:schemeClr>
+                </a:solidFill>
+              </a:rPr>
+              <a:t>distribution (a=shape; b=rate)</a:t>
+            </a:r>
+            <a:endParaRPr lang="en-US" dirty="0" smtClean="0">
+              <a:solidFill>
+                <a:schemeClr val="accent1">
+                  <a:lumMod val="75000"/>
+                </a:schemeClr>
+              </a:solidFill>
+            </a:endParaRPr>
           </a:p>
           <a:p>
             <a:endParaRPr lang="en-US" dirty="0" smtClean="0">
@@ -9229,6 +9630,36 @@
             </a:endParaRPr>
           </a:p>
           <a:p>
+            <a:r>
+              <a:rPr lang="en-US" dirty="0" smtClean="0">
+                <a:solidFill>
+                  <a:schemeClr val="accent1">
+                    <a:lumMod val="75000"/>
+                  </a:schemeClr>
+                </a:solidFill>
+              </a:rPr>
+              <a:t>[Discuss: (</a:t>
+            </a:r>
+            <a:r>
+              <a:rPr lang="en-US" dirty="0" err="1" smtClean="0">
+                <a:solidFill>
+                  <a:schemeClr val="accent1">
+                    <a:lumMod val="75000"/>
+                  </a:schemeClr>
+                </a:solidFill>
+              </a:rPr>
+              <a:t>i</a:t>
+            </a:r>
+            <a:r>
+              <a:rPr lang="en-US" dirty="0" smtClean="0">
+                <a:solidFill>
+                  <a:schemeClr val="accent1">
+                    <a:lumMod val="75000"/>
+                  </a:schemeClr>
+                </a:solidFill>
+              </a:rPr>
+              <a:t>) alternative parameterizations, (ii) mean and variance ]</a:t>
+            </a:r>
             <a:endParaRPr lang="en-US" dirty="0">
               <a:solidFill>
                 <a:schemeClr val="accent1">
@@ -9261,7 +9692,7 @@
           <a:graphicData uri="http://schemas.openxmlformats.org/presentationml/2006/ole">
             <mc:AlternateContent xmlns:mc="http://schemas.openxmlformats.org/markup-compatibility/2006">
               <mc:Choice xmlns:v="urn:schemas-microsoft-com:vml" Requires="v">
-                <p:oleObj spid="_x0000_s5131" name="Equation" r:id="rId4" imgW="1435100" imgH="254000" progId="Equation.3">
+                <p:oleObj spid="_x0000_s5144" name="Equation" r:id="rId4" imgW="1435100" imgH="254000" progId="Equation.3">
                   <p:embed/>
                 </p:oleObj>
               </mc:Choice>
@@ -9305,25 +9736,25 @@
           <p:nvPr>
             <p:extLst>
               <p:ext uri="{D42A27DB-BD31-4B8C-83A1-F6EECF244321}">
-                <p14:modId xmlns:p14="http://schemas.microsoft.com/office/powerpoint/2010/main" val="2045955067"/>
+                <p14:modId xmlns:p14="http://schemas.microsoft.com/office/powerpoint/2010/main" val="1873983168"/>
               </p:ext>
             </p:extLst>
           </p:nvPr>
         </p:nvGraphicFramePr>
         <p:xfrm>
-          <a:off x="2513013" y="2200275"/>
-          <a:ext cx="1500187" cy="466725"/>
+          <a:off x="2484438" y="2200275"/>
+          <a:ext cx="1557337" cy="466725"/>
         </p:xfrm>
         <a:graphic>
           <a:graphicData uri="http://schemas.openxmlformats.org/presentationml/2006/ole">
             <mc:AlternateContent xmlns:mc="http://schemas.openxmlformats.org/markup-compatibility/2006">
               <mc:Choice xmlns:v="urn:schemas-microsoft-com:vml" Requires="v">
-                <p:oleObj spid="_x0000_s5132" name="Equation" r:id="rId6" imgW="977900" imgH="304800" progId="Equation.3">
+                <p:oleObj spid="_x0000_s5145" name="Equation" r:id="rId6" imgW="1016000" imgH="304800" progId="Equation.3">
                   <p:embed/>
                 </p:oleObj>
               </mc:Choice>
               <mc:Fallback>
-                <p:oleObj name="Equation" r:id="rId6" imgW="977900" imgH="304800" progId="Equation.3">
+                <p:oleObj name="Equation" r:id="rId6" imgW="1016000" imgH="304800" progId="Equation.3">
                   <p:embed/>
                   <p:pic>
                     <p:nvPicPr>
@@ -9339,8 +9770,8 @@
                     </p:blipFill>
                     <p:spPr>
                       <a:xfrm>
-                        <a:off x="2513013" y="2200275"/>
-                        <a:ext cx="1500187" cy="466725"/>
+                        <a:off x="2484438" y="2200275"/>
+                        <a:ext cx="1557337" cy="466725"/>
                       </a:xfrm>
                       <a:prstGeom prst="rect">
                         <a:avLst/>
@@ -9362,25 +9793,25 @@
           <p:nvPr>
             <p:extLst>
               <p:ext uri="{D42A27DB-BD31-4B8C-83A1-F6EECF244321}">
-                <p14:modId xmlns:p14="http://schemas.microsoft.com/office/powerpoint/2010/main" val="131962913"/>
+                <p14:modId xmlns:p14="http://schemas.microsoft.com/office/powerpoint/2010/main" val="1557303842"/>
               </p:ext>
             </p:extLst>
           </p:nvPr>
         </p:nvGraphicFramePr>
         <p:xfrm>
-          <a:off x="2427288" y="3179763"/>
-          <a:ext cx="3338512" cy="1341437"/>
+          <a:off x="2427288" y="3170238"/>
+          <a:ext cx="3338512" cy="1360487"/>
         </p:xfrm>
         <a:graphic>
           <a:graphicData uri="http://schemas.openxmlformats.org/presentationml/2006/ole">
             <mc:AlternateContent xmlns:mc="http://schemas.openxmlformats.org/markup-compatibility/2006">
               <mc:Choice xmlns:v="urn:schemas-microsoft-com:vml" Requires="v">
-                <p:oleObj spid="_x0000_s5133" name="Equation" r:id="rId8" imgW="2171700" imgH="876300" progId="Equation.3">
+                <p:oleObj spid="_x0000_s5146" name="Equation" r:id="rId8" imgW="2171700" imgH="889000" progId="Equation.3">
                   <p:embed/>
                 </p:oleObj>
               </mc:Choice>
               <mc:Fallback>
-                <p:oleObj name="Equation" r:id="rId8" imgW="2171700" imgH="876300" progId="Equation.3">
+                <p:oleObj name="Equation" r:id="rId8" imgW="2171700" imgH="889000" progId="Equation.3">
                   <p:embed/>
                   <p:pic>
                     <p:nvPicPr>
@@ -9396,8 +9827,8 @@
                     </p:blipFill>
                     <p:spPr>
                       <a:xfrm>
-                        <a:off x="2427288" y="3179763"/>
-                        <a:ext cx="3338512" cy="1341437"/>
+                        <a:off x="2427288" y="3170238"/>
+                        <a:ext cx="3338512" cy="1360487"/>
                       </a:xfrm>
                       <a:prstGeom prst="rect">
                         <a:avLst/>
@@ -9419,7 +9850,7 @@
           <p:nvPr>
             <p:extLst>
               <p:ext uri="{D42A27DB-BD31-4B8C-83A1-F6EECF244321}">
-                <p14:modId xmlns:p14="http://schemas.microsoft.com/office/powerpoint/2010/main" val="487052945"/>
+                <p14:modId xmlns:p14="http://schemas.microsoft.com/office/powerpoint/2010/main" val="2378229868"/>
               </p:ext>
             </p:extLst>
           </p:nvPr>
@@ -9432,7 +9863,7 @@
           <a:graphicData uri="http://schemas.openxmlformats.org/presentationml/2006/ole">
             <mc:AlternateContent xmlns:mc="http://schemas.openxmlformats.org/markup-compatibility/2006">
               <mc:Choice xmlns:v="urn:schemas-microsoft-com:vml" Requires="v">
-                <p:oleObj spid="_x0000_s5134" name="Equation" r:id="rId10" imgW="1574800" imgH="495300" progId="Equation.3">
+                <p:oleObj spid="_x0000_s5147" name="Equation" r:id="rId10" imgW="1574800" imgH="495300" progId="Equation.3">
                   <p:embed/>
                 </p:oleObj>
               </mc:Choice>
@@ -9669,7 +10100,7 @@
         <p:spPr>
           <a:xfrm>
             <a:off x="76200" y="533400"/>
-            <a:ext cx="9067800" cy="5909311"/>
+            <a:ext cx="9067800" cy="5078314"/>
           </a:xfrm>
           <a:prstGeom prst="rect">
             <a:avLst/>
@@ -9700,8 +10131,15 @@
                   </a:schemeClr>
                 </a:solidFill>
               </a:rPr>
-              <a:t>Likelihood</a:t>
-            </a:r>
+              <a:t>According to Bayes Rule</a:t>
+            </a:r>
+            <a:endParaRPr lang="en-US" dirty="0" smtClean="0">
+              <a:solidFill>
+                <a:schemeClr val="accent1">
+                  <a:lumMod val="75000"/>
+                </a:schemeClr>
+              </a:solidFill>
+            </a:endParaRPr>
           </a:p>
           <a:p>
             <a:pPr marL="285750" indent="-285750">
@@ -9743,18 +10181,6 @@
               <a:buFont typeface="Symbol" charset="0"/>
               <a:buChar char=""/>
             </a:pPr>
-            <a:r>
-              <a:rPr lang="en-US" dirty="0" smtClean="0">
-                <a:solidFill>
-                  <a:schemeClr val="accent1">
-                    <a:lumMod val="75000"/>
-                  </a:schemeClr>
-                </a:solidFill>
-              </a:rPr>
-              <a:t>We may guess that a conjugate prior may have this form:</a:t>
-            </a:r>
-          </a:p>
-          <a:p>
             <a:endParaRPr lang="en-US" dirty="0" smtClean="0">
               <a:solidFill>
                 <a:schemeClr val="accent1">
@@ -9781,7 +10207,62 @@
               <a:buFont typeface="Symbol" charset="0"/>
               <a:buChar char=""/>
             </a:pPr>
+            <a:r>
+              <a:rPr lang="en-US" dirty="0" smtClean="0">
+                <a:solidFill>
+                  <a:schemeClr val="accent1">
+                    <a:lumMod val="75000"/>
+                  </a:schemeClr>
+                </a:solidFill>
+              </a:rPr>
+              <a:t>In the Gamma-Poisson Model we have</a:t>
+            </a:r>
             <a:endParaRPr lang="en-US" dirty="0" smtClean="0">
+              <a:solidFill>
+                <a:schemeClr val="accent1">
+                  <a:lumMod val="75000"/>
+                </a:schemeClr>
+              </a:solidFill>
+            </a:endParaRPr>
+          </a:p>
+          <a:p>
+            <a:endParaRPr lang="en-US" dirty="0">
+              <a:solidFill>
+                <a:schemeClr val="accent1">
+                  <a:lumMod val="75000"/>
+                </a:schemeClr>
+              </a:solidFill>
+            </a:endParaRPr>
+          </a:p>
+          <a:p>
+            <a:endParaRPr lang="en-US" dirty="0" smtClean="0">
+              <a:solidFill>
+                <a:schemeClr val="accent1">
+                  <a:lumMod val="75000"/>
+                </a:schemeClr>
+              </a:solidFill>
+            </a:endParaRPr>
+          </a:p>
+          <a:p>
+            <a:endParaRPr lang="en-US" dirty="0">
+              <a:solidFill>
+                <a:schemeClr val="accent1">
+                  <a:lumMod val="75000"/>
+                </a:schemeClr>
+              </a:solidFill>
+            </a:endParaRPr>
+          </a:p>
+          <a:p>
+            <a:endParaRPr lang="en-US" dirty="0" smtClean="0">
+              <a:solidFill>
+                <a:schemeClr val="accent1">
+                  <a:lumMod val="75000"/>
+                </a:schemeClr>
+              </a:solidFill>
+            </a:endParaRPr>
+          </a:p>
+          <a:p>
+            <a:endParaRPr lang="en-US" dirty="0">
               <a:solidFill>
                 <a:schemeClr val="accent1">
                   <a:lumMod val="75000"/>
@@ -9794,6 +10275,19 @@
               <a:buFont typeface="Symbol" charset="0"/>
               <a:buChar char=""/>
             </a:pPr>
+            <a:endParaRPr lang="en-US" dirty="0" smtClean="0">
+              <a:solidFill>
+                <a:schemeClr val="accent1">
+                  <a:lumMod val="75000"/>
+                </a:schemeClr>
+              </a:solidFill>
+            </a:endParaRPr>
+          </a:p>
+          <a:p>
+            <a:pPr marL="285750" indent="-285750">
+              <a:buFont typeface="Symbol" charset="0"/>
+              <a:buChar char=""/>
+            </a:pPr>
             <a:r>
               <a:rPr lang="en-US" dirty="0" smtClean="0">
                 <a:solidFill>
@@ -9802,8 +10296,17 @@
                   </a:schemeClr>
                 </a:solidFill>
               </a:rPr>
-              <a:t>If we have something like that, the posterior will have the following kernel</a:t>
-            </a:r>
+              <a:t>This can be recognized as the kernel of a Gamma distribution with the following parameters</a:t>
+            </a:r>
+          </a:p>
+          <a:p>
+            <a:endParaRPr lang="en-US" dirty="0" smtClean="0">
+              <a:solidFill>
+                <a:schemeClr val="accent1">
+                  <a:lumMod val="75000"/>
+                </a:schemeClr>
+              </a:solidFill>
+            </a:endParaRPr>
           </a:p>
           <a:p>
             <a:pPr marL="285750" indent="-285750">
@@ -9819,10 +10322,6 @@
             </a:endParaRPr>
           </a:p>
           <a:p>
-            <a:pPr marL="285750" indent="-285750">
-              <a:buFont typeface="Symbol" charset="0"/>
-              <a:buChar char=""/>
-            </a:pPr>
             <a:endParaRPr lang="en-US" dirty="0" smtClean="0">
               <a:solidFill>
                 <a:schemeClr val="accent1">
@@ -9832,62 +10331,6 @@
             </a:endParaRPr>
           </a:p>
           <a:p>
-            <a:pPr marL="285750" indent="-285750">
-              <a:buFont typeface="Symbol" charset="0"/>
-              <a:buChar char=""/>
-            </a:pPr>
-            <a:endParaRPr lang="en-US" dirty="0">
-              <a:solidFill>
-                <a:schemeClr val="accent1">
-                  <a:lumMod val="75000"/>
-                </a:schemeClr>
-              </a:solidFill>
-            </a:endParaRPr>
-          </a:p>
-          <a:p>
-            <a:pPr marL="285750" indent="-285750">
-              <a:buFont typeface="Symbol" charset="0"/>
-              <a:buChar char=""/>
-            </a:pPr>
-            <a:endParaRPr lang="en-US" dirty="0" smtClean="0">
-              <a:solidFill>
-                <a:schemeClr val="accent1">
-                  <a:lumMod val="75000"/>
-                </a:schemeClr>
-              </a:solidFill>
-            </a:endParaRPr>
-          </a:p>
-          <a:p>
-            <a:pPr marL="285750" indent="-285750">
-              <a:buFont typeface="Symbol" charset="0"/>
-              <a:buChar char=""/>
-            </a:pPr>
-            <a:endParaRPr lang="en-US" dirty="0">
-              <a:solidFill>
-                <a:schemeClr val="accent1">
-                  <a:lumMod val="75000"/>
-                </a:schemeClr>
-              </a:solidFill>
-            </a:endParaRPr>
-          </a:p>
-          <a:p>
-            <a:pPr marL="285750" indent="-285750">
-              <a:buFont typeface="Symbol" charset="0"/>
-              <a:buChar char=""/>
-            </a:pPr>
-            <a:endParaRPr lang="en-US" dirty="0" smtClean="0">
-              <a:solidFill>
-                <a:schemeClr val="accent1">
-                  <a:lumMod val="75000"/>
-                </a:schemeClr>
-              </a:solidFill>
-            </a:endParaRPr>
-          </a:p>
-          <a:p>
-            <a:pPr marL="285750" indent="-285750">
-              <a:buFont typeface="Symbol" charset="0"/>
-              <a:buChar char=""/>
-            </a:pPr>
             <a:r>
               <a:rPr lang="en-US" dirty="0" smtClean="0">
                 <a:solidFill>
@@ -9896,54 +10339,8 @@
                   </a:schemeClr>
                 </a:solidFill>
               </a:rPr>
-              <a:t>We have such form in the Gamma distribution</a:t>
-            </a:r>
-          </a:p>
-          <a:p>
-            <a:endParaRPr lang="en-US" dirty="0" smtClean="0">
-              <a:solidFill>
-                <a:schemeClr val="accent1">
-                  <a:lumMod val="75000"/>
-                </a:schemeClr>
-              </a:solidFill>
-            </a:endParaRPr>
-          </a:p>
-          <a:p>
-            <a:pPr marL="285750" indent="-285750">
-              <a:buFont typeface="Symbol" charset="0"/>
-              <a:buChar char=""/>
-            </a:pPr>
-            <a:endParaRPr lang="en-US" dirty="0">
-              <a:solidFill>
-                <a:schemeClr val="accent1">
-                  <a:lumMod val="75000"/>
-                </a:schemeClr>
-              </a:solidFill>
-            </a:endParaRPr>
-          </a:p>
-          <a:p>
-            <a:pPr marL="285750" indent="-285750">
-              <a:buFont typeface="Symbol" charset="0"/>
-              <a:buChar char=""/>
-            </a:pPr>
-            <a:endParaRPr lang="en-US" dirty="0" smtClean="0">
-              <a:solidFill>
-                <a:schemeClr val="accent1">
-                  <a:lumMod val="75000"/>
-                </a:schemeClr>
-              </a:solidFill>
-            </a:endParaRPr>
-          </a:p>
-          <a:p>
-            <a:endParaRPr lang="en-US" dirty="0" smtClean="0">
-              <a:solidFill>
-                <a:schemeClr val="accent1">
-                  <a:lumMod val="75000"/>
-                </a:schemeClr>
-              </a:solidFill>
-            </a:endParaRPr>
-          </a:p>
-          <a:p>
+              <a:t/>
+            </a:r>
             <a:endParaRPr lang="en-US" dirty="0">
               <a:solidFill>
                 <a:schemeClr val="accent1">
@@ -9963,25 +10360,25 @@
           <p:nvPr>
             <p:extLst>
               <p:ext uri="{D42A27DB-BD31-4B8C-83A1-F6EECF244321}">
-                <p14:modId xmlns:p14="http://schemas.microsoft.com/office/powerpoint/2010/main" val="389105858"/>
+                <p14:modId xmlns:p14="http://schemas.microsoft.com/office/powerpoint/2010/main" val="3969414868"/>
               </p:ext>
             </p:extLst>
           </p:nvPr>
         </p:nvGraphicFramePr>
         <p:xfrm>
-          <a:off x="2184400" y="906463"/>
-          <a:ext cx="2205038" cy="388937"/>
+          <a:off x="1524000" y="838200"/>
+          <a:ext cx="3471862" cy="1127125"/>
         </p:xfrm>
         <a:graphic>
           <a:graphicData uri="http://schemas.openxmlformats.org/presentationml/2006/ole">
             <mc:AlternateContent xmlns:mc="http://schemas.openxmlformats.org/markup-compatibility/2006">
               <mc:Choice xmlns:v="urn:schemas-microsoft-com:vml" Requires="v">
-                <p:oleObj spid="_x0000_s6149" name="Equation" r:id="rId4" imgW="1435100" imgH="254000" progId="Equation.3">
+                <p:oleObj spid="_x0000_s6164" name="Equation" r:id="rId4" imgW="2260600" imgH="736600" progId="Equation.3">
                   <p:embed/>
                 </p:oleObj>
               </mc:Choice>
               <mc:Fallback>
-                <p:oleObj name="Equation" r:id="rId4" imgW="1435100" imgH="254000" progId="Equation.3">
+                <p:oleObj name="Equation" r:id="rId4" imgW="2260600" imgH="736600" progId="Equation.3">
                   <p:embed/>
                   <p:pic>
                     <p:nvPicPr>
@@ -9997,7 +10394,121 @@
                     </p:blipFill>
                     <p:spPr>
                       <a:xfrm>
-                        <a:off x="2184400" y="906463"/>
+                        <a:off x="1524000" y="838200"/>
+                        <a:ext cx="3471862" cy="1127125"/>
+                      </a:xfrm>
+                      <a:prstGeom prst="rect">
+                        <a:avLst/>
+                      </a:prstGeom>
+                    </p:spPr>
+                  </p:pic>
+                </p:oleObj>
+              </mc:Fallback>
+            </mc:AlternateContent>
+          </a:graphicData>
+        </a:graphic>
+      </p:graphicFrame>
+      <p:graphicFrame>
+        <p:nvGraphicFramePr>
+          <p:cNvPr id="13" name="Object 12"/>
+          <p:cNvGraphicFramePr>
+            <a:graphicFrameLocks noChangeAspect="1"/>
+          </p:cNvGraphicFramePr>
+          <p:nvPr>
+            <p:extLst>
+              <p:ext uri="{D42A27DB-BD31-4B8C-83A1-F6EECF244321}">
+                <p14:modId xmlns:p14="http://schemas.microsoft.com/office/powerpoint/2010/main" val="1054518496"/>
+              </p:ext>
+            </p:extLst>
+          </p:nvPr>
+        </p:nvGraphicFramePr>
+        <p:xfrm>
+          <a:off x="5638800" y="685800"/>
+          <a:ext cx="2420937" cy="758825"/>
+        </p:xfrm>
+        <a:graphic>
+          <a:graphicData uri="http://schemas.openxmlformats.org/presentationml/2006/ole">
+            <mc:AlternateContent xmlns:mc="http://schemas.openxmlformats.org/markup-compatibility/2006">
+              <mc:Choice xmlns:v="urn:schemas-microsoft-com:vml" Requires="v">
+                <p:oleObj spid="_x0000_s6165" name="Equation" r:id="rId6" imgW="1574800" imgH="495300" progId="Equation.3">
+                  <p:embed/>
+                </p:oleObj>
+              </mc:Choice>
+              <mc:Fallback>
+                <p:oleObj name="Equation" r:id="rId6" imgW="1574800" imgH="495300" progId="Equation.3">
+                  <p:embed/>
+                  <p:pic>
+                    <p:nvPicPr>
+                      <p:cNvPr id="0" name=""/>
+                      <p:cNvPicPr/>
+                      <p:nvPr/>
+                    </p:nvPicPr>
+                    <p:blipFill>
+                      <a:blip r:embed="rId7"/>
+                      <a:stretch>
+                        <a:fillRect/>
+                      </a:stretch>
+                    </p:blipFill>
+                    <p:spPr>
+                      <a:xfrm>
+                        <a:off x="5638800" y="685800"/>
+                        <a:ext cx="2420937" cy="758825"/>
+                      </a:xfrm>
+                      <a:prstGeom prst="rect">
+                        <a:avLst/>
+                      </a:prstGeom>
+                    </p:spPr>
+                  </p:pic>
+                </p:oleObj>
+              </mc:Fallback>
+            </mc:AlternateContent>
+          </a:graphicData>
+        </a:graphic>
+      </p:graphicFrame>
+      <p:graphicFrame>
+        <p:nvGraphicFramePr>
+          <p:cNvPr id="14" name="Object 13"/>
+          <p:cNvGraphicFramePr>
+            <a:graphicFrameLocks noChangeAspect="1"/>
+          </p:cNvGraphicFramePr>
+          <p:nvPr>
+            <p:extLst>
+              <p:ext uri="{D42A27DB-BD31-4B8C-83A1-F6EECF244321}">
+                <p14:modId xmlns:p14="http://schemas.microsoft.com/office/powerpoint/2010/main" val="1941893239"/>
+              </p:ext>
+            </p:extLst>
+          </p:nvPr>
+        </p:nvGraphicFramePr>
+        <p:xfrm>
+          <a:off x="5486400" y="1828800"/>
+          <a:ext cx="2205038" cy="388937"/>
+        </p:xfrm>
+        <a:graphic>
+          <a:graphicData uri="http://schemas.openxmlformats.org/presentationml/2006/ole">
+            <mc:AlternateContent xmlns:mc="http://schemas.openxmlformats.org/markup-compatibility/2006">
+              <mc:Choice xmlns:v="urn:schemas-microsoft-com:vml" Requires="v">
+                <p:oleObj spid="_x0000_s6166" name="Equation" r:id="rId8" imgW="1435100" imgH="254000" progId="Equation.3">
+                  <p:embed/>
+                </p:oleObj>
+              </mc:Choice>
+              <mc:Fallback>
+                <p:oleObj name="Equation" r:id="rId8" imgW="1435100" imgH="254000" progId="Equation.3">
+                  <p:embed/>
+                  <p:pic>
+                    <p:nvPicPr>
+                      <p:cNvPr id="0" name=""/>
+                      <p:cNvPicPr/>
+                      <p:nvPr/>
+                    </p:nvPicPr>
+                    <p:blipFill>
+                      <a:blip r:embed="rId9"/>
+                      <a:stretch>
+                        <a:fillRect/>
+                      </a:stretch>
+                    </p:blipFill>
+                    <p:spPr>
+                      <a:xfrm>
+                        <a:off x="5486400" y="1828800"/>
                         <a:ext cx="2205038" cy="388937"/>
                       </a:xfrm>
                       <a:prstGeom prst="rect">
@@ -10013,32 +10524,32 @@
       </p:graphicFrame>
       <p:graphicFrame>
         <p:nvGraphicFramePr>
-          <p:cNvPr id="10" name="Object 9"/>
+          <p:cNvPr id="15" name="Object 14"/>
           <p:cNvGraphicFramePr>
             <a:graphicFrameLocks noChangeAspect="1"/>
           </p:cNvGraphicFramePr>
           <p:nvPr>
             <p:extLst>
               <p:ext uri="{D42A27DB-BD31-4B8C-83A1-F6EECF244321}">
-                <p14:modId xmlns:p14="http://schemas.microsoft.com/office/powerpoint/2010/main" val="1304326894"/>
+                <p14:modId xmlns:p14="http://schemas.microsoft.com/office/powerpoint/2010/main" val="188863183"/>
               </p:ext>
             </p:extLst>
           </p:nvPr>
         </p:nvGraphicFramePr>
         <p:xfrm>
-          <a:off x="2513013" y="2200275"/>
-          <a:ext cx="1500187" cy="466725"/>
+          <a:off x="1801813" y="2559050"/>
+          <a:ext cx="4133850" cy="1343025"/>
         </p:xfrm>
         <a:graphic>
           <a:graphicData uri="http://schemas.openxmlformats.org/presentationml/2006/ole">
             <mc:AlternateContent xmlns:mc="http://schemas.openxmlformats.org/markup-compatibility/2006">
               <mc:Choice xmlns:v="urn:schemas-microsoft-com:vml" Requires="v">
-                <p:oleObj spid="_x0000_s6150" name="Equation" r:id="rId6" imgW="977900" imgH="304800" progId="Equation.3">
+                <p:oleObj spid="_x0000_s6167" name="Equation" r:id="rId10" imgW="2692400" imgH="876300" progId="Equation.3">
                   <p:embed/>
                 </p:oleObj>
               </mc:Choice>
               <mc:Fallback>
-                <p:oleObj name="Equation" r:id="rId6" imgW="977900" imgH="304800" progId="Equation.3">
+                <p:oleObj name="Equation" r:id="rId10" imgW="2692400" imgH="876300" progId="Equation.3">
                   <p:embed/>
                   <p:pic>
                     <p:nvPicPr>
@@ -10047,15 +10558,569 @@
                       <p:nvPr/>
                     </p:nvPicPr>
                     <p:blipFill>
-                      <a:blip r:embed="rId7"/>
+                      <a:blip r:embed="rId11"/>
                       <a:stretch>
                         <a:fillRect/>
                       </a:stretch>
                     </p:blipFill>
                     <p:spPr>
                       <a:xfrm>
-                        <a:off x="2513013" y="2200275"/>
-                        <a:ext cx="1500187" cy="466725"/>
+                        <a:off x="1801813" y="2559050"/>
+                        <a:ext cx="4133850" cy="1343025"/>
+                      </a:xfrm>
+                      <a:prstGeom prst="rect">
+                        <a:avLst/>
+                      </a:prstGeom>
+                    </p:spPr>
+                  </p:pic>
+                </p:oleObj>
+              </mc:Fallback>
+            </mc:AlternateContent>
+          </a:graphicData>
+        </a:graphic>
+      </p:graphicFrame>
+      <p:graphicFrame>
+        <p:nvGraphicFramePr>
+          <p:cNvPr id="3" name="Object 2"/>
+          <p:cNvGraphicFramePr>
+            <a:graphicFrameLocks noChangeAspect="1"/>
+          </p:cNvGraphicFramePr>
+          <p:nvPr>
+            <p:extLst>
+              <p:ext uri="{D42A27DB-BD31-4B8C-83A1-F6EECF244321}">
+                <p14:modId xmlns:p14="http://schemas.microsoft.com/office/powerpoint/2010/main" val="1781109522"/>
+              </p:ext>
+            </p:extLst>
+          </p:nvPr>
+        </p:nvGraphicFramePr>
+        <p:xfrm>
+          <a:off x="914400" y="4594225"/>
+          <a:ext cx="1296988" cy="563563"/>
+        </p:xfrm>
+        <a:graphic>
+          <a:graphicData uri="http://schemas.openxmlformats.org/presentationml/2006/ole">
+            <mc:AlternateContent xmlns:mc="http://schemas.openxmlformats.org/markup-compatibility/2006">
+              <mc:Choice xmlns:v="urn:schemas-microsoft-com:vml" Requires="v">
+                <p:oleObj spid="_x0000_s6168" name="Equation" r:id="rId12" imgW="1054100" imgH="457200" progId="Equation.3">
+                  <p:embed/>
+                </p:oleObj>
+              </mc:Choice>
+              <mc:Fallback>
+                <p:oleObj name="Equation" r:id="rId12" imgW="1054100" imgH="457200" progId="Equation.3">
+                  <p:embed/>
+                  <p:pic>
+                    <p:nvPicPr>
+                      <p:cNvPr id="0" name=""/>
+                      <p:cNvPicPr/>
+                      <p:nvPr/>
+                    </p:nvPicPr>
+                    <p:blipFill>
+                      <a:blip r:embed="rId13"/>
+                      <a:stretch>
+                        <a:fillRect/>
+                      </a:stretch>
+                    </p:blipFill>
+                    <p:spPr>
+                      <a:xfrm>
+                        <a:off x="914400" y="4594225"/>
+                        <a:ext cx="1296988" cy="563563"/>
+                      </a:xfrm>
+                      <a:prstGeom prst="rect">
+                        <a:avLst/>
+                      </a:prstGeom>
+                    </p:spPr>
+                  </p:pic>
+                </p:oleObj>
+              </mc:Fallback>
+            </mc:AlternateContent>
+          </a:graphicData>
+        </a:graphic>
+      </p:graphicFrame>
+    </p:spTree>
+    <p:extLst>
+      <p:ext uri="{BB962C8B-B14F-4D97-AF65-F5344CB8AC3E}">
+        <p14:creationId xmlns:p14="http://schemas.microsoft.com/office/powerpoint/2010/main" val="939035691"/>
+      </p:ext>
+    </p:extLst>
+  </p:cSld>
+  <p:clrMapOvr>
+    <a:masterClrMapping/>
+  </p:clrMapOvr>
+  <p:timing>
+    <p:tnLst>
+      <p:par>
+        <p:cTn xmlns:p14="http://schemas.microsoft.com/office/powerpoint/2010/main" id="1" dur="indefinite" restart="never" nodeType="tmRoot">
+          <p:childTnLst>
+            <p:seq concurrent="1" nextAc="seek">
+              <p:cTn id="2" dur="indefinite" nodeType="mainSeq">
+                <p:childTnLst>
+                  <p:par>
+                    <p:cTn id="3" fill="hold">
+                      <p:stCondLst>
+                        <p:cond delay="indefinite"/>
+                      </p:stCondLst>
+                      <p:childTnLst>
+                        <p:par>
+                          <p:cTn id="4" fill="hold">
+                            <p:stCondLst>
+                              <p:cond delay="0"/>
+                            </p:stCondLst>
+                            <p:childTnLst>
+                              <p:par>
+                                <p:cTn id="5" presetID="3" presetClass="entr" presetSubtype="10" fill="hold" grpId="0" nodeType="clickEffect">
+                                  <p:stCondLst>
+                                    <p:cond delay="0"/>
+                                  </p:stCondLst>
+                                  <p:childTnLst>
+                                    <p:set>
+                                      <p:cBhvr>
+                                        <p:cTn id="6" dur="1" fill="hold">
+                                          <p:stCondLst>
+                                            <p:cond delay="0"/>
+                                          </p:stCondLst>
+                                        </p:cTn>
+                                        <p:tgtEl>
+                                          <p:spTgt spid="6">
+                                            <p:bg/>
+                                          </p:spTgt>
+                                        </p:tgtEl>
+                                        <p:attrNameLst>
+                                          <p:attrName>style.visibility</p:attrName>
+                                        </p:attrNameLst>
+                                      </p:cBhvr>
+                                      <p:to>
+                                        <p:strVal val="visible"/>
+                                      </p:to>
+                                    </p:set>
+                                    <p:animEffect transition="in" filter="blinds(horizontal)">
+                                      <p:cBhvr>
+                                        <p:cTn id="7" dur="500"/>
+                                        <p:tgtEl>
+                                          <p:spTgt spid="6">
+                                            <p:bg/>
+                                          </p:spTgt>
+                                        </p:tgtEl>
+                                      </p:cBhvr>
+                                    </p:animEffect>
+                                  </p:childTnLst>
+                                </p:cTn>
+                              </p:par>
+                            </p:childTnLst>
+                          </p:cTn>
+                        </p:par>
+                      </p:childTnLst>
+                    </p:cTn>
+                  </p:par>
+                </p:childTnLst>
+              </p:cTn>
+              <p:prevCondLst>
+                <p:cond evt="onPrev" delay="0">
+                  <p:tgtEl>
+                    <p:sldTgt/>
+                  </p:tgtEl>
+                </p:cond>
+              </p:prevCondLst>
+              <p:nextCondLst>
+                <p:cond evt="onNext" delay="0">
+                  <p:tgtEl>
+                    <p:sldTgt/>
+                  </p:tgtEl>
+                </p:cond>
+              </p:nextCondLst>
+            </p:seq>
+          </p:childTnLst>
+        </p:cTn>
+      </p:par>
+    </p:tnLst>
+    <p:bldLst>
+      <p:bldP spid="6" grpId="0" build="p" bldLvl="2" animBg="1"/>
+    </p:bldLst>
+  </p:timing>
+</p:sld>
+</file>
+
+<file path=ppt/slides/slide9.xml><?xml version="1.0" encoding="utf-8"?>
+<p:sld xmlns:a="http://schemas.openxmlformats.org/drawingml/2006/main" xmlns:r="http://schemas.openxmlformats.org/officeDocument/2006/relationships" xmlns:p="http://schemas.openxmlformats.org/presentationml/2006/main">
+  <p:cSld>
+    <p:spTree>
+      <p:nvGrpSpPr>
+        <p:cNvPr id="1" name=""/>
+        <p:cNvGrpSpPr/>
+        <p:nvPr/>
+      </p:nvGrpSpPr>
+      <p:grpSpPr>
+        <a:xfrm>
+          <a:off x="0" y="0"/>
+          <a:ext cx="0" cy="0"/>
+          <a:chOff x="0" y="0"/>
+          <a:chExt cx="0" cy="0"/>
+        </a:xfrm>
+      </p:grpSpPr>
+      <p:sp>
+        <p:nvSpPr>
+          <p:cNvPr id="2" name="Title 1"/>
+          <p:cNvSpPr>
+            <a:spLocks noGrp="1"/>
+          </p:cNvSpPr>
+          <p:nvPr>
+            <p:ph type="ctrTitle"/>
+          </p:nvPr>
+        </p:nvSpPr>
+        <p:spPr>
+          <a:xfrm>
+            <a:off x="609600" y="-152400"/>
+            <a:ext cx="7772400" cy="762000"/>
+          </a:xfrm>
+        </p:spPr>
+        <p:txBody>
+          <a:bodyPr>
+            <a:normAutofit/>
+          </a:bodyPr>
+          <a:lstStyle/>
+          <a:p>
+            <a:r>
+              <a:rPr lang="en-US" sz="2800" dirty="0" smtClean="0">
+                <a:solidFill>
+                  <a:schemeClr val="accent2">
+                    <a:lumMod val="75000"/>
+                  </a:schemeClr>
+                </a:solidFill>
+              </a:rPr>
+              <a:t>Poisson Model: Posterior </a:t>
+            </a:r>
+            <a:r>
+              <a:rPr lang="en-US" sz="2800" dirty="0" smtClean="0">
+                <a:solidFill>
+                  <a:schemeClr val="accent2">
+                    <a:lumMod val="75000"/>
+                  </a:schemeClr>
+                </a:solidFill>
+              </a:rPr>
+              <a:t>Distribution</a:t>
+            </a:r>
+            <a:endParaRPr lang="en-US" sz="2800" dirty="0">
+              <a:solidFill>
+                <a:schemeClr val="accent2">
+                  <a:lumMod val="75000"/>
+                </a:schemeClr>
+              </a:solidFill>
+            </a:endParaRPr>
+          </a:p>
+        </p:txBody>
+      </p:sp>
+      <p:sp>
+        <p:nvSpPr>
+          <p:cNvPr id="4" name="Footer Placeholder 3"/>
+          <p:cNvSpPr>
+            <a:spLocks noGrp="1"/>
+          </p:cNvSpPr>
+          <p:nvPr>
+            <p:ph type="ftr" sz="quarter" idx="11"/>
+          </p:nvPr>
+        </p:nvSpPr>
+        <p:spPr/>
+        <p:txBody>
+          <a:bodyPr/>
+          <a:lstStyle/>
+          <a:p>
+            <a:r>
+              <a:rPr lang="en-US" dirty="0" smtClean="0">
+                <a:solidFill>
+                  <a:schemeClr val="accent1"/>
+                </a:solidFill>
+              </a:rPr>
+              <a:t>STT 465, MSU, Fall, 2015</a:t>
+            </a:r>
+            <a:endParaRPr lang="en-US" dirty="0">
+              <a:solidFill>
+                <a:schemeClr val="accent1"/>
+              </a:solidFill>
+            </a:endParaRPr>
+          </a:p>
+        </p:txBody>
+      </p:sp>
+      <p:sp>
+        <p:nvSpPr>
+          <p:cNvPr id="6" name="TextBox 5"/>
+          <p:cNvSpPr txBox="1"/>
+          <p:nvPr/>
+        </p:nvSpPr>
+        <p:spPr>
+          <a:xfrm>
+            <a:off x="76200" y="533400"/>
+            <a:ext cx="9067800" cy="3970318"/>
+          </a:xfrm>
+          <a:prstGeom prst="rect">
+            <a:avLst/>
+          </a:prstGeom>
+          <a:noFill/>
+          <a:ln>
+            <a:solidFill>
+              <a:srgbClr val="800000"/>
+            </a:solidFill>
+            <a:prstDash val="sysDash"/>
+          </a:ln>
+        </p:spPr>
+        <p:txBody>
+          <a:bodyPr wrap="square" rtlCol="0">
+            <a:spAutoFit/>
+          </a:bodyPr>
+          <a:lstStyle/>
+          <a:p>
+            <a:pPr marL="285750" indent="-285750">
+              <a:buFont typeface="Symbol" charset="0"/>
+              <a:buChar char=""/>
+            </a:pPr>
+            <a:r>
+              <a:rPr lang="en-US" dirty="0" smtClean="0">
+                <a:solidFill>
+                  <a:schemeClr val="accent1">
+                    <a:lumMod val="75000"/>
+                  </a:schemeClr>
+                </a:solidFill>
+              </a:rPr>
+              <a:t>Posterior Mean</a:t>
+            </a:r>
+          </a:p>
+          <a:p>
+            <a:endParaRPr lang="en-US" dirty="0">
+              <a:solidFill>
+                <a:schemeClr val="accent1">
+                  <a:lumMod val="75000"/>
+                </a:schemeClr>
+              </a:solidFill>
+            </a:endParaRPr>
+          </a:p>
+          <a:p>
+            <a:endParaRPr lang="en-US" dirty="0" smtClean="0">
+              <a:solidFill>
+                <a:schemeClr val="accent1">
+                  <a:lumMod val="75000"/>
+                </a:schemeClr>
+              </a:solidFill>
+            </a:endParaRPr>
+          </a:p>
+          <a:p>
+            <a:pPr marL="285750" indent="-285750">
+              <a:buFont typeface="Symbol" charset="0"/>
+              <a:buChar char=""/>
+            </a:pPr>
+            <a:endParaRPr lang="en-US" dirty="0">
+              <a:solidFill>
+                <a:schemeClr val="accent1">
+                  <a:lumMod val="75000"/>
+                </a:schemeClr>
+              </a:solidFill>
+            </a:endParaRPr>
+          </a:p>
+          <a:p>
+            <a:pPr marL="285750" indent="-285750">
+              <a:buFont typeface="Symbol" charset="0"/>
+              <a:buChar char=""/>
+            </a:pPr>
+            <a:r>
+              <a:rPr lang="en-US" dirty="0" smtClean="0">
+                <a:solidFill>
+                  <a:schemeClr val="accent1">
+                    <a:lumMod val="75000"/>
+                  </a:schemeClr>
+                </a:solidFill>
+              </a:rPr>
+              <a:t>Posterior Variance</a:t>
+            </a:r>
+          </a:p>
+          <a:p>
+            <a:endParaRPr lang="en-US" dirty="0" smtClean="0">
+              <a:solidFill>
+                <a:schemeClr val="accent1">
+                  <a:lumMod val="75000"/>
+                </a:schemeClr>
+              </a:solidFill>
+            </a:endParaRPr>
+          </a:p>
+          <a:p>
+            <a:pPr marL="285750" indent="-285750">
+              <a:buFont typeface="Symbol" charset="0"/>
+              <a:buChar char=""/>
+            </a:pPr>
+            <a:endParaRPr lang="en-US" dirty="0">
+              <a:solidFill>
+                <a:schemeClr val="accent1">
+                  <a:lumMod val="75000"/>
+                </a:schemeClr>
+              </a:solidFill>
+            </a:endParaRPr>
+          </a:p>
+          <a:p>
+            <a:pPr marL="285750" indent="-285750">
+              <a:buFont typeface="Symbol" charset="0"/>
+              <a:buChar char=""/>
+            </a:pPr>
+            <a:endParaRPr lang="en-US" dirty="0" smtClean="0">
+              <a:solidFill>
+                <a:schemeClr val="accent1">
+                  <a:lumMod val="75000"/>
+                </a:schemeClr>
+              </a:solidFill>
+            </a:endParaRPr>
+          </a:p>
+          <a:p>
+            <a:endParaRPr lang="en-US" dirty="0">
+              <a:solidFill>
+                <a:schemeClr val="accent1">
+                  <a:lumMod val="75000"/>
+                </a:schemeClr>
+              </a:solidFill>
+            </a:endParaRPr>
+          </a:p>
+          <a:p>
+            <a:pPr marL="285750" indent="-285750">
+              <a:buFont typeface="Symbol" charset="0"/>
+              <a:buChar char=""/>
+            </a:pPr>
+            <a:endParaRPr lang="en-US" dirty="0" smtClean="0">
+              <a:solidFill>
+                <a:schemeClr val="accent1">
+                  <a:lumMod val="75000"/>
+                </a:schemeClr>
+              </a:solidFill>
+            </a:endParaRPr>
+          </a:p>
+          <a:p>
+            <a:pPr marL="285750" indent="-285750">
+              <a:buFont typeface="Symbol" charset="0"/>
+              <a:buChar char=""/>
+            </a:pPr>
+            <a:endParaRPr lang="en-US" dirty="0">
+              <a:solidFill>
+                <a:schemeClr val="accent1">
+                  <a:lumMod val="75000"/>
+                </a:schemeClr>
+              </a:solidFill>
+            </a:endParaRPr>
+          </a:p>
+          <a:p>
+            <a:r>
+              <a:rPr lang="en-US" dirty="0" smtClean="0">
+                <a:solidFill>
+                  <a:schemeClr val="accent1">
+                    <a:lumMod val="75000"/>
+                  </a:schemeClr>
+                </a:solidFill>
+              </a:rPr>
+              <a:t>[Discuss: what happens as n</a:t>
+            </a:r>
+            <a:r>
+              <a:rPr lang="en-US" dirty="0" smtClean="0">
+                <a:solidFill>
+                  <a:schemeClr val="accent1">
+                    <a:lumMod val="75000"/>
+                  </a:schemeClr>
+                </a:solidFill>
+                <a:latin typeface="Wingdings"/>
+                <a:ea typeface="Wingdings"/>
+                <a:cs typeface="Wingdings"/>
+                <a:sym typeface="Wingdings"/>
+              </a:rPr>
+              <a:t>∞</a:t>
+            </a:r>
+            <a:r>
+              <a:rPr lang="en-US" dirty="0" smtClean="0">
+                <a:solidFill>
+                  <a:schemeClr val="accent1">
+                    <a:lumMod val="75000"/>
+                  </a:schemeClr>
+                </a:solidFill>
+                <a:latin typeface="ＭＳ ゴシック"/>
+                <a:ea typeface="ＭＳ ゴシック"/>
+                <a:cs typeface="ＭＳ ゴシック"/>
+                <a:sym typeface="Wingdings"/>
+              </a:rPr>
+              <a:t>?]</a:t>
+            </a:r>
+            <a:endParaRPr lang="en-US" dirty="0">
+              <a:solidFill>
+                <a:schemeClr val="accent1">
+                  <a:lumMod val="75000"/>
+                </a:schemeClr>
+              </a:solidFill>
+            </a:endParaRPr>
+          </a:p>
+          <a:p>
+            <a:endParaRPr lang="en-US" dirty="0" smtClean="0">
+              <a:solidFill>
+                <a:schemeClr val="accent1">
+                  <a:lumMod val="75000"/>
+                </a:schemeClr>
+              </a:solidFill>
+            </a:endParaRPr>
+          </a:p>
+          <a:p>
+            <a:r>
+              <a:rPr lang="en-US" dirty="0" smtClean="0">
+                <a:solidFill>
+                  <a:schemeClr val="accent1">
+                    <a:lumMod val="75000"/>
+                  </a:schemeClr>
+                </a:solidFill>
+              </a:rPr>
+              <a:t/>
+            </a:r>
+            <a:endParaRPr lang="en-US" dirty="0">
+              <a:solidFill>
+                <a:schemeClr val="accent1">
+                  <a:lumMod val="75000"/>
+                </a:schemeClr>
+              </a:solidFill>
+            </a:endParaRPr>
+          </a:p>
+        </p:txBody>
+      </p:sp>
+      <p:graphicFrame>
+        <p:nvGraphicFramePr>
+          <p:cNvPr id="10" name="Object 9"/>
+          <p:cNvGraphicFramePr>
+            <a:graphicFrameLocks noChangeAspect="1"/>
+          </p:cNvGraphicFramePr>
+          <p:nvPr>
+            <p:extLst>
+              <p:ext uri="{D42A27DB-BD31-4B8C-83A1-F6EECF244321}">
+                <p14:modId xmlns:p14="http://schemas.microsoft.com/office/powerpoint/2010/main" val="4193619107"/>
+              </p:ext>
+            </p:extLst>
+          </p:nvPr>
+        </p:nvGraphicFramePr>
+        <p:xfrm>
+          <a:off x="2133600" y="914400"/>
+          <a:ext cx="2184400" cy="603250"/>
+        </p:xfrm>
+        <a:graphic>
+          <a:graphicData uri="http://schemas.openxmlformats.org/presentationml/2006/ole">
+            <mc:AlternateContent xmlns:mc="http://schemas.openxmlformats.org/markup-compatibility/2006">
+              <mc:Choice xmlns:v="urn:schemas-microsoft-com:vml" Requires="v">
+                <p:oleObj spid="_x0000_s8202" name="Equation" r:id="rId4" imgW="1422400" imgH="393700" progId="Equation.3">
+                  <p:embed/>
+                </p:oleObj>
+              </mc:Choice>
+              <mc:Fallback>
+                <p:oleObj name="Equation" r:id="rId4" imgW="1422400" imgH="393700" progId="Equation.3">
+                  <p:embed/>
+                  <p:pic>
+                    <p:nvPicPr>
+                      <p:cNvPr id="0" name=""/>
+                      <p:cNvPicPr/>
+                      <p:nvPr/>
+                    </p:nvPicPr>
+                    <p:blipFill>
+                      <a:blip r:embed="rId5"/>
+                      <a:stretch>
+                        <a:fillRect/>
+                      </a:stretch>
+                    </p:blipFill>
+                    <p:spPr>
+                      <a:xfrm>
+                        <a:off x="2133600" y="914400"/>
+                        <a:ext cx="2184400" cy="603250"/>
                       </a:xfrm>
                       <a:prstGeom prst="rect">
                         <a:avLst/>
@@ -10077,25 +11142,25 @@
           <p:nvPr>
             <p:extLst>
               <p:ext uri="{D42A27DB-BD31-4B8C-83A1-F6EECF244321}">
-                <p14:modId xmlns:p14="http://schemas.microsoft.com/office/powerpoint/2010/main" val="2116959138"/>
+                <p14:modId xmlns:p14="http://schemas.microsoft.com/office/powerpoint/2010/main" val="3550786050"/>
               </p:ext>
             </p:extLst>
           </p:nvPr>
         </p:nvGraphicFramePr>
         <p:xfrm>
-          <a:off x="2427288" y="3179763"/>
-          <a:ext cx="3338512" cy="1341437"/>
+          <a:off x="1912938" y="2228850"/>
+          <a:ext cx="2320925" cy="719138"/>
         </p:xfrm>
         <a:graphic>
           <a:graphicData uri="http://schemas.openxmlformats.org/presentationml/2006/ole">
             <mc:AlternateContent xmlns:mc="http://schemas.openxmlformats.org/markup-compatibility/2006">
               <mc:Choice xmlns:v="urn:schemas-microsoft-com:vml" Requires="v">
-                <p:oleObj spid="_x0000_s6151" name="Equation" r:id="rId8" imgW="2171700" imgH="876300" progId="Equation.3">
+                <p:oleObj spid="_x0000_s8203" name="Equation" r:id="rId6" imgW="1511300" imgH="469900" progId="Equation.3">
                   <p:embed/>
                 </p:oleObj>
               </mc:Choice>
               <mc:Fallback>
-                <p:oleObj name="Equation" r:id="rId8" imgW="2171700" imgH="876300" progId="Equation.3">
+                <p:oleObj name="Equation" r:id="rId6" imgW="1511300" imgH="469900" progId="Equation.3">
                   <p:embed/>
                   <p:pic>
                     <p:nvPicPr>
@@ -10104,72 +11169,15 @@
                       <p:nvPr/>
                     </p:nvPicPr>
                     <p:blipFill>
-                      <a:blip r:embed="rId9"/>
+                      <a:blip r:embed="rId7"/>
                       <a:stretch>
                         <a:fillRect/>
                       </a:stretch>
                     </p:blipFill>
                     <p:spPr>
                       <a:xfrm>
-                        <a:off x="2427288" y="3179763"/>
-                        <a:ext cx="3338512" cy="1341437"/>
-                      </a:xfrm>
-                      <a:prstGeom prst="rect">
-                        <a:avLst/>
-                      </a:prstGeom>
-                    </p:spPr>
-                  </p:pic>
-                </p:oleObj>
-              </mc:Fallback>
-            </mc:AlternateContent>
-          </a:graphicData>
-        </a:graphic>
-      </p:graphicFrame>
-      <p:graphicFrame>
-        <p:nvGraphicFramePr>
-          <p:cNvPr id="12" name="Object 11"/>
-          <p:cNvGraphicFramePr>
-            <a:graphicFrameLocks noChangeAspect="1"/>
-          </p:cNvGraphicFramePr>
-          <p:nvPr>
-            <p:extLst>
-              <p:ext uri="{D42A27DB-BD31-4B8C-83A1-F6EECF244321}">
-                <p14:modId xmlns:p14="http://schemas.microsoft.com/office/powerpoint/2010/main" val="3260178646"/>
-              </p:ext>
-            </p:extLst>
-          </p:nvPr>
-        </p:nvGraphicFramePr>
-        <p:xfrm>
-          <a:off x="2195513" y="5170488"/>
-          <a:ext cx="2420937" cy="758825"/>
-        </p:xfrm>
-        <a:graphic>
-          <a:graphicData uri="http://schemas.openxmlformats.org/presentationml/2006/ole">
-            <mc:AlternateContent xmlns:mc="http://schemas.openxmlformats.org/markup-compatibility/2006">
-              <mc:Choice xmlns:v="urn:schemas-microsoft-com:vml" Requires="v">
-                <p:oleObj spid="_x0000_s6152" name="Equation" r:id="rId10" imgW="1574800" imgH="495300" progId="Equation.3">
-                  <p:embed/>
-                </p:oleObj>
-              </mc:Choice>
-              <mc:Fallback>
-                <p:oleObj name="Equation" r:id="rId10" imgW="1574800" imgH="495300" progId="Equation.3">
-                  <p:embed/>
-                  <p:pic>
-                    <p:nvPicPr>
-                      <p:cNvPr id="0" name=""/>
-                      <p:cNvPicPr/>
-                      <p:nvPr/>
-                    </p:nvPicPr>
-                    <p:blipFill>
-                      <a:blip r:embed="rId11"/>
-                      <a:stretch>
-                        <a:fillRect/>
-                      </a:stretch>
-                    </p:blipFill>
-                    <p:spPr>
-                      <a:xfrm>
-                        <a:off x="2195513" y="5170488"/>
-                        <a:ext cx="2420937" cy="758825"/>
+                        <a:off x="1912938" y="2228850"/>
+                        <a:ext cx="2320925" cy="719138"/>
                       </a:xfrm>
                       <a:prstGeom prst="rect">
                         <a:avLst/>
@@ -10185,7 +11193,7 @@
     </p:spTree>
     <p:extLst>
       <p:ext uri="{BB962C8B-B14F-4D97-AF65-F5344CB8AC3E}">
-        <p14:creationId xmlns:p14="http://schemas.microsoft.com/office/powerpoint/2010/main" val="939035691"/>
+        <p14:creationId xmlns:p14="http://schemas.microsoft.com/office/powerpoint/2010/main" val="4175217545"/>
       </p:ext>
     </p:extLst>
   </p:cSld>

--- a/STT465_3.pptx
+++ b/STT465_3.pptx
@@ -5,7 +5,7 @@
     <p:sldMasterId id="2147483648" r:id="rId1"/>
   </p:sldMasterIdLst>
   <p:notesMasterIdLst>
-    <p:notesMasterId r:id="rId12"/>
+    <p:notesMasterId r:id="rId11"/>
   </p:notesMasterIdLst>
   <p:sldIdLst>
     <p:sldId id="338" r:id="rId2"/>
@@ -17,7 +17,6 @@
     <p:sldId id="355" r:id="rId8"/>
     <p:sldId id="356" r:id="rId9"/>
     <p:sldId id="357" r:id="rId10"/>
-    <p:sldId id="358" r:id="rId11"/>
   </p:sldIdLst>
   <p:sldSz cx="9144000" cy="6858000" type="screen4x3"/>
   <p:notesSz cx="6858000" cy="9144000"/>
@@ -548,88 +547,6 @@
               <a:rPr lang="en-US" smtClean="0"/>
               <a:pPr/>
               <a:t>1</a:t>
-            </a:fld>
-            <a:endParaRPr lang="en-US"/>
-          </a:p>
-        </p:txBody>
-      </p:sp>
-    </p:spTree>
-  </p:cSld>
-  <p:clrMapOvr>
-    <a:masterClrMapping/>
-  </p:clrMapOvr>
-</p:notes>
-</file>
-
-<file path=ppt/notesSlides/notesSlide10.xml><?xml version="1.0" encoding="utf-8"?>
-<p:notes xmlns:a="http://schemas.openxmlformats.org/drawingml/2006/main" xmlns:r="http://schemas.openxmlformats.org/officeDocument/2006/relationships" xmlns:p="http://schemas.openxmlformats.org/presentationml/2006/main">
-  <p:cSld>
-    <p:spTree>
-      <p:nvGrpSpPr>
-        <p:cNvPr id="1" name=""/>
-        <p:cNvGrpSpPr/>
-        <p:nvPr/>
-      </p:nvGrpSpPr>
-      <p:grpSpPr>
-        <a:xfrm>
-          <a:off x="0" y="0"/>
-          <a:ext cx="0" cy="0"/>
-          <a:chOff x="0" y="0"/>
-          <a:chExt cx="0" cy="0"/>
-        </a:xfrm>
-      </p:grpSpPr>
-      <p:sp>
-        <p:nvSpPr>
-          <p:cNvPr id="2" name="Slide Image Placeholder 1"/>
-          <p:cNvSpPr>
-            <a:spLocks noGrp="1" noRot="1" noChangeAspect="1"/>
-          </p:cNvSpPr>
-          <p:nvPr>
-            <p:ph type="sldImg"/>
-          </p:nvPr>
-        </p:nvSpPr>
-        <p:spPr/>
-      </p:sp>
-      <p:sp>
-        <p:nvSpPr>
-          <p:cNvPr id="3" name="Notes Placeholder 2"/>
-          <p:cNvSpPr>
-            <a:spLocks noGrp="1"/>
-          </p:cNvSpPr>
-          <p:nvPr>
-            <p:ph type="body" idx="1"/>
-          </p:nvPr>
-        </p:nvSpPr>
-        <p:spPr/>
-        <p:txBody>
-          <a:bodyPr>
-            <a:normAutofit/>
-          </a:bodyPr>
-          <a:lstStyle/>
-          <a:p>
-            <a:endParaRPr lang="en-US"/>
-          </a:p>
-        </p:txBody>
-      </p:sp>
-      <p:sp>
-        <p:nvSpPr>
-          <p:cNvPr id="4" name="Slide Number Placeholder 3"/>
-          <p:cNvSpPr>
-            <a:spLocks noGrp="1"/>
-          </p:cNvSpPr>
-          <p:nvPr>
-            <p:ph type="sldNum" sz="quarter" idx="10"/>
-          </p:nvPr>
-        </p:nvSpPr>
-        <p:spPr/>
-        <p:txBody>
-          <a:bodyPr/>
-          <a:lstStyle/>
-          <a:p>
-            <a:fld id="{CACBEE2F-8C26-493F-9430-82D1D1B7C623}" type="slidenum">
-              <a:rPr lang="en-US" smtClean="0"/>
-              <a:pPr/>
-              <a:t>10</a:t>
             </a:fld>
             <a:endParaRPr lang="en-US"/>
           </a:p>
@@ -4481,241 +4398,6 @@
         <p:cTn xmlns:p14="http://schemas.microsoft.com/office/powerpoint/2010/main" id="1" dur="indefinite" restart="never" nodeType="tmRoot"/>
       </p:par>
     </p:tnLst>
-  </p:timing>
-</p:sld>
-</file>
-
-<file path=ppt/slides/slide10.xml><?xml version="1.0" encoding="utf-8"?>
-<p:sld xmlns:a="http://schemas.openxmlformats.org/drawingml/2006/main" xmlns:r="http://schemas.openxmlformats.org/officeDocument/2006/relationships" xmlns:p="http://schemas.openxmlformats.org/presentationml/2006/main">
-  <p:cSld>
-    <p:spTree>
-      <p:nvGrpSpPr>
-        <p:cNvPr id="1" name=""/>
-        <p:cNvGrpSpPr/>
-        <p:nvPr/>
-      </p:nvGrpSpPr>
-      <p:grpSpPr>
-        <a:xfrm>
-          <a:off x="0" y="0"/>
-          <a:ext cx="0" cy="0"/>
-          <a:chOff x="0" y="0"/>
-          <a:chExt cx="0" cy="0"/>
-        </a:xfrm>
-      </p:grpSpPr>
-      <p:sp>
-        <p:nvSpPr>
-          <p:cNvPr id="2" name="Title 1"/>
-          <p:cNvSpPr>
-            <a:spLocks noGrp="1"/>
-          </p:cNvSpPr>
-          <p:nvPr>
-            <p:ph type="ctrTitle"/>
-          </p:nvPr>
-        </p:nvSpPr>
-        <p:spPr>
-          <a:xfrm>
-            <a:off x="609600" y="-152400"/>
-            <a:ext cx="7772400" cy="762000"/>
-          </a:xfrm>
-        </p:spPr>
-        <p:txBody>
-          <a:bodyPr>
-            <a:normAutofit/>
-          </a:bodyPr>
-          <a:lstStyle/>
-          <a:p>
-            <a:r>
-              <a:rPr lang="en-US" sz="2800" dirty="0" smtClean="0">
-                <a:solidFill>
-                  <a:schemeClr val="accent2">
-                    <a:lumMod val="75000"/>
-                  </a:schemeClr>
-                </a:solidFill>
-              </a:rPr>
-              <a:t>Predictive Distribution</a:t>
-            </a:r>
-            <a:endParaRPr lang="en-US" sz="2800" dirty="0">
-              <a:solidFill>
-                <a:schemeClr val="accent2">
-                  <a:lumMod val="75000"/>
-                </a:schemeClr>
-              </a:solidFill>
-            </a:endParaRPr>
-          </a:p>
-        </p:txBody>
-      </p:sp>
-      <p:sp>
-        <p:nvSpPr>
-          <p:cNvPr id="4" name="Footer Placeholder 3"/>
-          <p:cNvSpPr>
-            <a:spLocks noGrp="1"/>
-          </p:cNvSpPr>
-          <p:nvPr>
-            <p:ph type="ftr" sz="quarter" idx="11"/>
-          </p:nvPr>
-        </p:nvSpPr>
-        <p:spPr/>
-        <p:txBody>
-          <a:bodyPr/>
-          <a:lstStyle/>
-          <a:p>
-            <a:r>
-              <a:rPr lang="en-US" dirty="0" smtClean="0">
-                <a:solidFill>
-                  <a:schemeClr val="accent1"/>
-                </a:solidFill>
-              </a:rPr>
-              <a:t>STT 465, MSU, Fall, 2015</a:t>
-            </a:r>
-            <a:endParaRPr lang="en-US" dirty="0">
-              <a:solidFill>
-                <a:schemeClr val="accent1"/>
-              </a:solidFill>
-            </a:endParaRPr>
-          </a:p>
-        </p:txBody>
-      </p:sp>
-      <p:sp>
-        <p:nvSpPr>
-          <p:cNvPr id="6" name="TextBox 5"/>
-          <p:cNvSpPr txBox="1"/>
-          <p:nvPr/>
-        </p:nvSpPr>
-        <p:spPr>
-          <a:xfrm>
-            <a:off x="76200" y="533400"/>
-            <a:ext cx="9067800" cy="369332"/>
-          </a:xfrm>
-          <a:prstGeom prst="rect">
-            <a:avLst/>
-          </a:prstGeom>
-          <a:noFill/>
-          <a:ln>
-            <a:solidFill>
-              <a:srgbClr val="800000"/>
-            </a:solidFill>
-            <a:prstDash val="sysDash"/>
-          </a:ln>
-        </p:spPr>
-        <p:txBody>
-          <a:bodyPr wrap="square" rtlCol="0">
-            <a:spAutoFit/>
-          </a:bodyPr>
-          <a:lstStyle/>
-          <a:p>
-            <a:pPr marL="285750" indent="-285750">
-              <a:buFont typeface="Symbol" charset="0"/>
-              <a:buChar char=""/>
-            </a:pPr>
-            <a:endParaRPr lang="en-US" dirty="0">
-              <a:solidFill>
-                <a:schemeClr val="accent1">
-                  <a:lumMod val="75000"/>
-                </a:schemeClr>
-              </a:solidFill>
-            </a:endParaRPr>
-          </a:p>
-        </p:txBody>
-      </p:sp>
-    </p:spTree>
-    <p:extLst>
-      <p:ext uri="{BB962C8B-B14F-4D97-AF65-F5344CB8AC3E}">
-        <p14:creationId xmlns:p14="http://schemas.microsoft.com/office/powerpoint/2010/main" val="2927708796"/>
-      </p:ext>
-    </p:extLst>
-  </p:cSld>
-  <p:clrMapOvr>
-    <a:masterClrMapping/>
-  </p:clrMapOvr>
-  <p:timing>
-    <p:tnLst>
-      <p:par>
-        <p:cTn xmlns:p14="http://schemas.microsoft.com/office/powerpoint/2010/main" id="1" dur="indefinite" restart="never" nodeType="tmRoot">
-          <p:childTnLst>
-            <p:seq concurrent="1" nextAc="seek">
-              <p:cTn id="2" dur="indefinite" nodeType="mainSeq">
-                <p:childTnLst>
-                  <p:par>
-                    <p:cTn id="3" fill="hold">
-                      <p:stCondLst>
-                        <p:cond delay="indefinite"/>
-                      </p:stCondLst>
-                      <p:childTnLst>
-                        <p:par>
-                          <p:cTn id="4" fill="hold">
-                            <p:stCondLst>
-                              <p:cond delay="0"/>
-                            </p:stCondLst>
-                            <p:childTnLst>
-                              <p:par>
-                                <p:cTn id="5" presetID="3" presetClass="entr" presetSubtype="10" fill="hold" grpId="0" nodeType="clickEffect">
-                                  <p:stCondLst>
-                                    <p:cond delay="0"/>
-                                  </p:stCondLst>
-                                  <p:childTnLst>
-                                    <p:set>
-                                      <p:cBhvr>
-                                        <p:cTn id="6" dur="1" fill="hold">
-                                          <p:stCondLst>
-                                            <p:cond delay="0"/>
-                                          </p:stCondLst>
-                                        </p:cTn>
-                                        <p:tgtEl>
-                                          <p:spTgt spid="6">
-                                            <p:bg/>
-                                          </p:spTgt>
-                                        </p:tgtEl>
-                                        <p:attrNameLst>
-                                          <p:attrName>style.visibility</p:attrName>
-                                        </p:attrNameLst>
-                                      </p:cBhvr>
-                                      <p:to>
-                                        <p:strVal val="visible"/>
-                                      </p:to>
-                                    </p:set>
-                                    <p:animEffect transition="in" filter="blinds(horizontal)">
-                                      <p:cBhvr>
-                                        <p:cTn id="7" dur="500"/>
-                                        <p:tgtEl>
-                                          <p:spTgt spid="6">
-                                            <p:bg/>
-                                          </p:spTgt>
-                                        </p:tgtEl>
-                                      </p:cBhvr>
-                                    </p:animEffect>
-                                  </p:childTnLst>
-                                </p:cTn>
-                              </p:par>
-                            </p:childTnLst>
-                          </p:cTn>
-                        </p:par>
-                      </p:childTnLst>
-                    </p:cTn>
-                  </p:par>
-                </p:childTnLst>
-              </p:cTn>
-              <p:prevCondLst>
-                <p:cond evt="onPrev" delay="0">
-                  <p:tgtEl>
-                    <p:sldTgt/>
-                  </p:tgtEl>
-                </p:cond>
-              </p:prevCondLst>
-              <p:nextCondLst>
-                <p:cond evt="onNext" delay="0">
-                  <p:tgtEl>
-                    <p:sldTgt/>
-                  </p:tgtEl>
-                </p:cond>
-              </p:nextCondLst>
-            </p:seq>
-          </p:childTnLst>
-        </p:cTn>
-      </p:par>
-    </p:tnLst>
-    <p:bldLst>
-      <p:bldP spid="6" grpId="0" build="p" bldLvl="2" animBg="1"/>
-    </p:bldLst>
   </p:timing>
 </p:sld>
 </file>
@@ -6634,7 +6316,7 @@
           <a:graphicData uri="http://schemas.openxmlformats.org/presentationml/2006/ole">
             <mc:AlternateContent xmlns:mc="http://schemas.openxmlformats.org/markup-compatibility/2006">
               <mc:Choice xmlns:v="urn:schemas-microsoft-com:vml" Requires="v">
-                <p:oleObj spid="_x0000_s2078" name="Equation" r:id="rId4" imgW="1384300" imgH="279400" progId="Equation.3">
+                <p:oleObj spid="_x0000_s2083" name="Equation" r:id="rId4" imgW="1384300" imgH="279400" progId="Equation.3">
                   <p:embed/>
                 </p:oleObj>
               </mc:Choice>
@@ -6691,7 +6373,7 @@
           <a:graphicData uri="http://schemas.openxmlformats.org/presentationml/2006/ole">
             <mc:AlternateContent xmlns:mc="http://schemas.openxmlformats.org/markup-compatibility/2006">
               <mc:Choice xmlns:v="urn:schemas-microsoft-com:vml" Requires="v">
-                <p:oleObj spid="_x0000_s2079" name="Equation" r:id="rId6" imgW="4686300" imgH="317500" progId="Equation.3">
+                <p:oleObj spid="_x0000_s2084" name="Equation" r:id="rId6" imgW="4686300" imgH="317500" progId="Equation.3">
                   <p:embed/>
                 </p:oleObj>
               </mc:Choice>
@@ -6748,7 +6430,7 @@
           <a:graphicData uri="http://schemas.openxmlformats.org/presentationml/2006/ole">
             <mc:AlternateContent xmlns:mc="http://schemas.openxmlformats.org/markup-compatibility/2006">
               <mc:Choice xmlns:v="urn:schemas-microsoft-com:vml" Requires="v">
-                <p:oleObj spid="_x0000_s2080" name="Equation" r:id="rId8" imgW="4318000" imgH="495300" progId="Equation.3">
+                <p:oleObj spid="_x0000_s2085" name="Equation" r:id="rId8" imgW="4318000" imgH="495300" progId="Equation.3">
                   <p:embed/>
                 </p:oleObj>
               </mc:Choice>
@@ -6805,7 +6487,7 @@
           <a:graphicData uri="http://schemas.openxmlformats.org/presentationml/2006/ole">
             <mc:AlternateContent xmlns:mc="http://schemas.openxmlformats.org/markup-compatibility/2006">
               <mc:Choice xmlns:v="urn:schemas-microsoft-com:vml" Requires="v">
-                <p:oleObj spid="_x0000_s2081" name="Equation" r:id="rId10" imgW="2438400" imgH="469900" progId="Equation.3">
+                <p:oleObj spid="_x0000_s2086" name="Equation" r:id="rId10" imgW="2438400" imgH="469900" progId="Equation.3">
                   <p:embed/>
                 </p:oleObj>
               </mc:Choice>
@@ -7338,7 +7020,7 @@
           <a:graphicData uri="http://schemas.openxmlformats.org/presentationml/2006/ole">
             <mc:AlternateContent xmlns:mc="http://schemas.openxmlformats.org/markup-compatibility/2006">
               <mc:Choice xmlns:v="urn:schemas-microsoft-com:vml" Requires="v">
-                <p:oleObj spid="_x0000_s3090" name="Equation" r:id="rId4" imgW="3479800" imgH="469900" progId="Equation.3">
+                <p:oleObj spid="_x0000_s3094" name="Equation" r:id="rId4" imgW="3479800" imgH="469900" progId="Equation.3">
                   <p:embed/>
                 </p:oleObj>
               </mc:Choice>
@@ -7395,7 +7077,7 @@
           <a:graphicData uri="http://schemas.openxmlformats.org/presentationml/2006/ole">
             <mc:AlternateContent xmlns:mc="http://schemas.openxmlformats.org/markup-compatibility/2006">
               <mc:Choice xmlns:v="urn:schemas-microsoft-com:vml" Requires="v">
-                <p:oleObj spid="_x0000_s3091" name="Equation" r:id="rId6" imgW="3657600" imgH="495300" progId="Equation.3">
+                <p:oleObj spid="_x0000_s3095" name="Equation" r:id="rId6" imgW="3657600" imgH="495300" progId="Equation.3">
                   <p:embed/>
                 </p:oleObj>
               </mc:Choice>
@@ -7452,7 +7134,7 @@
           <a:graphicData uri="http://schemas.openxmlformats.org/presentationml/2006/ole">
             <mc:AlternateContent xmlns:mc="http://schemas.openxmlformats.org/markup-compatibility/2006">
               <mc:Choice xmlns:v="urn:schemas-microsoft-com:vml" Requires="v">
-                <p:oleObj spid="_x0000_s3092" name="Equation" r:id="rId8" imgW="2895600" imgH="1422400" progId="Equation.3">
+                <p:oleObj spid="_x0000_s3096" name="Equation" r:id="rId8" imgW="2895600" imgH="1422400" progId="Equation.3">
                   <p:embed/>
                 </p:oleObj>
               </mc:Choice>
@@ -8140,7 +7822,7 @@
           <a:graphicData uri="http://schemas.openxmlformats.org/presentationml/2006/ole">
             <mc:AlternateContent xmlns:mc="http://schemas.openxmlformats.org/markup-compatibility/2006">
               <mc:Choice xmlns:v="urn:schemas-microsoft-com:vml" Requires="v">
-                <p:oleObj spid="_x0000_s4109" name="Equation" r:id="rId4" imgW="3479800" imgH="469900" progId="Equation.3">
+                <p:oleObj spid="_x0000_s4112" name="Equation" r:id="rId4" imgW="3479800" imgH="469900" progId="Equation.3">
                   <p:embed/>
                 </p:oleObj>
               </mc:Choice>
@@ -8197,7 +7879,7 @@
           <a:graphicData uri="http://schemas.openxmlformats.org/presentationml/2006/ole">
             <mc:AlternateContent xmlns:mc="http://schemas.openxmlformats.org/markup-compatibility/2006">
               <mc:Choice xmlns:v="urn:schemas-microsoft-com:vml" Requires="v">
-                <p:oleObj spid="_x0000_s4110" name="Equation" r:id="rId6" imgW="3530600" imgH="482600" progId="Equation.3">
+                <p:oleObj spid="_x0000_s4113" name="Equation" r:id="rId6" imgW="3530600" imgH="482600" progId="Equation.3">
                   <p:embed/>
                 </p:oleObj>
               </mc:Choice>
@@ -8967,7 +8649,7 @@
           <a:graphicData uri="http://schemas.openxmlformats.org/presentationml/2006/ole">
             <mc:AlternateContent xmlns:mc="http://schemas.openxmlformats.org/markup-compatibility/2006">
               <mc:Choice xmlns:v="urn:schemas-microsoft-com:vml" Requires="v">
-                <p:oleObj spid="_x0000_s1041" name="Equation" r:id="rId4" imgW="1485900" imgH="444500" progId="Equation.3">
+                <p:oleObj spid="_x0000_s1045" name="Equation" r:id="rId4" imgW="1485900" imgH="444500" progId="Equation.3">
                   <p:embed/>
                 </p:oleObj>
               </mc:Choice>
@@ -9024,7 +8706,7 @@
           <a:graphicData uri="http://schemas.openxmlformats.org/presentationml/2006/ole">
             <mc:AlternateContent xmlns:mc="http://schemas.openxmlformats.org/markup-compatibility/2006">
               <mc:Choice xmlns:v="urn:schemas-microsoft-com:vml" Requires="v">
-                <p:oleObj spid="_x0000_s1042" name="Equation" r:id="rId6" imgW="1206500" imgH="241300" progId="Equation.3">
+                <p:oleObj spid="_x0000_s1046" name="Equation" r:id="rId6" imgW="1206500" imgH="241300" progId="Equation.3">
                   <p:embed/>
                 </p:oleObj>
               </mc:Choice>
@@ -9081,7 +8763,7 @@
           <a:graphicData uri="http://schemas.openxmlformats.org/presentationml/2006/ole">
             <mc:AlternateContent xmlns:mc="http://schemas.openxmlformats.org/markup-compatibility/2006">
               <mc:Choice xmlns:v="urn:schemas-microsoft-com:vml" Requires="v">
-                <p:oleObj spid="_x0000_s1043" name="Equation" r:id="rId8" imgW="3987800" imgH="457200" progId="Equation.3">
+                <p:oleObj spid="_x0000_s1047" name="Equation" r:id="rId8" imgW="3987800" imgH="457200" progId="Equation.3">
                   <p:embed/>
                 </p:oleObj>
               </mc:Choice>
@@ -9545,45 +9227,8 @@
                   </a:schemeClr>
                 </a:solidFill>
               </a:rPr>
-              <a:t>We have such </a:t>
-            </a:r>
-            <a:r>
-              <a:rPr lang="en-US" dirty="0" smtClean="0">
-                <a:solidFill>
-                  <a:schemeClr val="accent1">
-                    <a:lumMod val="75000"/>
-                  </a:schemeClr>
-                </a:solidFill>
-              </a:rPr>
-              <a:t>a form </a:t>
-            </a:r>
-            <a:r>
-              <a:rPr lang="en-US" dirty="0" smtClean="0">
-                <a:solidFill>
-                  <a:schemeClr val="accent1">
-                    <a:lumMod val="75000"/>
-                  </a:schemeClr>
-                </a:solidFill>
-              </a:rPr>
-              <a:t>in the Gamma </a:t>
-            </a:r>
-            <a:r>
-              <a:rPr lang="en-US" dirty="0" smtClean="0">
-                <a:solidFill>
-                  <a:schemeClr val="accent1">
-                    <a:lumMod val="75000"/>
-                  </a:schemeClr>
-                </a:solidFill>
-              </a:rPr>
-              <a:t>distribution (a=shape; b=rate)</a:t>
-            </a:r>
-            <a:endParaRPr lang="en-US" dirty="0" smtClean="0">
-              <a:solidFill>
-                <a:schemeClr val="accent1">
-                  <a:lumMod val="75000"/>
-                </a:schemeClr>
-              </a:solidFill>
-            </a:endParaRPr>
+              <a:t>We have such a form in the Gamma distribution (a=shape; b=rate)</a:t>
+            </a:r>
           </a:p>
           <a:p>
             <a:endParaRPr lang="en-US" dirty="0" smtClean="0">
@@ -9692,7 +9337,7 @@
           <a:graphicData uri="http://schemas.openxmlformats.org/presentationml/2006/ole">
             <mc:AlternateContent xmlns:mc="http://schemas.openxmlformats.org/markup-compatibility/2006">
               <mc:Choice xmlns:v="urn:schemas-microsoft-com:vml" Requires="v">
-                <p:oleObj spid="_x0000_s5144" name="Equation" r:id="rId4" imgW="1435100" imgH="254000" progId="Equation.3">
+                <p:oleObj spid="_x0000_s5149" name="Equation" r:id="rId4" imgW="1435100" imgH="254000" progId="Equation.3">
                   <p:embed/>
                 </p:oleObj>
               </mc:Choice>
@@ -9749,7 +9394,7 @@
           <a:graphicData uri="http://schemas.openxmlformats.org/presentationml/2006/ole">
             <mc:AlternateContent xmlns:mc="http://schemas.openxmlformats.org/markup-compatibility/2006">
               <mc:Choice xmlns:v="urn:schemas-microsoft-com:vml" Requires="v">
-                <p:oleObj spid="_x0000_s5145" name="Equation" r:id="rId6" imgW="1016000" imgH="304800" progId="Equation.3">
+                <p:oleObj spid="_x0000_s5150" name="Equation" r:id="rId6" imgW="1016000" imgH="304800" progId="Equation.3">
                   <p:embed/>
                 </p:oleObj>
               </mc:Choice>
@@ -9806,7 +9451,7 @@
           <a:graphicData uri="http://schemas.openxmlformats.org/presentationml/2006/ole">
             <mc:AlternateContent xmlns:mc="http://schemas.openxmlformats.org/markup-compatibility/2006">
               <mc:Choice xmlns:v="urn:schemas-microsoft-com:vml" Requires="v">
-                <p:oleObj spid="_x0000_s5146" name="Equation" r:id="rId8" imgW="2171700" imgH="889000" progId="Equation.3">
+                <p:oleObj spid="_x0000_s5151" name="Equation" r:id="rId8" imgW="2171700" imgH="889000" progId="Equation.3">
                   <p:embed/>
                 </p:oleObj>
               </mc:Choice>
@@ -9863,7 +9508,7 @@
           <a:graphicData uri="http://schemas.openxmlformats.org/presentationml/2006/ole">
             <mc:AlternateContent xmlns:mc="http://schemas.openxmlformats.org/markup-compatibility/2006">
               <mc:Choice xmlns:v="urn:schemas-microsoft-com:vml" Requires="v">
-                <p:oleObj spid="_x0000_s5147" name="Equation" r:id="rId10" imgW="1574800" imgH="495300" progId="Equation.3">
+                <p:oleObj spid="_x0000_s5152" name="Equation" r:id="rId10" imgW="1574800" imgH="495300" progId="Equation.3">
                   <p:embed/>
                 </p:oleObj>
               </mc:Choice>
@@ -10133,13 +9778,6 @@
               </a:rPr>
               <a:t>According to Bayes Rule</a:t>
             </a:r>
-            <a:endParaRPr lang="en-US" dirty="0" smtClean="0">
-              <a:solidFill>
-                <a:schemeClr val="accent1">
-                  <a:lumMod val="75000"/>
-                </a:schemeClr>
-              </a:solidFill>
-            </a:endParaRPr>
           </a:p>
           <a:p>
             <a:pPr marL="285750" indent="-285750">
@@ -10217,13 +9855,6 @@
               </a:rPr>
               <a:t>In the Gamma-Poisson Model we have</a:t>
             </a:r>
-            <a:endParaRPr lang="en-US" dirty="0" smtClean="0">
-              <a:solidFill>
-                <a:schemeClr val="accent1">
-                  <a:lumMod val="75000"/>
-                </a:schemeClr>
-              </a:solidFill>
-            </a:endParaRPr>
           </a:p>
           <a:p>
             <a:endParaRPr lang="en-US" dirty="0">
@@ -10331,16 +9962,6 @@
             </a:endParaRPr>
           </a:p>
           <a:p>
-            <a:r>
-              <a:rPr lang="en-US" dirty="0" smtClean="0">
-                <a:solidFill>
-                  <a:schemeClr val="accent1">
-                    <a:lumMod val="75000"/>
-                  </a:schemeClr>
-                </a:solidFill>
-              </a:rPr>
-              <a:t/>
-            </a:r>
             <a:endParaRPr lang="en-US" dirty="0">
               <a:solidFill>
                 <a:schemeClr val="accent1">
@@ -10373,7 +9994,7 @@
           <a:graphicData uri="http://schemas.openxmlformats.org/presentationml/2006/ole">
             <mc:AlternateContent xmlns:mc="http://schemas.openxmlformats.org/markup-compatibility/2006">
               <mc:Choice xmlns:v="urn:schemas-microsoft-com:vml" Requires="v">
-                <p:oleObj spid="_x0000_s6164" name="Equation" r:id="rId4" imgW="2260600" imgH="736600" progId="Equation.3">
+                <p:oleObj spid="_x0000_s6170" name="Equation" r:id="rId4" imgW="2260600" imgH="736600" progId="Equation.3">
                   <p:embed/>
                 </p:oleObj>
               </mc:Choice>
@@ -10430,7 +10051,7 @@
           <a:graphicData uri="http://schemas.openxmlformats.org/presentationml/2006/ole">
             <mc:AlternateContent xmlns:mc="http://schemas.openxmlformats.org/markup-compatibility/2006">
               <mc:Choice xmlns:v="urn:schemas-microsoft-com:vml" Requires="v">
-                <p:oleObj spid="_x0000_s6165" name="Equation" r:id="rId6" imgW="1574800" imgH="495300" progId="Equation.3">
+                <p:oleObj spid="_x0000_s6171" name="Equation" r:id="rId6" imgW="1574800" imgH="495300" progId="Equation.3">
                   <p:embed/>
                 </p:oleObj>
               </mc:Choice>
@@ -10487,7 +10108,7 @@
           <a:graphicData uri="http://schemas.openxmlformats.org/presentationml/2006/ole">
             <mc:AlternateContent xmlns:mc="http://schemas.openxmlformats.org/markup-compatibility/2006">
               <mc:Choice xmlns:v="urn:schemas-microsoft-com:vml" Requires="v">
-                <p:oleObj spid="_x0000_s6166" name="Equation" r:id="rId8" imgW="1435100" imgH="254000" progId="Equation.3">
+                <p:oleObj spid="_x0000_s6172" name="Equation" r:id="rId8" imgW="1435100" imgH="254000" progId="Equation.3">
                   <p:embed/>
                 </p:oleObj>
               </mc:Choice>
@@ -10544,7 +10165,7 @@
           <a:graphicData uri="http://schemas.openxmlformats.org/presentationml/2006/ole">
             <mc:AlternateContent xmlns:mc="http://schemas.openxmlformats.org/markup-compatibility/2006">
               <mc:Choice xmlns:v="urn:schemas-microsoft-com:vml" Requires="v">
-                <p:oleObj spid="_x0000_s6167" name="Equation" r:id="rId10" imgW="2692400" imgH="876300" progId="Equation.3">
+                <p:oleObj spid="_x0000_s6173" name="Equation" r:id="rId10" imgW="2692400" imgH="876300" progId="Equation.3">
                   <p:embed/>
                 </p:oleObj>
               </mc:Choice>
@@ -10601,7 +10222,7 @@
           <a:graphicData uri="http://schemas.openxmlformats.org/presentationml/2006/ole">
             <mc:AlternateContent xmlns:mc="http://schemas.openxmlformats.org/markup-compatibility/2006">
               <mc:Choice xmlns:v="urn:schemas-microsoft-com:vml" Requires="v">
-                <p:oleObj spid="_x0000_s6168" name="Equation" r:id="rId12" imgW="1054100" imgH="457200" progId="Equation.3">
+                <p:oleObj spid="_x0000_s6174" name="Equation" r:id="rId12" imgW="1054100" imgH="457200" progId="Equation.3">
                   <p:embed/>
                 </p:oleObj>
               </mc:Choice>
@@ -10786,17 +10407,7 @@
                   </a:schemeClr>
                 </a:solidFill>
               </a:rPr>
-              <a:t>Poisson Model: Posterior </a:t>
-            </a:r>
-            <a:r>
-              <a:rPr lang="en-US" sz="2800" dirty="0" smtClean="0">
-                <a:solidFill>
-                  <a:schemeClr val="accent2">
-                    <a:lumMod val="75000"/>
-                  </a:schemeClr>
-                </a:solidFill>
-              </a:rPr>
-              <a:t>Distribution</a:t>
+              <a:t>Poisson Model: Posterior Distribution</a:t>
             </a:r>
             <a:endParaRPr lang="en-US" sz="2800" dirty="0">
               <a:solidFill>
@@ -11056,16 +10667,6 @@
             </a:endParaRPr>
           </a:p>
           <a:p>
-            <a:r>
-              <a:rPr lang="en-US" dirty="0" smtClean="0">
-                <a:solidFill>
-                  <a:schemeClr val="accent1">
-                    <a:lumMod val="75000"/>
-                  </a:schemeClr>
-                </a:solidFill>
-              </a:rPr>
-              <a:t/>
-            </a:r>
             <a:endParaRPr lang="en-US" dirty="0">
               <a:solidFill>
                 <a:schemeClr val="accent1">
@@ -11098,7 +10699,7 @@
           <a:graphicData uri="http://schemas.openxmlformats.org/presentationml/2006/ole">
             <mc:AlternateContent xmlns:mc="http://schemas.openxmlformats.org/markup-compatibility/2006">
               <mc:Choice xmlns:v="urn:schemas-microsoft-com:vml" Requires="v">
-                <p:oleObj spid="_x0000_s8202" name="Equation" r:id="rId4" imgW="1422400" imgH="393700" progId="Equation.3">
+                <p:oleObj spid="_x0000_s8205" name="Equation" r:id="rId4" imgW="1422400" imgH="393700" progId="Equation.3">
                   <p:embed/>
                 </p:oleObj>
               </mc:Choice>
@@ -11155,7 +10756,7 @@
           <a:graphicData uri="http://schemas.openxmlformats.org/presentationml/2006/ole">
             <mc:AlternateContent xmlns:mc="http://schemas.openxmlformats.org/markup-compatibility/2006">
               <mc:Choice xmlns:v="urn:schemas-microsoft-com:vml" Requires="v">
-                <p:oleObj spid="_x0000_s8203" name="Equation" r:id="rId6" imgW="1511300" imgH="469900" progId="Equation.3">
+                <p:oleObj spid="_x0000_s8206" name="Equation" r:id="rId6" imgW="1511300" imgH="469900" progId="Equation.3">
                   <p:embed/>
                 </p:oleObj>
               </mc:Choice>

--- a/STT465_3.pptx
+++ b/STT465_3.pptx
@@ -5,7 +5,7 @@
     <p:sldMasterId id="2147483648" r:id="rId1"/>
   </p:sldMasterIdLst>
   <p:notesMasterIdLst>
-    <p:notesMasterId r:id="rId11"/>
+    <p:notesMasterId r:id="rId15"/>
   </p:notesMasterIdLst>
   <p:sldIdLst>
     <p:sldId id="338" r:id="rId2"/>
@@ -17,6 +17,10 @@
     <p:sldId id="355" r:id="rId8"/>
     <p:sldId id="356" r:id="rId9"/>
     <p:sldId id="357" r:id="rId10"/>
+    <p:sldId id="358" r:id="rId11"/>
+    <p:sldId id="359" r:id="rId12"/>
+    <p:sldId id="360" r:id="rId13"/>
+    <p:sldId id="361" r:id="rId14"/>
   </p:sldIdLst>
   <p:sldSz cx="9144000" cy="6858000" type="screen4x3"/>
   <p:notesSz cx="6858000" cy="9144000"/>
@@ -207,7 +211,7 @@
             <a:fld id="{EC2AD4C0-0FC1-44D9-A720-D776D6428221}" type="datetimeFigureOut">
               <a:rPr lang="en-US" smtClean="0"/>
               <a:pPr/>
-              <a:t>9/16/15</a:t>
+              <a:t>9/18/15</a:t>
             </a:fld>
             <a:endParaRPr lang="en-US"/>
           </a:p>
@@ -560,6 +564,334 @@
 </p:notes>
 </file>
 
+<file path=ppt/notesSlides/notesSlide10.xml><?xml version="1.0" encoding="utf-8"?>
+<p:notes xmlns:a="http://schemas.openxmlformats.org/drawingml/2006/main" xmlns:r="http://schemas.openxmlformats.org/officeDocument/2006/relationships" xmlns:p="http://schemas.openxmlformats.org/presentationml/2006/main">
+  <p:cSld>
+    <p:spTree>
+      <p:nvGrpSpPr>
+        <p:cNvPr id="1" name=""/>
+        <p:cNvGrpSpPr/>
+        <p:nvPr/>
+      </p:nvGrpSpPr>
+      <p:grpSpPr>
+        <a:xfrm>
+          <a:off x="0" y="0"/>
+          <a:ext cx="0" cy="0"/>
+          <a:chOff x="0" y="0"/>
+          <a:chExt cx="0" cy="0"/>
+        </a:xfrm>
+      </p:grpSpPr>
+      <p:sp>
+        <p:nvSpPr>
+          <p:cNvPr id="2" name="Slide Image Placeholder 1"/>
+          <p:cNvSpPr>
+            <a:spLocks noGrp="1" noRot="1" noChangeAspect="1"/>
+          </p:cNvSpPr>
+          <p:nvPr>
+            <p:ph type="sldImg"/>
+          </p:nvPr>
+        </p:nvSpPr>
+        <p:spPr/>
+      </p:sp>
+      <p:sp>
+        <p:nvSpPr>
+          <p:cNvPr id="3" name="Notes Placeholder 2"/>
+          <p:cNvSpPr>
+            <a:spLocks noGrp="1"/>
+          </p:cNvSpPr>
+          <p:nvPr>
+            <p:ph type="body" idx="1"/>
+          </p:nvPr>
+        </p:nvSpPr>
+        <p:spPr/>
+        <p:txBody>
+          <a:bodyPr>
+            <a:normAutofit/>
+          </a:bodyPr>
+          <a:lstStyle/>
+          <a:p>
+            <a:endParaRPr lang="en-US"/>
+          </a:p>
+        </p:txBody>
+      </p:sp>
+      <p:sp>
+        <p:nvSpPr>
+          <p:cNvPr id="4" name="Slide Number Placeholder 3"/>
+          <p:cNvSpPr>
+            <a:spLocks noGrp="1"/>
+          </p:cNvSpPr>
+          <p:nvPr>
+            <p:ph type="sldNum" sz="quarter" idx="10"/>
+          </p:nvPr>
+        </p:nvSpPr>
+        <p:spPr/>
+        <p:txBody>
+          <a:bodyPr/>
+          <a:lstStyle/>
+          <a:p>
+            <a:fld id="{CACBEE2F-8C26-493F-9430-82D1D1B7C623}" type="slidenum">
+              <a:rPr lang="en-US" smtClean="0"/>
+              <a:pPr/>
+              <a:t>10</a:t>
+            </a:fld>
+            <a:endParaRPr lang="en-US"/>
+          </a:p>
+        </p:txBody>
+      </p:sp>
+    </p:spTree>
+  </p:cSld>
+  <p:clrMapOvr>
+    <a:masterClrMapping/>
+  </p:clrMapOvr>
+</p:notes>
+</file>
+
+<file path=ppt/notesSlides/notesSlide11.xml><?xml version="1.0" encoding="utf-8"?>
+<p:notes xmlns:a="http://schemas.openxmlformats.org/drawingml/2006/main" xmlns:r="http://schemas.openxmlformats.org/officeDocument/2006/relationships" xmlns:p="http://schemas.openxmlformats.org/presentationml/2006/main">
+  <p:cSld>
+    <p:spTree>
+      <p:nvGrpSpPr>
+        <p:cNvPr id="1" name=""/>
+        <p:cNvGrpSpPr/>
+        <p:nvPr/>
+      </p:nvGrpSpPr>
+      <p:grpSpPr>
+        <a:xfrm>
+          <a:off x="0" y="0"/>
+          <a:ext cx="0" cy="0"/>
+          <a:chOff x="0" y="0"/>
+          <a:chExt cx="0" cy="0"/>
+        </a:xfrm>
+      </p:grpSpPr>
+      <p:sp>
+        <p:nvSpPr>
+          <p:cNvPr id="2" name="Slide Image Placeholder 1"/>
+          <p:cNvSpPr>
+            <a:spLocks noGrp="1" noRot="1" noChangeAspect="1"/>
+          </p:cNvSpPr>
+          <p:nvPr>
+            <p:ph type="sldImg"/>
+          </p:nvPr>
+        </p:nvSpPr>
+        <p:spPr/>
+      </p:sp>
+      <p:sp>
+        <p:nvSpPr>
+          <p:cNvPr id="3" name="Notes Placeholder 2"/>
+          <p:cNvSpPr>
+            <a:spLocks noGrp="1"/>
+          </p:cNvSpPr>
+          <p:nvPr>
+            <p:ph type="body" idx="1"/>
+          </p:nvPr>
+        </p:nvSpPr>
+        <p:spPr/>
+        <p:txBody>
+          <a:bodyPr>
+            <a:normAutofit/>
+          </a:bodyPr>
+          <a:lstStyle/>
+          <a:p>
+            <a:endParaRPr lang="en-US"/>
+          </a:p>
+        </p:txBody>
+      </p:sp>
+      <p:sp>
+        <p:nvSpPr>
+          <p:cNvPr id="4" name="Slide Number Placeholder 3"/>
+          <p:cNvSpPr>
+            <a:spLocks noGrp="1"/>
+          </p:cNvSpPr>
+          <p:nvPr>
+            <p:ph type="sldNum" sz="quarter" idx="10"/>
+          </p:nvPr>
+        </p:nvSpPr>
+        <p:spPr/>
+        <p:txBody>
+          <a:bodyPr/>
+          <a:lstStyle/>
+          <a:p>
+            <a:fld id="{CACBEE2F-8C26-493F-9430-82D1D1B7C623}" type="slidenum">
+              <a:rPr lang="en-US" smtClean="0"/>
+              <a:pPr/>
+              <a:t>11</a:t>
+            </a:fld>
+            <a:endParaRPr lang="en-US"/>
+          </a:p>
+        </p:txBody>
+      </p:sp>
+    </p:spTree>
+  </p:cSld>
+  <p:clrMapOvr>
+    <a:masterClrMapping/>
+  </p:clrMapOvr>
+</p:notes>
+</file>
+
+<file path=ppt/notesSlides/notesSlide12.xml><?xml version="1.0" encoding="utf-8"?>
+<p:notes xmlns:a="http://schemas.openxmlformats.org/drawingml/2006/main" xmlns:r="http://schemas.openxmlformats.org/officeDocument/2006/relationships" xmlns:p="http://schemas.openxmlformats.org/presentationml/2006/main">
+  <p:cSld>
+    <p:spTree>
+      <p:nvGrpSpPr>
+        <p:cNvPr id="1" name=""/>
+        <p:cNvGrpSpPr/>
+        <p:nvPr/>
+      </p:nvGrpSpPr>
+      <p:grpSpPr>
+        <a:xfrm>
+          <a:off x="0" y="0"/>
+          <a:ext cx="0" cy="0"/>
+          <a:chOff x="0" y="0"/>
+          <a:chExt cx="0" cy="0"/>
+        </a:xfrm>
+      </p:grpSpPr>
+      <p:sp>
+        <p:nvSpPr>
+          <p:cNvPr id="2" name="Slide Image Placeholder 1"/>
+          <p:cNvSpPr>
+            <a:spLocks noGrp="1" noRot="1" noChangeAspect="1"/>
+          </p:cNvSpPr>
+          <p:nvPr>
+            <p:ph type="sldImg"/>
+          </p:nvPr>
+        </p:nvSpPr>
+        <p:spPr/>
+      </p:sp>
+      <p:sp>
+        <p:nvSpPr>
+          <p:cNvPr id="3" name="Notes Placeholder 2"/>
+          <p:cNvSpPr>
+            <a:spLocks noGrp="1"/>
+          </p:cNvSpPr>
+          <p:nvPr>
+            <p:ph type="body" idx="1"/>
+          </p:nvPr>
+        </p:nvSpPr>
+        <p:spPr/>
+        <p:txBody>
+          <a:bodyPr>
+            <a:normAutofit/>
+          </a:bodyPr>
+          <a:lstStyle/>
+          <a:p>
+            <a:endParaRPr lang="en-US"/>
+          </a:p>
+        </p:txBody>
+      </p:sp>
+      <p:sp>
+        <p:nvSpPr>
+          <p:cNvPr id="4" name="Slide Number Placeholder 3"/>
+          <p:cNvSpPr>
+            <a:spLocks noGrp="1"/>
+          </p:cNvSpPr>
+          <p:nvPr>
+            <p:ph type="sldNum" sz="quarter" idx="10"/>
+          </p:nvPr>
+        </p:nvSpPr>
+        <p:spPr/>
+        <p:txBody>
+          <a:bodyPr/>
+          <a:lstStyle/>
+          <a:p>
+            <a:fld id="{CACBEE2F-8C26-493F-9430-82D1D1B7C623}" type="slidenum">
+              <a:rPr lang="en-US" smtClean="0"/>
+              <a:pPr/>
+              <a:t>12</a:t>
+            </a:fld>
+            <a:endParaRPr lang="en-US"/>
+          </a:p>
+        </p:txBody>
+      </p:sp>
+    </p:spTree>
+  </p:cSld>
+  <p:clrMapOvr>
+    <a:masterClrMapping/>
+  </p:clrMapOvr>
+</p:notes>
+</file>
+
+<file path=ppt/notesSlides/notesSlide13.xml><?xml version="1.0" encoding="utf-8"?>
+<p:notes xmlns:a="http://schemas.openxmlformats.org/drawingml/2006/main" xmlns:r="http://schemas.openxmlformats.org/officeDocument/2006/relationships" xmlns:p="http://schemas.openxmlformats.org/presentationml/2006/main">
+  <p:cSld>
+    <p:spTree>
+      <p:nvGrpSpPr>
+        <p:cNvPr id="1" name=""/>
+        <p:cNvGrpSpPr/>
+        <p:nvPr/>
+      </p:nvGrpSpPr>
+      <p:grpSpPr>
+        <a:xfrm>
+          <a:off x="0" y="0"/>
+          <a:ext cx="0" cy="0"/>
+          <a:chOff x="0" y="0"/>
+          <a:chExt cx="0" cy="0"/>
+        </a:xfrm>
+      </p:grpSpPr>
+      <p:sp>
+        <p:nvSpPr>
+          <p:cNvPr id="2" name="Slide Image Placeholder 1"/>
+          <p:cNvSpPr>
+            <a:spLocks noGrp="1" noRot="1" noChangeAspect="1"/>
+          </p:cNvSpPr>
+          <p:nvPr>
+            <p:ph type="sldImg"/>
+          </p:nvPr>
+        </p:nvSpPr>
+        <p:spPr/>
+      </p:sp>
+      <p:sp>
+        <p:nvSpPr>
+          <p:cNvPr id="3" name="Notes Placeholder 2"/>
+          <p:cNvSpPr>
+            <a:spLocks noGrp="1"/>
+          </p:cNvSpPr>
+          <p:nvPr>
+            <p:ph type="body" idx="1"/>
+          </p:nvPr>
+        </p:nvSpPr>
+        <p:spPr/>
+        <p:txBody>
+          <a:bodyPr>
+            <a:normAutofit/>
+          </a:bodyPr>
+          <a:lstStyle/>
+          <a:p>
+            <a:endParaRPr lang="en-US"/>
+          </a:p>
+        </p:txBody>
+      </p:sp>
+      <p:sp>
+        <p:nvSpPr>
+          <p:cNvPr id="4" name="Slide Number Placeholder 3"/>
+          <p:cNvSpPr>
+            <a:spLocks noGrp="1"/>
+          </p:cNvSpPr>
+          <p:nvPr>
+            <p:ph type="sldNum" sz="quarter" idx="10"/>
+          </p:nvPr>
+        </p:nvSpPr>
+        <p:spPr/>
+        <p:txBody>
+          <a:bodyPr/>
+          <a:lstStyle/>
+          <a:p>
+            <a:fld id="{CACBEE2F-8C26-493F-9430-82D1D1B7C623}" type="slidenum">
+              <a:rPr lang="en-US" smtClean="0"/>
+              <a:pPr/>
+              <a:t>13</a:t>
+            </a:fld>
+            <a:endParaRPr lang="en-US"/>
+          </a:p>
+        </p:txBody>
+      </p:sp>
+    </p:spTree>
+  </p:cSld>
+  <p:clrMapOvr>
+    <a:masterClrMapping/>
+  </p:clrMapOvr>
+</p:notes>
+</file>
+
 <file path=ppt/notesSlides/notesSlide2.xml><?xml version="1.0" encoding="utf-8"?>
 <p:notes xmlns:a="http://schemas.openxmlformats.org/drawingml/2006/main" xmlns:r="http://schemas.openxmlformats.org/officeDocument/2006/relationships" xmlns:p="http://schemas.openxmlformats.org/presentationml/2006/main">
   <p:cSld>
@@ -1398,7 +1730,7 @@
             <a:fld id="{F9C811E6-0209-4075-80E7-F5953C8ECEE3}" type="datetime1">
               <a:rPr lang="en-US" smtClean="0"/>
               <a:pPr/>
-              <a:t>9/16/15</a:t>
+              <a:t>9/18/15</a:t>
             </a:fld>
             <a:endParaRPr lang="en-US"/>
           </a:p>
@@ -1569,7 +1901,7 @@
             <a:fld id="{648E6BB1-E6D9-4EE7-828F-046F7223761D}" type="datetime1">
               <a:rPr lang="en-US" smtClean="0"/>
               <a:pPr/>
-              <a:t>9/16/15</a:t>
+              <a:t>9/18/15</a:t>
             </a:fld>
             <a:endParaRPr lang="en-US"/>
           </a:p>
@@ -1750,7 +2082,7 @@
             <a:fld id="{B4B9C580-A780-4D76-B2D1-C34F1DA97DF0}" type="datetime1">
               <a:rPr lang="en-US" smtClean="0"/>
               <a:pPr/>
-              <a:t>9/16/15</a:t>
+              <a:t>9/18/15</a:t>
             </a:fld>
             <a:endParaRPr lang="en-US"/>
           </a:p>
@@ -1921,7 +2253,7 @@
             <a:fld id="{EB19DDAF-3255-4785-974C-BB4FAF02D67E}" type="datetime1">
               <a:rPr lang="en-US" smtClean="0"/>
               <a:pPr/>
-              <a:t>9/16/15</a:t>
+              <a:t>9/18/15</a:t>
             </a:fld>
             <a:endParaRPr lang="en-US"/>
           </a:p>
@@ -2168,7 +2500,7 @@
             <a:fld id="{C344AF86-11D1-4E84-BA60-17130236FDAA}" type="datetime1">
               <a:rPr lang="en-US" smtClean="0"/>
               <a:pPr/>
-              <a:t>9/16/15</a:t>
+              <a:t>9/18/15</a:t>
             </a:fld>
             <a:endParaRPr lang="en-US"/>
           </a:p>
@@ -2457,7 +2789,7 @@
             <a:fld id="{A8DD670F-7E07-4783-A6F8-B28127B5AF4A}" type="datetime1">
               <a:rPr lang="en-US" smtClean="0"/>
               <a:pPr/>
-              <a:t>9/16/15</a:t>
+              <a:t>9/18/15</a:t>
             </a:fld>
             <a:endParaRPr lang="en-US"/>
           </a:p>
@@ -2880,7 +3212,7 @@
             <a:fld id="{92676DD9-688F-48EE-8233-B3B78BDDA63D}" type="datetime1">
               <a:rPr lang="en-US" smtClean="0"/>
               <a:pPr/>
-              <a:t>9/16/15</a:t>
+              <a:t>9/18/15</a:t>
             </a:fld>
             <a:endParaRPr lang="en-US"/>
           </a:p>
@@ -2999,7 +3331,7 @@
             <a:fld id="{F6CC4A83-AE34-48B8-B90E-70388FDBF0F7}" type="datetime1">
               <a:rPr lang="en-US" smtClean="0"/>
               <a:pPr/>
-              <a:t>9/16/15</a:t>
+              <a:t>9/18/15</a:t>
             </a:fld>
             <a:endParaRPr lang="en-US"/>
           </a:p>
@@ -3095,7 +3427,7 @@
             <a:fld id="{510CA3E2-9601-488E-B92B-23013819BD02}" type="datetime1">
               <a:rPr lang="en-US" smtClean="0"/>
               <a:pPr/>
-              <a:t>9/16/15</a:t>
+              <a:t>9/18/15</a:t>
             </a:fld>
             <a:endParaRPr lang="en-US"/>
           </a:p>
@@ -3373,7 +3705,7 @@
             <a:fld id="{331F1CBD-358A-4E18-86FD-C337233E15F0}" type="datetime1">
               <a:rPr lang="en-US" smtClean="0"/>
               <a:pPr/>
-              <a:t>9/16/15</a:t>
+              <a:t>9/18/15</a:t>
             </a:fld>
             <a:endParaRPr lang="en-US"/>
           </a:p>
@@ -3627,7 +3959,7 @@
             <a:fld id="{3CB4F0D5-901F-4458-A8F8-F062616694B4}" type="datetime1">
               <a:rPr lang="en-US" smtClean="0"/>
               <a:pPr/>
-              <a:t>9/16/15</a:t>
+              <a:t>9/18/15</a:t>
             </a:fld>
             <a:endParaRPr lang="en-US"/>
           </a:p>
@@ -3841,7 +4173,7 @@
             <a:fld id="{F77D84EF-BDBF-448B-906E-D51D4CAF22DC}" type="datetime1">
               <a:rPr lang="en-US" smtClean="0"/>
               <a:pPr/>
-              <a:t>9/16/15</a:t>
+              <a:t>9/18/15</a:t>
             </a:fld>
             <a:endParaRPr lang="en-US"/>
           </a:p>
@@ -4386,6 +4718,2238 @@
     <p:extLst>
       <p:ext uri="{BB962C8B-B14F-4D97-AF65-F5344CB8AC3E}">
         <p14:creationId xmlns:p14="http://schemas.microsoft.com/office/powerpoint/2010/main" val="577598476"/>
+      </p:ext>
+    </p:extLst>
+  </p:cSld>
+  <p:clrMapOvr>
+    <a:masterClrMapping/>
+  </p:clrMapOvr>
+  <p:timing>
+    <p:tnLst>
+      <p:par>
+        <p:cTn xmlns:p14="http://schemas.microsoft.com/office/powerpoint/2010/main" id="1" dur="indefinite" restart="never" nodeType="tmRoot"/>
+      </p:par>
+    </p:tnLst>
+  </p:timing>
+</p:sld>
+</file>
+
+<file path=ppt/slides/slide10.xml><?xml version="1.0" encoding="utf-8"?>
+<p:sld xmlns:a="http://schemas.openxmlformats.org/drawingml/2006/main" xmlns:r="http://schemas.openxmlformats.org/officeDocument/2006/relationships" xmlns:p="http://schemas.openxmlformats.org/presentationml/2006/main">
+  <p:cSld>
+    <p:spTree>
+      <p:nvGrpSpPr>
+        <p:cNvPr id="1" name=""/>
+        <p:cNvGrpSpPr/>
+        <p:nvPr/>
+      </p:nvGrpSpPr>
+      <p:grpSpPr>
+        <a:xfrm>
+          <a:off x="0" y="0"/>
+          <a:ext cx="0" cy="0"/>
+          <a:chOff x="0" y="0"/>
+          <a:chExt cx="0" cy="0"/>
+        </a:xfrm>
+      </p:grpSpPr>
+      <p:sp>
+        <p:nvSpPr>
+          <p:cNvPr id="2" name="Title 1"/>
+          <p:cNvSpPr>
+            <a:spLocks noGrp="1"/>
+          </p:cNvSpPr>
+          <p:nvPr>
+            <p:ph type="ctrTitle"/>
+          </p:nvPr>
+        </p:nvSpPr>
+        <p:spPr>
+          <a:xfrm>
+            <a:off x="609600" y="-152400"/>
+            <a:ext cx="7772400" cy="762000"/>
+          </a:xfrm>
+        </p:spPr>
+        <p:txBody>
+          <a:bodyPr>
+            <a:normAutofit/>
+          </a:bodyPr>
+          <a:lstStyle/>
+          <a:p>
+            <a:r>
+              <a:rPr lang="en-US" sz="2800" dirty="0" smtClean="0">
+                <a:solidFill>
+                  <a:schemeClr val="accent2">
+                    <a:lumMod val="75000"/>
+                  </a:schemeClr>
+                </a:solidFill>
+              </a:rPr>
+              <a:t>Predictive Distribution</a:t>
+            </a:r>
+            <a:endParaRPr lang="en-US" sz="2800" dirty="0">
+              <a:solidFill>
+                <a:schemeClr val="accent2">
+                  <a:lumMod val="75000"/>
+                </a:schemeClr>
+              </a:solidFill>
+            </a:endParaRPr>
+          </a:p>
+        </p:txBody>
+      </p:sp>
+      <p:sp>
+        <p:nvSpPr>
+          <p:cNvPr id="4" name="Footer Placeholder 3"/>
+          <p:cNvSpPr>
+            <a:spLocks noGrp="1"/>
+          </p:cNvSpPr>
+          <p:nvPr>
+            <p:ph type="ftr" sz="quarter" idx="11"/>
+          </p:nvPr>
+        </p:nvSpPr>
+        <p:spPr/>
+        <p:txBody>
+          <a:bodyPr/>
+          <a:lstStyle/>
+          <a:p>
+            <a:r>
+              <a:rPr lang="en-US" dirty="0" smtClean="0">
+                <a:solidFill>
+                  <a:schemeClr val="accent1"/>
+                </a:solidFill>
+              </a:rPr>
+              <a:t>STT 465, MSU, Fall, 2015</a:t>
+            </a:r>
+            <a:endParaRPr lang="en-US" dirty="0">
+              <a:solidFill>
+                <a:schemeClr val="accent1"/>
+              </a:solidFill>
+            </a:endParaRPr>
+          </a:p>
+        </p:txBody>
+      </p:sp>
+      <p:sp>
+        <p:nvSpPr>
+          <p:cNvPr id="6" name="TextBox 5"/>
+          <p:cNvSpPr txBox="1"/>
+          <p:nvPr/>
+        </p:nvSpPr>
+        <p:spPr>
+          <a:xfrm>
+            <a:off x="76200" y="533400"/>
+            <a:ext cx="9067800" cy="5909311"/>
+          </a:xfrm>
+          <a:prstGeom prst="rect">
+            <a:avLst/>
+          </a:prstGeom>
+          <a:noFill/>
+          <a:ln>
+            <a:solidFill>
+              <a:srgbClr val="800000"/>
+            </a:solidFill>
+            <a:prstDash val="sysDash"/>
+          </a:ln>
+        </p:spPr>
+        <p:txBody>
+          <a:bodyPr wrap="square" rtlCol="0">
+            <a:spAutoFit/>
+          </a:bodyPr>
+          <a:lstStyle/>
+          <a:p>
+            <a:pPr marL="285750" indent="-285750">
+              <a:buFont typeface="Symbol" charset="0"/>
+              <a:buChar char=""/>
+            </a:pPr>
+            <a:r>
+              <a:rPr lang="en-US" dirty="0" smtClean="0">
+                <a:solidFill>
+                  <a:schemeClr val="accent1">
+                    <a:lumMod val="75000"/>
+                  </a:schemeClr>
+                </a:solidFill>
+              </a:rPr>
+              <a:t>We have assumed that draws from the population, before we observe any data, are IID Poisson.</a:t>
+            </a:r>
+          </a:p>
+          <a:p>
+            <a:pPr marL="285750" indent="-285750">
+              <a:buFont typeface="Symbol" charset="0"/>
+              <a:buChar char=""/>
+            </a:pPr>
+            <a:endParaRPr lang="en-US" dirty="0">
+              <a:solidFill>
+                <a:schemeClr val="accent1">
+                  <a:lumMod val="75000"/>
+                </a:schemeClr>
+              </a:solidFill>
+            </a:endParaRPr>
+          </a:p>
+          <a:p>
+            <a:pPr marL="285750" indent="-285750">
+              <a:buFont typeface="Symbol" charset="0"/>
+              <a:buChar char=""/>
+            </a:pPr>
+            <a:r>
+              <a:rPr lang="en-US" dirty="0" smtClean="0">
+                <a:solidFill>
+                  <a:schemeClr val="accent1">
+                    <a:lumMod val="75000"/>
+                  </a:schemeClr>
+                </a:solidFill>
+              </a:rPr>
+              <a:t>What is the distribution of a draw from the population after we have observed our sample, that is </a:t>
+            </a:r>
+          </a:p>
+          <a:p>
+            <a:endParaRPr lang="en-US" dirty="0">
+              <a:solidFill>
+                <a:schemeClr val="accent1">
+                  <a:lumMod val="75000"/>
+                </a:schemeClr>
+              </a:solidFill>
+            </a:endParaRPr>
+          </a:p>
+          <a:p>
+            <a:endParaRPr lang="en-US" dirty="0" smtClean="0">
+              <a:solidFill>
+                <a:schemeClr val="accent1">
+                  <a:lumMod val="75000"/>
+                </a:schemeClr>
+              </a:solidFill>
+            </a:endParaRPr>
+          </a:p>
+          <a:p>
+            <a:pPr marL="285750" indent="-285750">
+              <a:buFont typeface="Symbol" charset="0"/>
+              <a:buChar char=""/>
+            </a:pPr>
+            <a:endParaRPr lang="en-US" dirty="0">
+              <a:solidFill>
+                <a:schemeClr val="accent1">
+                  <a:lumMod val="75000"/>
+                </a:schemeClr>
+              </a:solidFill>
+            </a:endParaRPr>
+          </a:p>
+          <a:p>
+            <a:pPr marL="285750" indent="-285750">
+              <a:buFont typeface="Symbol" charset="0"/>
+              <a:buChar char=""/>
+            </a:pPr>
+            <a:r>
+              <a:rPr lang="en-US" dirty="0" smtClean="0">
+                <a:solidFill>
+                  <a:schemeClr val="accent1">
+                    <a:lumMod val="75000"/>
+                  </a:schemeClr>
+                </a:solidFill>
+              </a:rPr>
+              <a:t>Naïve approach (we can also think of this as a plug-in approach): estimate theta from the posterior distribution and plug that estimate in the Poisson model, that yields</a:t>
+            </a:r>
+          </a:p>
+          <a:p>
+            <a:endParaRPr lang="en-US" dirty="0" smtClean="0">
+              <a:solidFill>
+                <a:schemeClr val="accent1">
+                  <a:lumMod val="75000"/>
+                </a:schemeClr>
+              </a:solidFill>
+            </a:endParaRPr>
+          </a:p>
+          <a:p>
+            <a:pPr marL="285750" indent="-285750">
+              <a:buFont typeface="Symbol" charset="0"/>
+              <a:buChar char=""/>
+            </a:pPr>
+            <a:endParaRPr lang="en-US" dirty="0">
+              <a:solidFill>
+                <a:schemeClr val="accent1">
+                  <a:lumMod val="75000"/>
+                </a:schemeClr>
+              </a:solidFill>
+            </a:endParaRPr>
+          </a:p>
+          <a:p>
+            <a:pPr marL="285750" indent="-285750">
+              <a:buFont typeface="Symbol" charset="0"/>
+              <a:buChar char=""/>
+            </a:pPr>
+            <a:endParaRPr lang="en-US" dirty="0" smtClean="0">
+              <a:solidFill>
+                <a:schemeClr val="accent1">
+                  <a:lumMod val="75000"/>
+                </a:schemeClr>
+              </a:solidFill>
+            </a:endParaRPr>
+          </a:p>
+          <a:p>
+            <a:endParaRPr lang="en-US" dirty="0">
+              <a:solidFill>
+                <a:schemeClr val="accent1">
+                  <a:lumMod val="75000"/>
+                </a:schemeClr>
+              </a:solidFill>
+            </a:endParaRPr>
+          </a:p>
+          <a:p>
+            <a:pPr marL="285750" indent="-285750">
+              <a:buFont typeface="Symbol" charset="0"/>
+              <a:buChar char=""/>
+            </a:pPr>
+            <a:endParaRPr lang="en-US" dirty="0" smtClean="0">
+              <a:solidFill>
+                <a:schemeClr val="accent1">
+                  <a:lumMod val="75000"/>
+                </a:schemeClr>
+              </a:solidFill>
+            </a:endParaRPr>
+          </a:p>
+          <a:p>
+            <a:pPr marL="285750" indent="-285750">
+              <a:buFont typeface="Symbol" charset="0"/>
+              <a:buChar char=""/>
+            </a:pPr>
+            <a:endParaRPr lang="en-US" dirty="0">
+              <a:solidFill>
+                <a:schemeClr val="accent1">
+                  <a:lumMod val="75000"/>
+                </a:schemeClr>
+              </a:solidFill>
+            </a:endParaRPr>
+          </a:p>
+          <a:p>
+            <a:pPr marL="285750" indent="-285750">
+              <a:buFont typeface="Symbol" charset="0"/>
+              <a:buChar char=""/>
+            </a:pPr>
+            <a:r>
+              <a:rPr lang="en-US" dirty="0" smtClean="0">
+                <a:solidFill>
+                  <a:schemeClr val="accent1">
+                    <a:lumMod val="75000"/>
+                  </a:schemeClr>
+                </a:solidFill>
+              </a:rPr>
+              <a:t>What is wrong about this?: the ‘plug-in approach does not account for uncertainty about </a:t>
+            </a:r>
+            <a:r>
+              <a:rPr lang="en-US" dirty="0" err="1" smtClean="0">
+                <a:solidFill>
+                  <a:schemeClr val="accent1">
+                    <a:lumMod val="75000"/>
+                  </a:schemeClr>
+                </a:solidFill>
+              </a:rPr>
+              <a:t>Θ</a:t>
+            </a:r>
+            <a:r>
+              <a:rPr lang="en-US" dirty="0" smtClean="0">
+                <a:solidFill>
+                  <a:schemeClr val="accent1">
+                    <a:lumMod val="75000"/>
+                  </a:schemeClr>
+                </a:solidFill>
+              </a:rPr>
+              <a:t> as described by our posterior distribution’.</a:t>
+            </a:r>
+          </a:p>
+          <a:p>
+            <a:pPr marL="285750" indent="-285750">
+              <a:buFont typeface="Symbol" charset="0"/>
+              <a:buChar char=""/>
+            </a:pPr>
+            <a:endParaRPr lang="en-US" dirty="0">
+              <a:solidFill>
+                <a:schemeClr val="accent1">
+                  <a:lumMod val="75000"/>
+                </a:schemeClr>
+              </a:solidFill>
+            </a:endParaRPr>
+          </a:p>
+          <a:p>
+            <a:pPr marL="285750" indent="-285750">
+              <a:buFont typeface="Symbol" charset="0"/>
+              <a:buChar char=""/>
+            </a:pPr>
+            <a:r>
+              <a:rPr lang="en-US" dirty="0" smtClean="0">
+                <a:solidFill>
+                  <a:schemeClr val="accent1">
+                    <a:lumMod val="75000"/>
+                  </a:schemeClr>
+                </a:solidFill>
+              </a:rPr>
+              <a:t>The Bayesian framework allows us to arrive at the correct answer, and we will see how we can do this analytically and using MC methods.</a:t>
+            </a:r>
+            <a:endParaRPr lang="en-US" dirty="0">
+              <a:solidFill>
+                <a:schemeClr val="accent1">
+                  <a:lumMod val="75000"/>
+                </a:schemeClr>
+              </a:solidFill>
+            </a:endParaRPr>
+          </a:p>
+        </p:txBody>
+      </p:sp>
+      <p:graphicFrame>
+        <p:nvGraphicFramePr>
+          <p:cNvPr id="11" name="Object 10"/>
+          <p:cNvGraphicFramePr>
+            <a:graphicFrameLocks noChangeAspect="1"/>
+          </p:cNvGraphicFramePr>
+          <p:nvPr>
+            <p:extLst>
+              <p:ext uri="{D42A27DB-BD31-4B8C-83A1-F6EECF244321}">
+                <p14:modId xmlns:p14="http://schemas.microsoft.com/office/powerpoint/2010/main" val="1004504310"/>
+              </p:ext>
+            </p:extLst>
+          </p:nvPr>
+        </p:nvGraphicFramePr>
+        <p:xfrm>
+          <a:off x="2590800" y="1981200"/>
+          <a:ext cx="1560513" cy="407988"/>
+        </p:xfrm>
+        <a:graphic>
+          <a:graphicData uri="http://schemas.openxmlformats.org/presentationml/2006/ole">
+            <mc:AlternateContent xmlns:mc="http://schemas.openxmlformats.org/markup-compatibility/2006">
+              <mc:Choice xmlns:v="urn:schemas-microsoft-com:vml" Requires="v">
+                <p:oleObj spid="_x0000_s11272" name="Equation" r:id="rId4" imgW="1016000" imgH="266700" progId="Equation.3">
+                  <p:embed/>
+                </p:oleObj>
+              </mc:Choice>
+              <mc:Fallback>
+                <p:oleObj name="Equation" r:id="rId4" imgW="1016000" imgH="266700" progId="Equation.3">
+                  <p:embed/>
+                  <p:pic>
+                    <p:nvPicPr>
+                      <p:cNvPr id="0" name=""/>
+                      <p:cNvPicPr/>
+                      <p:nvPr/>
+                    </p:nvPicPr>
+                    <p:blipFill>
+                      <a:blip r:embed="rId5"/>
+                      <a:stretch>
+                        <a:fillRect/>
+                      </a:stretch>
+                    </p:blipFill>
+                    <p:spPr>
+                      <a:xfrm>
+                        <a:off x="2590800" y="1981200"/>
+                        <a:ext cx="1560513" cy="407988"/>
+                      </a:xfrm>
+                      <a:prstGeom prst="rect">
+                        <a:avLst/>
+                      </a:prstGeom>
+                    </p:spPr>
+                  </p:pic>
+                </p:oleObj>
+              </mc:Fallback>
+            </mc:AlternateContent>
+          </a:graphicData>
+        </a:graphic>
+      </p:graphicFrame>
+      <p:graphicFrame>
+        <p:nvGraphicFramePr>
+          <p:cNvPr id="7" name="Object 6"/>
+          <p:cNvGraphicFramePr>
+            <a:graphicFrameLocks noChangeAspect="1"/>
+          </p:cNvGraphicFramePr>
+          <p:nvPr>
+            <p:extLst>
+              <p:ext uri="{D42A27DB-BD31-4B8C-83A1-F6EECF244321}">
+                <p14:modId xmlns:p14="http://schemas.microsoft.com/office/powerpoint/2010/main" val="2603703926"/>
+              </p:ext>
+            </p:extLst>
+          </p:nvPr>
+        </p:nvGraphicFramePr>
+        <p:xfrm>
+          <a:off x="927100" y="3470275"/>
+          <a:ext cx="2906713" cy="1087438"/>
+        </p:xfrm>
+        <a:graphic>
+          <a:graphicData uri="http://schemas.openxmlformats.org/presentationml/2006/ole">
+            <mc:AlternateContent xmlns:mc="http://schemas.openxmlformats.org/markup-compatibility/2006">
+              <mc:Choice xmlns:v="urn:schemas-microsoft-com:vml" Requires="v">
+                <p:oleObj spid="_x0000_s11273" name="Equation" r:id="rId6" imgW="1892300" imgH="711200" progId="Equation.3">
+                  <p:embed/>
+                </p:oleObj>
+              </mc:Choice>
+              <mc:Fallback>
+                <p:oleObj name="Equation" r:id="rId6" imgW="1892300" imgH="711200" progId="Equation.3">
+                  <p:embed/>
+                  <p:pic>
+                    <p:nvPicPr>
+                      <p:cNvPr id="0" name=""/>
+                      <p:cNvPicPr/>
+                      <p:nvPr/>
+                    </p:nvPicPr>
+                    <p:blipFill>
+                      <a:blip r:embed="rId7"/>
+                      <a:stretch>
+                        <a:fillRect/>
+                      </a:stretch>
+                    </p:blipFill>
+                    <p:spPr>
+                      <a:xfrm>
+                        <a:off x="927100" y="3470275"/>
+                        <a:ext cx="2906713" cy="1087438"/>
+                      </a:xfrm>
+                      <a:prstGeom prst="rect">
+                        <a:avLst/>
+                      </a:prstGeom>
+                    </p:spPr>
+                  </p:pic>
+                </p:oleObj>
+              </mc:Fallback>
+            </mc:AlternateContent>
+          </a:graphicData>
+        </a:graphic>
+      </p:graphicFrame>
+    </p:spTree>
+    <p:extLst>
+      <p:ext uri="{BB962C8B-B14F-4D97-AF65-F5344CB8AC3E}">
+        <p14:creationId xmlns:p14="http://schemas.microsoft.com/office/powerpoint/2010/main" val="1740845787"/>
+      </p:ext>
+    </p:extLst>
+  </p:cSld>
+  <p:clrMapOvr>
+    <a:masterClrMapping/>
+  </p:clrMapOvr>
+  <p:timing>
+    <p:tnLst>
+      <p:par>
+        <p:cTn xmlns:p14="http://schemas.microsoft.com/office/powerpoint/2010/main" id="1" dur="indefinite" restart="never" nodeType="tmRoot">
+          <p:childTnLst>
+            <p:seq concurrent="1" nextAc="seek">
+              <p:cTn id="2" dur="indefinite" nodeType="mainSeq">
+                <p:childTnLst>
+                  <p:par>
+                    <p:cTn id="3" fill="hold">
+                      <p:stCondLst>
+                        <p:cond delay="indefinite"/>
+                      </p:stCondLst>
+                      <p:childTnLst>
+                        <p:par>
+                          <p:cTn id="4" fill="hold">
+                            <p:stCondLst>
+                              <p:cond delay="0"/>
+                            </p:stCondLst>
+                            <p:childTnLst>
+                              <p:par>
+                                <p:cTn id="5" presetID="3" presetClass="entr" presetSubtype="10" fill="hold" grpId="0" nodeType="clickEffect">
+                                  <p:stCondLst>
+                                    <p:cond delay="0"/>
+                                  </p:stCondLst>
+                                  <p:childTnLst>
+                                    <p:set>
+                                      <p:cBhvr>
+                                        <p:cTn id="6" dur="1" fill="hold">
+                                          <p:stCondLst>
+                                            <p:cond delay="0"/>
+                                          </p:stCondLst>
+                                        </p:cTn>
+                                        <p:tgtEl>
+                                          <p:spTgt spid="6">
+                                            <p:bg/>
+                                          </p:spTgt>
+                                        </p:tgtEl>
+                                        <p:attrNameLst>
+                                          <p:attrName>style.visibility</p:attrName>
+                                        </p:attrNameLst>
+                                      </p:cBhvr>
+                                      <p:to>
+                                        <p:strVal val="visible"/>
+                                      </p:to>
+                                    </p:set>
+                                    <p:animEffect transition="in" filter="blinds(horizontal)">
+                                      <p:cBhvr>
+                                        <p:cTn id="7" dur="500"/>
+                                        <p:tgtEl>
+                                          <p:spTgt spid="6">
+                                            <p:bg/>
+                                          </p:spTgt>
+                                        </p:tgtEl>
+                                      </p:cBhvr>
+                                    </p:animEffect>
+                                  </p:childTnLst>
+                                </p:cTn>
+                              </p:par>
+                            </p:childTnLst>
+                          </p:cTn>
+                        </p:par>
+                      </p:childTnLst>
+                    </p:cTn>
+                  </p:par>
+                </p:childTnLst>
+              </p:cTn>
+              <p:prevCondLst>
+                <p:cond evt="onPrev" delay="0">
+                  <p:tgtEl>
+                    <p:sldTgt/>
+                  </p:tgtEl>
+                </p:cond>
+              </p:prevCondLst>
+              <p:nextCondLst>
+                <p:cond evt="onNext" delay="0">
+                  <p:tgtEl>
+                    <p:sldTgt/>
+                  </p:tgtEl>
+                </p:cond>
+              </p:nextCondLst>
+            </p:seq>
+          </p:childTnLst>
+        </p:cTn>
+      </p:par>
+    </p:tnLst>
+    <p:bldLst>
+      <p:bldP spid="6" grpId="0" build="p" bldLvl="2" animBg="1"/>
+    </p:bldLst>
+  </p:timing>
+</p:sld>
+</file>
+
+<file path=ppt/slides/slide11.xml><?xml version="1.0" encoding="utf-8"?>
+<p:sld xmlns:a="http://schemas.openxmlformats.org/drawingml/2006/main" xmlns:r="http://schemas.openxmlformats.org/officeDocument/2006/relationships" xmlns:p="http://schemas.openxmlformats.org/presentationml/2006/main">
+  <p:cSld>
+    <p:spTree>
+      <p:nvGrpSpPr>
+        <p:cNvPr id="1" name=""/>
+        <p:cNvGrpSpPr/>
+        <p:nvPr/>
+      </p:nvGrpSpPr>
+      <p:grpSpPr>
+        <a:xfrm>
+          <a:off x="0" y="0"/>
+          <a:ext cx="0" cy="0"/>
+          <a:chOff x="0" y="0"/>
+          <a:chExt cx="0" cy="0"/>
+        </a:xfrm>
+      </p:grpSpPr>
+      <p:sp>
+        <p:nvSpPr>
+          <p:cNvPr id="2" name="Title 1"/>
+          <p:cNvSpPr>
+            <a:spLocks noGrp="1"/>
+          </p:cNvSpPr>
+          <p:nvPr>
+            <p:ph type="ctrTitle"/>
+          </p:nvPr>
+        </p:nvSpPr>
+        <p:spPr>
+          <a:xfrm>
+            <a:off x="609600" y="-152400"/>
+            <a:ext cx="7772400" cy="762000"/>
+          </a:xfrm>
+        </p:spPr>
+        <p:txBody>
+          <a:bodyPr>
+            <a:normAutofit/>
+          </a:bodyPr>
+          <a:lstStyle/>
+          <a:p>
+            <a:r>
+              <a:rPr lang="en-US" sz="2800" dirty="0" smtClean="0">
+                <a:solidFill>
+                  <a:schemeClr val="accent2">
+                    <a:lumMod val="75000"/>
+                  </a:schemeClr>
+                </a:solidFill>
+              </a:rPr>
+              <a:t>Predictive Distribution (Poisson-Gamma model)</a:t>
+            </a:r>
+            <a:endParaRPr lang="en-US" sz="2800" dirty="0">
+              <a:solidFill>
+                <a:schemeClr val="accent2">
+                  <a:lumMod val="75000"/>
+                </a:schemeClr>
+              </a:solidFill>
+            </a:endParaRPr>
+          </a:p>
+        </p:txBody>
+      </p:sp>
+      <p:sp>
+        <p:nvSpPr>
+          <p:cNvPr id="4" name="Footer Placeholder 3"/>
+          <p:cNvSpPr>
+            <a:spLocks noGrp="1"/>
+          </p:cNvSpPr>
+          <p:nvPr>
+            <p:ph type="ftr" sz="quarter" idx="11"/>
+          </p:nvPr>
+        </p:nvSpPr>
+        <p:spPr/>
+        <p:txBody>
+          <a:bodyPr/>
+          <a:lstStyle/>
+          <a:p>
+            <a:r>
+              <a:rPr lang="en-US" dirty="0" smtClean="0">
+                <a:solidFill>
+                  <a:schemeClr val="accent1"/>
+                </a:solidFill>
+              </a:rPr>
+              <a:t>STT 465, MSU, Fall, 2015</a:t>
+            </a:r>
+            <a:endParaRPr lang="en-US" dirty="0">
+              <a:solidFill>
+                <a:schemeClr val="accent1"/>
+              </a:solidFill>
+            </a:endParaRPr>
+          </a:p>
+        </p:txBody>
+      </p:sp>
+      <p:sp>
+        <p:nvSpPr>
+          <p:cNvPr id="6" name="TextBox 5"/>
+          <p:cNvSpPr txBox="1"/>
+          <p:nvPr/>
+        </p:nvSpPr>
+        <p:spPr>
+          <a:xfrm>
+            <a:off x="-34897" y="533400"/>
+            <a:ext cx="9067800" cy="9510294"/>
+          </a:xfrm>
+          <a:prstGeom prst="rect">
+            <a:avLst/>
+          </a:prstGeom>
+          <a:noFill/>
+          <a:ln>
+            <a:solidFill>
+              <a:srgbClr val="800000"/>
+            </a:solidFill>
+            <a:prstDash val="sysDash"/>
+          </a:ln>
+        </p:spPr>
+        <p:txBody>
+          <a:bodyPr wrap="square" rtlCol="0">
+            <a:spAutoFit/>
+          </a:bodyPr>
+          <a:lstStyle/>
+          <a:p>
+            <a:pPr marL="285750" indent="-285750">
+              <a:buFont typeface="Symbol" charset="0"/>
+              <a:buChar char=""/>
+            </a:pPr>
+            <a:r>
+              <a:rPr lang="en-US" dirty="0" smtClean="0">
+                <a:solidFill>
+                  <a:schemeClr val="accent1">
+                    <a:lumMod val="75000"/>
+                  </a:schemeClr>
+                </a:solidFill>
+              </a:rPr>
+              <a:t>Using standard probability rules</a:t>
+            </a:r>
+          </a:p>
+          <a:p>
+            <a:pPr marL="285750" indent="-285750">
+              <a:buFont typeface="Symbol" charset="0"/>
+              <a:buChar char=""/>
+            </a:pPr>
+            <a:endParaRPr lang="en-US" dirty="0" smtClean="0">
+              <a:solidFill>
+                <a:schemeClr val="accent1">
+                  <a:lumMod val="75000"/>
+                </a:schemeClr>
+              </a:solidFill>
+            </a:endParaRPr>
+          </a:p>
+          <a:p>
+            <a:pPr marL="285750" indent="-285750">
+              <a:buFont typeface="Symbol" charset="0"/>
+              <a:buChar char=""/>
+            </a:pPr>
+            <a:endParaRPr lang="en-US" dirty="0">
+              <a:solidFill>
+                <a:schemeClr val="accent1">
+                  <a:lumMod val="75000"/>
+                </a:schemeClr>
+              </a:solidFill>
+            </a:endParaRPr>
+          </a:p>
+          <a:p>
+            <a:pPr marL="285750" indent="-285750">
+              <a:buFont typeface="Symbol" charset="0"/>
+              <a:buChar char=""/>
+            </a:pPr>
+            <a:endParaRPr lang="en-US" dirty="0" smtClean="0">
+              <a:solidFill>
+                <a:schemeClr val="accent1">
+                  <a:lumMod val="75000"/>
+                </a:schemeClr>
+              </a:solidFill>
+            </a:endParaRPr>
+          </a:p>
+          <a:p>
+            <a:pPr marL="285750" indent="-285750">
+              <a:buFont typeface="Symbol" charset="0"/>
+              <a:buChar char=""/>
+            </a:pPr>
+            <a:endParaRPr lang="en-US" dirty="0">
+              <a:solidFill>
+                <a:schemeClr val="accent1">
+                  <a:lumMod val="75000"/>
+                </a:schemeClr>
+              </a:solidFill>
+            </a:endParaRPr>
+          </a:p>
+          <a:p>
+            <a:pPr marL="285750" indent="-285750">
+              <a:buFont typeface="Symbol" charset="0"/>
+              <a:buChar char=""/>
+            </a:pPr>
+            <a:endParaRPr lang="en-US" dirty="0" smtClean="0">
+              <a:solidFill>
+                <a:schemeClr val="accent1">
+                  <a:lumMod val="75000"/>
+                </a:schemeClr>
+              </a:solidFill>
+            </a:endParaRPr>
+          </a:p>
+          <a:p>
+            <a:pPr marL="285750" indent="-285750">
+              <a:buFont typeface="Symbol" charset="0"/>
+              <a:buChar char=""/>
+            </a:pPr>
+            <a:endParaRPr lang="en-US" dirty="0" smtClean="0">
+              <a:solidFill>
+                <a:schemeClr val="accent1">
+                  <a:lumMod val="75000"/>
+                </a:schemeClr>
+              </a:solidFill>
+            </a:endParaRPr>
+          </a:p>
+          <a:p>
+            <a:pPr marL="285750" indent="-285750">
+              <a:buFont typeface="Symbol" charset="0"/>
+              <a:buChar char=""/>
+            </a:pPr>
+            <a:endParaRPr lang="en-US" dirty="0">
+              <a:solidFill>
+                <a:schemeClr val="accent1">
+                  <a:lumMod val="75000"/>
+                </a:schemeClr>
+              </a:solidFill>
+            </a:endParaRPr>
+          </a:p>
+          <a:p>
+            <a:pPr marL="285750" indent="-285750">
+              <a:buFont typeface="Symbol" charset="0"/>
+              <a:buChar char=""/>
+            </a:pPr>
+            <a:r>
+              <a:rPr lang="en-US" dirty="0" smtClean="0">
+                <a:solidFill>
+                  <a:schemeClr val="accent1">
+                    <a:lumMod val="75000"/>
+                  </a:schemeClr>
+                </a:solidFill>
+              </a:rPr>
+              <a:t>The above is called the predictive distribution. Let’s discuss it conceptually:</a:t>
+            </a:r>
+          </a:p>
+          <a:p>
+            <a:pPr marL="285750" indent="-285750">
+              <a:buFont typeface="Symbol" charset="0"/>
+              <a:buChar char=""/>
+            </a:pPr>
+            <a:endParaRPr lang="en-US" dirty="0">
+              <a:solidFill>
+                <a:schemeClr val="accent1">
+                  <a:lumMod val="75000"/>
+                </a:schemeClr>
+              </a:solidFill>
+            </a:endParaRPr>
+          </a:p>
+          <a:p>
+            <a:r>
+              <a:rPr lang="en-US" dirty="0" smtClean="0">
+                <a:solidFill>
+                  <a:schemeClr val="accent1">
+                    <a:lumMod val="75000"/>
+                  </a:schemeClr>
+                </a:solidFill>
+              </a:rPr>
+              <a:t>	- For each possible value of </a:t>
+            </a:r>
+            <a:r>
+              <a:rPr lang="en-US" dirty="0" err="1" smtClean="0">
+                <a:solidFill>
+                  <a:schemeClr val="accent1">
+                    <a:lumMod val="75000"/>
+                  </a:schemeClr>
+                </a:solidFill>
+              </a:rPr>
+              <a:t>Θ</a:t>
+            </a:r>
+            <a:r>
+              <a:rPr lang="en-US" dirty="0" smtClean="0">
+                <a:solidFill>
+                  <a:schemeClr val="accent1">
+                    <a:lumMod val="75000"/>
+                  </a:schemeClr>
+                </a:solidFill>
+              </a:rPr>
+              <a:t>, the conditional likelihood is Poisson,</a:t>
+            </a:r>
+          </a:p>
+          <a:p>
+            <a:r>
+              <a:rPr lang="en-US" dirty="0">
+                <a:solidFill>
+                  <a:schemeClr val="accent1">
+                    <a:lumMod val="75000"/>
+                  </a:schemeClr>
+                </a:solidFill>
+              </a:rPr>
+              <a:t>	</a:t>
+            </a:r>
+            <a:r>
+              <a:rPr lang="en-US" dirty="0" smtClean="0">
+                <a:solidFill>
+                  <a:schemeClr val="accent1">
+                    <a:lumMod val="75000"/>
+                  </a:schemeClr>
+                </a:solidFill>
+              </a:rPr>
+              <a:t>- The predictive distribution is an average (this is what the integral is) of all possible</a:t>
+            </a:r>
+          </a:p>
+          <a:p>
+            <a:r>
+              <a:rPr lang="en-US" dirty="0">
+                <a:solidFill>
+                  <a:schemeClr val="accent1">
+                    <a:lumMod val="75000"/>
+                  </a:schemeClr>
+                </a:solidFill>
+              </a:rPr>
+              <a:t> </a:t>
+            </a:r>
+            <a:r>
+              <a:rPr lang="en-US" dirty="0" smtClean="0">
+                <a:solidFill>
+                  <a:schemeClr val="accent1">
+                    <a:lumMod val="75000"/>
+                  </a:schemeClr>
+                </a:solidFill>
+              </a:rPr>
+              <a:t>                    Poisson distributions,</a:t>
+            </a:r>
+            <a:r>
+              <a:rPr lang="en-US" dirty="0">
+                <a:solidFill>
+                  <a:schemeClr val="accent1">
+                    <a:lumMod val="75000"/>
+                  </a:schemeClr>
+                </a:solidFill>
+              </a:rPr>
+              <a:t> </a:t>
+            </a:r>
+            <a:r>
+              <a:rPr lang="en-US" dirty="0" smtClean="0">
+                <a:solidFill>
+                  <a:schemeClr val="accent1">
+                    <a:lumMod val="75000"/>
+                  </a:schemeClr>
+                </a:solidFill>
+              </a:rPr>
+              <a:t>where the average is taken with respect to the posterior</a:t>
+            </a:r>
+          </a:p>
+          <a:p>
+            <a:r>
+              <a:rPr lang="en-US" dirty="0">
+                <a:solidFill>
+                  <a:schemeClr val="accent1">
+                    <a:lumMod val="75000"/>
+                  </a:schemeClr>
+                </a:solidFill>
+              </a:rPr>
+              <a:t> </a:t>
+            </a:r>
+            <a:r>
+              <a:rPr lang="en-US" dirty="0" smtClean="0">
+                <a:solidFill>
+                  <a:schemeClr val="accent1">
+                    <a:lumMod val="75000"/>
+                  </a:schemeClr>
+                </a:solidFill>
+              </a:rPr>
+              <a:t>                    distribution of </a:t>
+            </a:r>
+            <a:r>
+              <a:rPr lang="en-US" dirty="0" err="1" smtClean="0">
+                <a:solidFill>
+                  <a:schemeClr val="accent1">
+                    <a:lumMod val="75000"/>
+                  </a:schemeClr>
+                </a:solidFill>
+              </a:rPr>
+              <a:t>Θ</a:t>
+            </a:r>
+            <a:r>
+              <a:rPr lang="en-US" dirty="0" smtClean="0">
+                <a:solidFill>
+                  <a:schemeClr val="accent1">
+                    <a:lumMod val="75000"/>
+                  </a:schemeClr>
+                </a:solidFill>
+              </a:rPr>
+              <a:t>  given the data.</a:t>
+            </a:r>
+            <a:endParaRPr lang="en-US" dirty="0">
+              <a:solidFill>
+                <a:schemeClr val="accent1">
+                  <a:lumMod val="75000"/>
+                </a:schemeClr>
+              </a:solidFill>
+            </a:endParaRPr>
+          </a:p>
+          <a:p>
+            <a:pPr marL="285750" indent="-285750">
+              <a:buFont typeface="Symbol" charset="0"/>
+              <a:buChar char=""/>
+            </a:pPr>
+            <a:endParaRPr lang="en-US" dirty="0" smtClean="0">
+              <a:solidFill>
+                <a:schemeClr val="accent1">
+                  <a:lumMod val="75000"/>
+                </a:schemeClr>
+              </a:solidFill>
+            </a:endParaRPr>
+          </a:p>
+          <a:p>
+            <a:pPr marL="285750" indent="-285750">
+              <a:buFont typeface="Symbol" charset="0"/>
+              <a:buChar char=""/>
+            </a:pPr>
+            <a:endParaRPr lang="en-US" dirty="0">
+              <a:solidFill>
+                <a:schemeClr val="accent1">
+                  <a:lumMod val="75000"/>
+                </a:schemeClr>
+              </a:solidFill>
+            </a:endParaRPr>
+          </a:p>
+          <a:p>
+            <a:pPr marL="285750" indent="-285750">
+              <a:buFont typeface="Symbol" charset="0"/>
+              <a:buChar char=""/>
+            </a:pPr>
+            <a:endParaRPr lang="en-US" dirty="0" smtClean="0">
+              <a:solidFill>
+                <a:schemeClr val="accent1">
+                  <a:lumMod val="75000"/>
+                </a:schemeClr>
+              </a:solidFill>
+            </a:endParaRPr>
+          </a:p>
+          <a:p>
+            <a:pPr marL="285750" indent="-285750">
+              <a:buFont typeface="Symbol" charset="0"/>
+              <a:buChar char=""/>
+            </a:pPr>
+            <a:endParaRPr lang="en-US" dirty="0">
+              <a:solidFill>
+                <a:schemeClr val="accent1">
+                  <a:lumMod val="75000"/>
+                </a:schemeClr>
+              </a:solidFill>
+            </a:endParaRPr>
+          </a:p>
+          <a:p>
+            <a:pPr marL="285750" indent="-285750">
+              <a:buFont typeface="Symbol" charset="0"/>
+              <a:buChar char=""/>
+            </a:pPr>
+            <a:endParaRPr lang="en-US" dirty="0" smtClean="0">
+              <a:solidFill>
+                <a:schemeClr val="accent1">
+                  <a:lumMod val="75000"/>
+                </a:schemeClr>
+              </a:solidFill>
+            </a:endParaRPr>
+          </a:p>
+          <a:p>
+            <a:pPr marL="285750" indent="-285750">
+              <a:buFont typeface="Symbol" charset="0"/>
+              <a:buChar char=""/>
+            </a:pPr>
+            <a:endParaRPr lang="en-US" dirty="0">
+              <a:solidFill>
+                <a:schemeClr val="accent1">
+                  <a:lumMod val="75000"/>
+                </a:schemeClr>
+              </a:solidFill>
+            </a:endParaRPr>
+          </a:p>
+          <a:p>
+            <a:pPr marL="285750" indent="-285750">
+              <a:buFont typeface="Symbol" charset="0"/>
+              <a:buChar char=""/>
+            </a:pPr>
+            <a:endParaRPr lang="en-US" dirty="0" smtClean="0">
+              <a:solidFill>
+                <a:schemeClr val="accent1">
+                  <a:lumMod val="75000"/>
+                </a:schemeClr>
+              </a:solidFill>
+            </a:endParaRPr>
+          </a:p>
+          <a:p>
+            <a:pPr marL="285750" indent="-285750">
+              <a:buFont typeface="Symbol" charset="0"/>
+              <a:buChar char=""/>
+            </a:pPr>
+            <a:endParaRPr lang="en-US" dirty="0">
+              <a:solidFill>
+                <a:schemeClr val="accent1">
+                  <a:lumMod val="75000"/>
+                </a:schemeClr>
+              </a:solidFill>
+            </a:endParaRPr>
+          </a:p>
+          <a:p>
+            <a:pPr marL="285750" indent="-285750">
+              <a:buFont typeface="Symbol" charset="0"/>
+              <a:buChar char=""/>
+            </a:pPr>
+            <a:endParaRPr lang="en-US" dirty="0" smtClean="0">
+              <a:solidFill>
+                <a:schemeClr val="accent1">
+                  <a:lumMod val="75000"/>
+                </a:schemeClr>
+              </a:solidFill>
+            </a:endParaRPr>
+          </a:p>
+          <a:p>
+            <a:pPr marL="285750" indent="-285750">
+              <a:buFont typeface="Symbol" charset="0"/>
+              <a:buChar char=""/>
+            </a:pPr>
+            <a:endParaRPr lang="en-US" dirty="0">
+              <a:solidFill>
+                <a:schemeClr val="accent1">
+                  <a:lumMod val="75000"/>
+                </a:schemeClr>
+              </a:solidFill>
+            </a:endParaRPr>
+          </a:p>
+          <a:p>
+            <a:pPr marL="285750" indent="-285750">
+              <a:buFont typeface="Symbol" charset="0"/>
+              <a:buChar char=""/>
+            </a:pPr>
+            <a:endParaRPr lang="en-US" dirty="0" smtClean="0">
+              <a:solidFill>
+                <a:schemeClr val="accent1">
+                  <a:lumMod val="75000"/>
+                </a:schemeClr>
+              </a:solidFill>
+            </a:endParaRPr>
+          </a:p>
+          <a:p>
+            <a:pPr marL="285750" indent="-285750">
+              <a:buFont typeface="Symbol" charset="0"/>
+              <a:buChar char=""/>
+            </a:pPr>
+            <a:endParaRPr lang="en-US" dirty="0">
+              <a:solidFill>
+                <a:schemeClr val="accent1">
+                  <a:lumMod val="75000"/>
+                </a:schemeClr>
+              </a:solidFill>
+            </a:endParaRPr>
+          </a:p>
+          <a:p>
+            <a:pPr marL="285750" indent="-285750">
+              <a:buFont typeface="Symbol" charset="0"/>
+              <a:buChar char=""/>
+            </a:pPr>
+            <a:endParaRPr lang="en-US" dirty="0" smtClean="0">
+              <a:solidFill>
+                <a:schemeClr val="accent1">
+                  <a:lumMod val="75000"/>
+                </a:schemeClr>
+              </a:solidFill>
+            </a:endParaRPr>
+          </a:p>
+          <a:p>
+            <a:pPr marL="285750" indent="-285750">
+              <a:buFont typeface="Symbol" charset="0"/>
+              <a:buChar char=""/>
+            </a:pPr>
+            <a:endParaRPr lang="en-US" dirty="0">
+              <a:solidFill>
+                <a:schemeClr val="accent1">
+                  <a:lumMod val="75000"/>
+                </a:schemeClr>
+              </a:solidFill>
+            </a:endParaRPr>
+          </a:p>
+          <a:p>
+            <a:pPr marL="285750" indent="-285750">
+              <a:buFont typeface="Symbol" charset="0"/>
+              <a:buChar char=""/>
+            </a:pPr>
+            <a:endParaRPr lang="en-US" dirty="0" smtClean="0">
+              <a:solidFill>
+                <a:schemeClr val="accent1">
+                  <a:lumMod val="75000"/>
+                </a:schemeClr>
+              </a:solidFill>
+            </a:endParaRPr>
+          </a:p>
+          <a:p>
+            <a:pPr marL="285750" indent="-285750">
+              <a:buFont typeface="Symbol" charset="0"/>
+              <a:buChar char=""/>
+            </a:pPr>
+            <a:endParaRPr lang="en-US" dirty="0">
+              <a:solidFill>
+                <a:schemeClr val="accent1">
+                  <a:lumMod val="75000"/>
+                </a:schemeClr>
+              </a:solidFill>
+            </a:endParaRPr>
+          </a:p>
+          <a:p>
+            <a:pPr marL="285750" indent="-285750">
+              <a:buFont typeface="Symbol" charset="0"/>
+              <a:buChar char=""/>
+            </a:pPr>
+            <a:endParaRPr lang="en-US" dirty="0" smtClean="0">
+              <a:solidFill>
+                <a:schemeClr val="accent1">
+                  <a:lumMod val="75000"/>
+                </a:schemeClr>
+              </a:solidFill>
+            </a:endParaRPr>
+          </a:p>
+          <a:p>
+            <a:pPr marL="285750" indent="-285750">
+              <a:buFont typeface="Symbol" charset="0"/>
+              <a:buChar char=""/>
+            </a:pPr>
+            <a:endParaRPr lang="en-US" dirty="0">
+              <a:solidFill>
+                <a:schemeClr val="accent1">
+                  <a:lumMod val="75000"/>
+                </a:schemeClr>
+              </a:solidFill>
+            </a:endParaRPr>
+          </a:p>
+          <a:p>
+            <a:pPr marL="285750" indent="-285750">
+              <a:buFont typeface="Symbol" charset="0"/>
+              <a:buChar char=""/>
+            </a:pPr>
+            <a:endParaRPr lang="en-US" dirty="0" smtClean="0">
+              <a:solidFill>
+                <a:schemeClr val="accent1">
+                  <a:lumMod val="75000"/>
+                </a:schemeClr>
+              </a:solidFill>
+            </a:endParaRPr>
+          </a:p>
+          <a:p>
+            <a:pPr marL="285750" indent="-285750">
+              <a:buFont typeface="Symbol" charset="0"/>
+              <a:buChar char=""/>
+            </a:pPr>
+            <a:endParaRPr lang="en-US" dirty="0">
+              <a:solidFill>
+                <a:schemeClr val="accent1">
+                  <a:lumMod val="75000"/>
+                </a:schemeClr>
+              </a:solidFill>
+            </a:endParaRPr>
+          </a:p>
+        </p:txBody>
+      </p:sp>
+      <p:graphicFrame>
+        <p:nvGraphicFramePr>
+          <p:cNvPr id="7" name="Object 6"/>
+          <p:cNvGraphicFramePr>
+            <a:graphicFrameLocks noChangeAspect="1"/>
+          </p:cNvGraphicFramePr>
+          <p:nvPr>
+            <p:extLst>
+              <p:ext uri="{D42A27DB-BD31-4B8C-83A1-F6EECF244321}">
+                <p14:modId xmlns:p14="http://schemas.microsoft.com/office/powerpoint/2010/main" val="3081377720"/>
+              </p:ext>
+            </p:extLst>
+          </p:nvPr>
+        </p:nvGraphicFramePr>
+        <p:xfrm>
+          <a:off x="1690688" y="925513"/>
+          <a:ext cx="5462587" cy="1319212"/>
+        </p:xfrm>
+        <a:graphic>
+          <a:graphicData uri="http://schemas.openxmlformats.org/presentationml/2006/ole">
+            <mc:AlternateContent xmlns:mc="http://schemas.openxmlformats.org/markup-compatibility/2006">
+              <mc:Choice xmlns:v="urn:schemas-microsoft-com:vml" Requires="v">
+                <p:oleObj spid="_x0000_s12294" name="Equation" r:id="rId4" imgW="3556000" imgH="863600" progId="Equation.3">
+                  <p:embed/>
+                </p:oleObj>
+              </mc:Choice>
+              <mc:Fallback>
+                <p:oleObj name="Equation" r:id="rId4" imgW="3556000" imgH="863600" progId="Equation.3">
+                  <p:embed/>
+                  <p:pic>
+                    <p:nvPicPr>
+                      <p:cNvPr id="0" name=""/>
+                      <p:cNvPicPr/>
+                      <p:nvPr/>
+                    </p:nvPicPr>
+                    <p:blipFill>
+                      <a:blip r:embed="rId5"/>
+                      <a:stretch>
+                        <a:fillRect/>
+                      </a:stretch>
+                    </p:blipFill>
+                    <p:spPr>
+                      <a:xfrm>
+                        <a:off x="1690688" y="925513"/>
+                        <a:ext cx="5462587" cy="1319212"/>
+                      </a:xfrm>
+                      <a:prstGeom prst="rect">
+                        <a:avLst/>
+                      </a:prstGeom>
+                    </p:spPr>
+                  </p:pic>
+                </p:oleObj>
+              </mc:Fallback>
+            </mc:AlternateContent>
+          </a:graphicData>
+        </a:graphic>
+      </p:graphicFrame>
+    </p:spTree>
+    <p:extLst>
+      <p:ext uri="{BB962C8B-B14F-4D97-AF65-F5344CB8AC3E}">
+        <p14:creationId xmlns:p14="http://schemas.microsoft.com/office/powerpoint/2010/main" val="2969208333"/>
+      </p:ext>
+    </p:extLst>
+  </p:cSld>
+  <p:clrMapOvr>
+    <a:masterClrMapping/>
+  </p:clrMapOvr>
+  <p:timing>
+    <p:tnLst>
+      <p:par>
+        <p:cTn xmlns:p14="http://schemas.microsoft.com/office/powerpoint/2010/main" id="1" dur="indefinite" restart="never" nodeType="tmRoot">
+          <p:childTnLst>
+            <p:seq concurrent="1" nextAc="seek">
+              <p:cTn id="2" dur="indefinite" nodeType="mainSeq">
+                <p:childTnLst>
+                  <p:par>
+                    <p:cTn id="3" fill="hold">
+                      <p:stCondLst>
+                        <p:cond delay="indefinite"/>
+                      </p:stCondLst>
+                      <p:childTnLst>
+                        <p:par>
+                          <p:cTn id="4" fill="hold">
+                            <p:stCondLst>
+                              <p:cond delay="0"/>
+                            </p:stCondLst>
+                            <p:childTnLst>
+                              <p:par>
+                                <p:cTn id="5" presetID="3" presetClass="entr" presetSubtype="10" fill="hold" grpId="0" nodeType="clickEffect">
+                                  <p:stCondLst>
+                                    <p:cond delay="0"/>
+                                  </p:stCondLst>
+                                  <p:childTnLst>
+                                    <p:set>
+                                      <p:cBhvr>
+                                        <p:cTn id="6" dur="1" fill="hold">
+                                          <p:stCondLst>
+                                            <p:cond delay="0"/>
+                                          </p:stCondLst>
+                                        </p:cTn>
+                                        <p:tgtEl>
+                                          <p:spTgt spid="6">
+                                            <p:bg/>
+                                          </p:spTgt>
+                                        </p:tgtEl>
+                                        <p:attrNameLst>
+                                          <p:attrName>style.visibility</p:attrName>
+                                        </p:attrNameLst>
+                                      </p:cBhvr>
+                                      <p:to>
+                                        <p:strVal val="visible"/>
+                                      </p:to>
+                                    </p:set>
+                                    <p:animEffect transition="in" filter="blinds(horizontal)">
+                                      <p:cBhvr>
+                                        <p:cTn id="7" dur="500"/>
+                                        <p:tgtEl>
+                                          <p:spTgt spid="6">
+                                            <p:bg/>
+                                          </p:spTgt>
+                                        </p:tgtEl>
+                                      </p:cBhvr>
+                                    </p:animEffect>
+                                  </p:childTnLst>
+                                </p:cTn>
+                              </p:par>
+                            </p:childTnLst>
+                          </p:cTn>
+                        </p:par>
+                      </p:childTnLst>
+                    </p:cTn>
+                  </p:par>
+                </p:childTnLst>
+              </p:cTn>
+              <p:prevCondLst>
+                <p:cond evt="onPrev" delay="0">
+                  <p:tgtEl>
+                    <p:sldTgt/>
+                  </p:tgtEl>
+                </p:cond>
+              </p:prevCondLst>
+              <p:nextCondLst>
+                <p:cond evt="onNext" delay="0">
+                  <p:tgtEl>
+                    <p:sldTgt/>
+                  </p:tgtEl>
+                </p:cond>
+              </p:nextCondLst>
+            </p:seq>
+          </p:childTnLst>
+        </p:cTn>
+      </p:par>
+    </p:tnLst>
+    <p:bldLst>
+      <p:bldP spid="6" grpId="0" build="p" bldLvl="2" animBg="1"/>
+    </p:bldLst>
+  </p:timing>
+</p:sld>
+</file>
+
+<file path=ppt/slides/slide12.xml><?xml version="1.0" encoding="utf-8"?>
+<p:sld xmlns:a="http://schemas.openxmlformats.org/drawingml/2006/main" xmlns:r="http://schemas.openxmlformats.org/officeDocument/2006/relationships" xmlns:p="http://schemas.openxmlformats.org/presentationml/2006/main">
+  <p:cSld>
+    <p:spTree>
+      <p:nvGrpSpPr>
+        <p:cNvPr id="1" name=""/>
+        <p:cNvGrpSpPr/>
+        <p:nvPr/>
+      </p:nvGrpSpPr>
+      <p:grpSpPr>
+        <a:xfrm>
+          <a:off x="0" y="0"/>
+          <a:ext cx="0" cy="0"/>
+          <a:chOff x="0" y="0"/>
+          <a:chExt cx="0" cy="0"/>
+        </a:xfrm>
+      </p:grpSpPr>
+      <p:sp>
+        <p:nvSpPr>
+          <p:cNvPr id="2" name="Title 1"/>
+          <p:cNvSpPr>
+            <a:spLocks noGrp="1"/>
+          </p:cNvSpPr>
+          <p:nvPr>
+            <p:ph type="ctrTitle"/>
+          </p:nvPr>
+        </p:nvSpPr>
+        <p:spPr>
+          <a:xfrm>
+            <a:off x="609600" y="-152400"/>
+            <a:ext cx="7772400" cy="762000"/>
+          </a:xfrm>
+        </p:spPr>
+        <p:txBody>
+          <a:bodyPr>
+            <a:normAutofit/>
+          </a:bodyPr>
+          <a:lstStyle/>
+          <a:p>
+            <a:r>
+              <a:rPr lang="en-US" sz="2800" dirty="0" smtClean="0">
+                <a:solidFill>
+                  <a:schemeClr val="accent2">
+                    <a:lumMod val="75000"/>
+                  </a:schemeClr>
+                </a:solidFill>
+              </a:rPr>
+              <a:t>Predictive Distribution (Poisson-Gamma model)</a:t>
+            </a:r>
+            <a:endParaRPr lang="en-US" sz="2800" dirty="0">
+              <a:solidFill>
+                <a:schemeClr val="accent2">
+                  <a:lumMod val="75000"/>
+                </a:schemeClr>
+              </a:solidFill>
+            </a:endParaRPr>
+          </a:p>
+        </p:txBody>
+      </p:sp>
+      <p:sp>
+        <p:nvSpPr>
+          <p:cNvPr id="4" name="Footer Placeholder 3"/>
+          <p:cNvSpPr>
+            <a:spLocks noGrp="1"/>
+          </p:cNvSpPr>
+          <p:nvPr>
+            <p:ph type="ftr" sz="quarter" idx="11"/>
+          </p:nvPr>
+        </p:nvSpPr>
+        <p:spPr/>
+        <p:txBody>
+          <a:bodyPr/>
+          <a:lstStyle/>
+          <a:p>
+            <a:r>
+              <a:rPr lang="en-US" dirty="0" smtClean="0">
+                <a:solidFill>
+                  <a:schemeClr val="accent1"/>
+                </a:solidFill>
+              </a:rPr>
+              <a:t>STT 465, MSU, Fall, 2015</a:t>
+            </a:r>
+            <a:endParaRPr lang="en-US" dirty="0">
+              <a:solidFill>
+                <a:schemeClr val="accent1"/>
+              </a:solidFill>
+            </a:endParaRPr>
+          </a:p>
+        </p:txBody>
+      </p:sp>
+      <p:sp>
+        <p:nvSpPr>
+          <p:cNvPr id="6" name="TextBox 5"/>
+          <p:cNvSpPr txBox="1"/>
+          <p:nvPr/>
+        </p:nvSpPr>
+        <p:spPr>
+          <a:xfrm>
+            <a:off x="-34897" y="533400"/>
+            <a:ext cx="9067800" cy="5909311"/>
+          </a:xfrm>
+          <a:prstGeom prst="rect">
+            <a:avLst/>
+          </a:prstGeom>
+          <a:noFill/>
+          <a:ln>
+            <a:solidFill>
+              <a:srgbClr val="800000"/>
+            </a:solidFill>
+            <a:prstDash val="sysDash"/>
+          </a:ln>
+        </p:spPr>
+        <p:txBody>
+          <a:bodyPr wrap="square" rtlCol="0">
+            <a:spAutoFit/>
+          </a:bodyPr>
+          <a:lstStyle/>
+          <a:p>
+            <a:pPr marL="285750" indent="-285750">
+              <a:buFont typeface="Symbol" charset="0"/>
+              <a:buChar char=""/>
+            </a:pPr>
+            <a:r>
+              <a:rPr lang="en-US" dirty="0" smtClean="0">
+                <a:solidFill>
+                  <a:schemeClr val="accent1">
+                    <a:lumMod val="75000"/>
+                  </a:schemeClr>
+                </a:solidFill>
+              </a:rPr>
+              <a:t>Analytical derivation</a:t>
+            </a:r>
+          </a:p>
+          <a:p>
+            <a:pPr marL="285750" indent="-285750">
+              <a:buFont typeface="Symbol" charset="0"/>
+              <a:buChar char=""/>
+            </a:pPr>
+            <a:endParaRPr lang="en-US" dirty="0" smtClean="0">
+              <a:solidFill>
+                <a:schemeClr val="accent1">
+                  <a:lumMod val="75000"/>
+                </a:schemeClr>
+              </a:solidFill>
+            </a:endParaRPr>
+          </a:p>
+          <a:p>
+            <a:pPr marL="285750" indent="-285750">
+              <a:buFont typeface="Symbol" charset="0"/>
+              <a:buChar char=""/>
+            </a:pPr>
+            <a:endParaRPr lang="en-US" dirty="0">
+              <a:solidFill>
+                <a:schemeClr val="accent1">
+                  <a:lumMod val="75000"/>
+                </a:schemeClr>
+              </a:solidFill>
+            </a:endParaRPr>
+          </a:p>
+          <a:p>
+            <a:pPr marL="285750" indent="-285750">
+              <a:buFont typeface="Symbol" charset="0"/>
+              <a:buChar char=""/>
+            </a:pPr>
+            <a:endParaRPr lang="en-US" dirty="0" smtClean="0">
+              <a:solidFill>
+                <a:schemeClr val="accent1">
+                  <a:lumMod val="75000"/>
+                </a:schemeClr>
+              </a:solidFill>
+            </a:endParaRPr>
+          </a:p>
+          <a:p>
+            <a:pPr marL="285750" indent="-285750">
+              <a:buFont typeface="Symbol" charset="0"/>
+              <a:buChar char=""/>
+            </a:pPr>
+            <a:endParaRPr lang="en-US" dirty="0">
+              <a:solidFill>
+                <a:schemeClr val="accent1">
+                  <a:lumMod val="75000"/>
+                </a:schemeClr>
+              </a:solidFill>
+            </a:endParaRPr>
+          </a:p>
+          <a:p>
+            <a:pPr marL="285750" indent="-285750">
+              <a:buFont typeface="Symbol" charset="0"/>
+              <a:buChar char=""/>
+            </a:pPr>
+            <a:endParaRPr lang="en-US" dirty="0" smtClean="0">
+              <a:solidFill>
+                <a:schemeClr val="accent1">
+                  <a:lumMod val="75000"/>
+                </a:schemeClr>
+              </a:solidFill>
+            </a:endParaRPr>
+          </a:p>
+          <a:p>
+            <a:pPr marL="285750" indent="-285750">
+              <a:buFont typeface="Symbol" charset="0"/>
+              <a:buChar char=""/>
+            </a:pPr>
+            <a:endParaRPr lang="en-US" dirty="0">
+              <a:solidFill>
+                <a:schemeClr val="accent1">
+                  <a:lumMod val="75000"/>
+                </a:schemeClr>
+              </a:solidFill>
+            </a:endParaRPr>
+          </a:p>
+          <a:p>
+            <a:pPr marL="285750" indent="-285750">
+              <a:buFont typeface="Symbol" charset="0"/>
+              <a:buChar char=""/>
+            </a:pPr>
+            <a:endParaRPr lang="en-US" dirty="0" smtClean="0">
+              <a:solidFill>
+                <a:schemeClr val="accent1">
+                  <a:lumMod val="75000"/>
+                </a:schemeClr>
+              </a:solidFill>
+            </a:endParaRPr>
+          </a:p>
+          <a:p>
+            <a:pPr marL="285750" indent="-285750">
+              <a:buFont typeface="Symbol" charset="0"/>
+              <a:buChar char=""/>
+            </a:pPr>
+            <a:endParaRPr lang="en-US" dirty="0">
+              <a:solidFill>
+                <a:schemeClr val="accent1">
+                  <a:lumMod val="75000"/>
+                </a:schemeClr>
+              </a:solidFill>
+            </a:endParaRPr>
+          </a:p>
+          <a:p>
+            <a:pPr marL="285750" indent="-285750">
+              <a:buFont typeface="Symbol" charset="0"/>
+              <a:buChar char=""/>
+            </a:pPr>
+            <a:endParaRPr lang="en-US" dirty="0">
+              <a:solidFill>
+                <a:schemeClr val="accent1">
+                  <a:lumMod val="75000"/>
+                </a:schemeClr>
+              </a:solidFill>
+            </a:endParaRPr>
+          </a:p>
+          <a:p>
+            <a:pPr marL="285750" indent="-285750">
+              <a:buFont typeface="Symbol" charset="0"/>
+              <a:buChar char=""/>
+            </a:pPr>
+            <a:endParaRPr lang="en-US" dirty="0" smtClean="0">
+              <a:solidFill>
+                <a:schemeClr val="accent1">
+                  <a:lumMod val="75000"/>
+                </a:schemeClr>
+              </a:solidFill>
+            </a:endParaRPr>
+          </a:p>
+          <a:p>
+            <a:pPr marL="285750" indent="-285750">
+              <a:buFont typeface="Symbol" charset="0"/>
+              <a:buChar char=""/>
+            </a:pPr>
+            <a:endParaRPr lang="en-US" dirty="0">
+              <a:solidFill>
+                <a:schemeClr val="accent1">
+                  <a:lumMod val="75000"/>
+                </a:schemeClr>
+              </a:solidFill>
+            </a:endParaRPr>
+          </a:p>
+          <a:p>
+            <a:pPr marL="285750" indent="-285750">
+              <a:buFont typeface="Symbol" charset="0"/>
+              <a:buChar char=""/>
+            </a:pPr>
+            <a:endParaRPr lang="en-US" dirty="0" smtClean="0">
+              <a:solidFill>
+                <a:schemeClr val="accent1">
+                  <a:lumMod val="75000"/>
+                </a:schemeClr>
+              </a:solidFill>
+            </a:endParaRPr>
+          </a:p>
+          <a:p>
+            <a:pPr marL="285750" indent="-285750">
+              <a:buFont typeface="Symbol" charset="0"/>
+              <a:buChar char=""/>
+            </a:pPr>
+            <a:endParaRPr lang="en-US" dirty="0">
+              <a:solidFill>
+                <a:schemeClr val="accent1">
+                  <a:lumMod val="75000"/>
+                </a:schemeClr>
+              </a:solidFill>
+            </a:endParaRPr>
+          </a:p>
+          <a:p>
+            <a:pPr marL="285750" indent="-285750">
+              <a:buFont typeface="Symbol" charset="0"/>
+              <a:buChar char=""/>
+            </a:pPr>
+            <a:endParaRPr lang="en-US" dirty="0" smtClean="0">
+              <a:solidFill>
+                <a:schemeClr val="accent1">
+                  <a:lumMod val="75000"/>
+                </a:schemeClr>
+              </a:solidFill>
+            </a:endParaRPr>
+          </a:p>
+          <a:p>
+            <a:pPr marL="285750" indent="-285750">
+              <a:buFont typeface="Symbol" charset="0"/>
+              <a:buChar char=""/>
+            </a:pPr>
+            <a:endParaRPr lang="en-US" dirty="0">
+              <a:solidFill>
+                <a:schemeClr val="accent1">
+                  <a:lumMod val="75000"/>
+                </a:schemeClr>
+              </a:solidFill>
+            </a:endParaRPr>
+          </a:p>
+          <a:p>
+            <a:pPr marL="285750" indent="-285750">
+              <a:buFont typeface="Symbol" charset="0"/>
+              <a:buChar char=""/>
+            </a:pPr>
+            <a:endParaRPr lang="en-US" dirty="0" smtClean="0">
+              <a:solidFill>
+                <a:schemeClr val="accent1">
+                  <a:lumMod val="75000"/>
+                </a:schemeClr>
+              </a:solidFill>
+            </a:endParaRPr>
+          </a:p>
+          <a:p>
+            <a:pPr marL="285750" indent="-285750">
+              <a:buFont typeface="Symbol" charset="0"/>
+              <a:buChar char=""/>
+            </a:pPr>
+            <a:endParaRPr lang="en-US" dirty="0">
+              <a:solidFill>
+                <a:schemeClr val="accent1">
+                  <a:lumMod val="75000"/>
+                </a:schemeClr>
+              </a:solidFill>
+            </a:endParaRPr>
+          </a:p>
+          <a:p>
+            <a:pPr marL="285750" indent="-285750">
+              <a:buFont typeface="Symbol" charset="0"/>
+              <a:buChar char=""/>
+            </a:pPr>
+            <a:endParaRPr lang="en-US" dirty="0" smtClean="0">
+              <a:solidFill>
+                <a:schemeClr val="accent1">
+                  <a:lumMod val="75000"/>
+                </a:schemeClr>
+              </a:solidFill>
+            </a:endParaRPr>
+          </a:p>
+          <a:p>
+            <a:pPr marL="285750" indent="-285750">
+              <a:buFont typeface="Symbol" charset="0"/>
+              <a:buChar char=""/>
+            </a:pPr>
+            <a:endParaRPr lang="en-US" dirty="0" smtClean="0">
+              <a:solidFill>
+                <a:schemeClr val="accent1">
+                  <a:lumMod val="75000"/>
+                </a:schemeClr>
+              </a:solidFill>
+            </a:endParaRPr>
+          </a:p>
+          <a:p>
+            <a:endParaRPr lang="en-US" dirty="0">
+              <a:solidFill>
+                <a:schemeClr val="accent1">
+                  <a:lumMod val="75000"/>
+                </a:schemeClr>
+              </a:solidFill>
+            </a:endParaRPr>
+          </a:p>
+        </p:txBody>
+      </p:sp>
+      <p:graphicFrame>
+        <p:nvGraphicFramePr>
+          <p:cNvPr id="7" name="Object 6"/>
+          <p:cNvGraphicFramePr>
+            <a:graphicFrameLocks noChangeAspect="1"/>
+          </p:cNvGraphicFramePr>
+          <p:nvPr>
+            <p:extLst>
+              <p:ext uri="{D42A27DB-BD31-4B8C-83A1-F6EECF244321}">
+                <p14:modId xmlns:p14="http://schemas.microsoft.com/office/powerpoint/2010/main" val="2019281390"/>
+              </p:ext>
+            </p:extLst>
+          </p:nvPr>
+        </p:nvGraphicFramePr>
+        <p:xfrm>
+          <a:off x="609600" y="979487"/>
+          <a:ext cx="7618413" cy="5268913"/>
+        </p:xfrm>
+        <a:graphic>
+          <a:graphicData uri="http://schemas.openxmlformats.org/presentationml/2006/ole">
+            <mc:AlternateContent xmlns:mc="http://schemas.openxmlformats.org/markup-compatibility/2006">
+              <mc:Choice xmlns:v="urn:schemas-microsoft-com:vml" Requires="v">
+                <p:oleObj spid="_x0000_s13317" name="Equation" r:id="rId4" imgW="6299200" imgH="4381500" progId="Equation.3">
+                  <p:embed/>
+                </p:oleObj>
+              </mc:Choice>
+              <mc:Fallback>
+                <p:oleObj name="Equation" r:id="rId4" imgW="6299200" imgH="4381500" progId="Equation.3">
+                  <p:embed/>
+                  <p:pic>
+                    <p:nvPicPr>
+                      <p:cNvPr id="0" name=""/>
+                      <p:cNvPicPr/>
+                      <p:nvPr/>
+                    </p:nvPicPr>
+                    <p:blipFill>
+                      <a:blip r:embed="rId5"/>
+                      <a:stretch>
+                        <a:fillRect/>
+                      </a:stretch>
+                    </p:blipFill>
+                    <p:spPr>
+                      <a:xfrm>
+                        <a:off x="609600" y="979487"/>
+                        <a:ext cx="7618413" cy="5268913"/>
+                      </a:xfrm>
+                      <a:prstGeom prst="rect">
+                        <a:avLst/>
+                      </a:prstGeom>
+                    </p:spPr>
+                  </p:pic>
+                </p:oleObj>
+              </mc:Fallback>
+            </mc:AlternateContent>
+          </a:graphicData>
+        </a:graphic>
+      </p:graphicFrame>
+    </p:spTree>
+    <p:extLst>
+      <p:ext uri="{BB962C8B-B14F-4D97-AF65-F5344CB8AC3E}">
+        <p14:creationId xmlns:p14="http://schemas.microsoft.com/office/powerpoint/2010/main" val="2934997741"/>
+      </p:ext>
+    </p:extLst>
+  </p:cSld>
+  <p:clrMapOvr>
+    <a:masterClrMapping/>
+  </p:clrMapOvr>
+  <p:timing>
+    <p:tnLst>
+      <p:par>
+        <p:cTn xmlns:p14="http://schemas.microsoft.com/office/powerpoint/2010/main" id="1" dur="indefinite" restart="never" nodeType="tmRoot">
+          <p:childTnLst>
+            <p:seq concurrent="1" nextAc="seek">
+              <p:cTn id="2" dur="indefinite" nodeType="mainSeq">
+                <p:childTnLst>
+                  <p:par>
+                    <p:cTn id="3" fill="hold">
+                      <p:stCondLst>
+                        <p:cond delay="indefinite"/>
+                      </p:stCondLst>
+                      <p:childTnLst>
+                        <p:par>
+                          <p:cTn id="4" fill="hold">
+                            <p:stCondLst>
+                              <p:cond delay="0"/>
+                            </p:stCondLst>
+                            <p:childTnLst>
+                              <p:par>
+                                <p:cTn id="5" presetID="3" presetClass="entr" presetSubtype="10" fill="hold" grpId="0" nodeType="clickEffect">
+                                  <p:stCondLst>
+                                    <p:cond delay="0"/>
+                                  </p:stCondLst>
+                                  <p:childTnLst>
+                                    <p:set>
+                                      <p:cBhvr>
+                                        <p:cTn id="6" dur="1" fill="hold">
+                                          <p:stCondLst>
+                                            <p:cond delay="0"/>
+                                          </p:stCondLst>
+                                        </p:cTn>
+                                        <p:tgtEl>
+                                          <p:spTgt spid="6">
+                                            <p:bg/>
+                                          </p:spTgt>
+                                        </p:tgtEl>
+                                        <p:attrNameLst>
+                                          <p:attrName>style.visibility</p:attrName>
+                                        </p:attrNameLst>
+                                      </p:cBhvr>
+                                      <p:to>
+                                        <p:strVal val="visible"/>
+                                      </p:to>
+                                    </p:set>
+                                    <p:animEffect transition="in" filter="blinds(horizontal)">
+                                      <p:cBhvr>
+                                        <p:cTn id="7" dur="500"/>
+                                        <p:tgtEl>
+                                          <p:spTgt spid="6">
+                                            <p:bg/>
+                                          </p:spTgt>
+                                        </p:tgtEl>
+                                      </p:cBhvr>
+                                    </p:animEffect>
+                                  </p:childTnLst>
+                                </p:cTn>
+                              </p:par>
+                            </p:childTnLst>
+                          </p:cTn>
+                        </p:par>
+                      </p:childTnLst>
+                    </p:cTn>
+                  </p:par>
+                </p:childTnLst>
+              </p:cTn>
+              <p:prevCondLst>
+                <p:cond evt="onPrev" delay="0">
+                  <p:tgtEl>
+                    <p:sldTgt/>
+                  </p:tgtEl>
+                </p:cond>
+              </p:prevCondLst>
+              <p:nextCondLst>
+                <p:cond evt="onNext" delay="0">
+                  <p:tgtEl>
+                    <p:sldTgt/>
+                  </p:tgtEl>
+                </p:cond>
+              </p:nextCondLst>
+            </p:seq>
+          </p:childTnLst>
+        </p:cTn>
+      </p:par>
+    </p:tnLst>
+    <p:bldLst>
+      <p:bldP spid="6" grpId="0" build="p" bldLvl="2" animBg="1"/>
+    </p:bldLst>
+  </p:timing>
+</p:sld>
+</file>
+
+<file path=ppt/slides/slide13.xml><?xml version="1.0" encoding="utf-8"?>
+<p:sld xmlns:a="http://schemas.openxmlformats.org/drawingml/2006/main" xmlns:r="http://schemas.openxmlformats.org/officeDocument/2006/relationships" xmlns:p="http://schemas.openxmlformats.org/presentationml/2006/main">
+  <p:cSld>
+    <p:spTree>
+      <p:nvGrpSpPr>
+        <p:cNvPr id="1" name=""/>
+        <p:cNvGrpSpPr/>
+        <p:nvPr/>
+      </p:nvGrpSpPr>
+      <p:grpSpPr>
+        <a:xfrm>
+          <a:off x="0" y="0"/>
+          <a:ext cx="0" cy="0"/>
+          <a:chOff x="0" y="0"/>
+          <a:chExt cx="0" cy="0"/>
+        </a:xfrm>
+      </p:grpSpPr>
+      <p:sp>
+        <p:nvSpPr>
+          <p:cNvPr id="2" name="Title 1"/>
+          <p:cNvSpPr>
+            <a:spLocks noGrp="1"/>
+          </p:cNvSpPr>
+          <p:nvPr>
+            <p:ph type="ctrTitle"/>
+          </p:nvPr>
+        </p:nvSpPr>
+        <p:spPr>
+          <a:xfrm>
+            <a:off x="762000" y="2590800"/>
+            <a:ext cx="7772400" cy="762000"/>
+          </a:xfrm>
+        </p:spPr>
+        <p:txBody>
+          <a:bodyPr>
+            <a:normAutofit fontScale="90000"/>
+          </a:bodyPr>
+          <a:lstStyle/>
+          <a:p>
+            <a:r>
+              <a:rPr lang="en-US" sz="2800" u="sng" dirty="0" smtClean="0">
+                <a:solidFill>
+                  <a:schemeClr val="tx2"/>
+                </a:solidFill>
+              </a:rPr>
+              <a:t>Some Questions for HW 2 </a:t>
+            </a:r>
+            <a:br>
+              <a:rPr lang="en-US" sz="2800" u="sng" dirty="0" smtClean="0">
+                <a:solidFill>
+                  <a:schemeClr val="tx2"/>
+                </a:solidFill>
+              </a:rPr>
+            </a:br>
+            <a:r>
+              <a:rPr lang="en-US" sz="2800" u="sng" dirty="0">
+                <a:solidFill>
+                  <a:schemeClr val="tx2"/>
+                </a:solidFill>
+              </a:rPr>
+              <a:t/>
+            </a:r>
+            <a:br>
+              <a:rPr lang="en-US" sz="2800" u="sng" dirty="0">
+                <a:solidFill>
+                  <a:schemeClr val="tx2"/>
+                </a:solidFill>
+              </a:rPr>
+            </a:br>
+            <a:r>
+              <a:rPr lang="en-US" sz="2800" dirty="0" smtClean="0">
+                <a:solidFill>
+                  <a:schemeClr val="tx2"/>
+                </a:solidFill>
+              </a:rPr>
+              <a:t>- What are the mean and variances of the predictive distribution?</a:t>
+            </a:r>
+            <a:br>
+              <a:rPr lang="en-US" sz="2800" dirty="0" smtClean="0">
+                <a:solidFill>
+                  <a:schemeClr val="tx2"/>
+                </a:solidFill>
+              </a:rPr>
+            </a:br>
+            <a:r>
+              <a:rPr lang="en-US" sz="2800" dirty="0">
+                <a:solidFill>
+                  <a:schemeClr val="tx2"/>
+                </a:solidFill>
+              </a:rPr>
+              <a:t/>
+            </a:r>
+            <a:br>
+              <a:rPr lang="en-US" sz="2800" dirty="0">
+                <a:solidFill>
+                  <a:schemeClr val="tx2"/>
+                </a:solidFill>
+              </a:rPr>
+            </a:br>
+            <a:r>
+              <a:rPr lang="en-US" sz="2800" dirty="0" smtClean="0">
+                <a:solidFill>
+                  <a:schemeClr val="tx2"/>
+                </a:solidFill>
+              </a:rPr>
+              <a:t>- Compare that with the mean and variance of the ‘plug-in distribution’</a:t>
+            </a:r>
+            <a:br>
+              <a:rPr lang="en-US" sz="2800" dirty="0" smtClean="0">
+                <a:solidFill>
+                  <a:schemeClr val="tx2"/>
+                </a:solidFill>
+              </a:rPr>
+            </a:br>
+            <a:r>
+              <a:rPr lang="en-US" sz="2800" dirty="0">
+                <a:solidFill>
+                  <a:schemeClr val="tx2"/>
+                </a:solidFill>
+              </a:rPr>
+              <a:t/>
+            </a:r>
+            <a:br>
+              <a:rPr lang="en-US" sz="2800" dirty="0">
+                <a:solidFill>
+                  <a:schemeClr val="tx2"/>
+                </a:solidFill>
+              </a:rPr>
+            </a:br>
+            <a:r>
+              <a:rPr lang="en-US" sz="2800" dirty="0" smtClean="0">
+                <a:solidFill>
+                  <a:schemeClr val="tx2"/>
+                </a:solidFill>
+              </a:rPr>
+              <a:t>- Plot the predictive distribution and the naïve predictive distribution</a:t>
+            </a:r>
+            <a:r>
+              <a:rPr lang="en-US" sz="2800" dirty="0" smtClean="0">
+                <a:solidFill>
+                  <a:schemeClr val="tx2"/>
+                </a:solidFill>
+              </a:rPr>
+              <a:t>?</a:t>
+            </a:r>
+            <a:br>
+              <a:rPr lang="en-US" sz="2800" dirty="0" smtClean="0">
+                <a:solidFill>
+                  <a:schemeClr val="tx2"/>
+                </a:solidFill>
+              </a:rPr>
+            </a:br>
+            <a:r>
+              <a:rPr lang="en-US" sz="2800" dirty="0">
+                <a:solidFill>
+                  <a:schemeClr val="tx2"/>
+                </a:solidFill>
+              </a:rPr>
+              <a:t/>
+            </a:r>
+            <a:br>
+              <a:rPr lang="en-US" sz="2800" dirty="0">
+                <a:solidFill>
+                  <a:schemeClr val="tx2"/>
+                </a:solidFill>
+              </a:rPr>
+            </a:br>
+            <a:r>
+              <a:rPr lang="en-US" sz="2800" dirty="0" smtClean="0">
+                <a:solidFill>
+                  <a:schemeClr val="tx2"/>
+                </a:solidFill>
+              </a:rPr>
+              <a:t/>
+            </a:r>
+            <a:br>
+              <a:rPr lang="en-US" sz="2800" dirty="0" smtClean="0">
+                <a:solidFill>
+                  <a:schemeClr val="tx2"/>
+                </a:solidFill>
+              </a:rPr>
+            </a:br>
+            <a:r>
+              <a:rPr lang="en-US" sz="2800" dirty="0" smtClean="0">
+                <a:solidFill>
+                  <a:schemeClr val="tx2"/>
+                </a:solidFill>
+              </a:rPr>
+              <a:t>Data (use 1</a:t>
+            </a:r>
+            <a:r>
+              <a:rPr lang="en-US" sz="2800" baseline="30000" dirty="0" smtClean="0">
+                <a:solidFill>
+                  <a:schemeClr val="tx2"/>
+                </a:solidFill>
+              </a:rPr>
+              <a:t>st</a:t>
+            </a:r>
+            <a:r>
+              <a:rPr lang="en-US" sz="2800" dirty="0" smtClean="0">
+                <a:solidFill>
+                  <a:schemeClr val="tx2"/>
+                </a:solidFill>
+              </a:rPr>
+              <a:t> column): </a:t>
+            </a:r>
+            <a:r>
+              <a:rPr lang="en-US" sz="2800" dirty="0">
+                <a:solidFill>
+                  <a:schemeClr val="tx2"/>
+                </a:solidFill>
+                <a:hlinkClick r:id="rId3"/>
+              </a:rPr>
+              <a:t>http://www.jstatsoft.org/v16/i09</a:t>
+            </a:r>
+            <a:r>
+              <a:rPr lang="en-US" sz="2800" dirty="0" smtClean="0">
+                <a:solidFill>
+                  <a:schemeClr val="tx2"/>
+                </a:solidFill>
+                <a:hlinkClick r:id="rId3"/>
+              </a:rPr>
+              <a:t>/</a:t>
+            </a:r>
+            <a:r>
+              <a:rPr lang="en-US" sz="2800" dirty="0" smtClean="0">
+                <a:solidFill>
+                  <a:schemeClr val="tx2"/>
+                </a:solidFill>
+              </a:rPr>
+              <a:t> </a:t>
+            </a:r>
+            <a:endParaRPr lang="en-US" sz="2800" dirty="0">
+              <a:solidFill>
+                <a:schemeClr val="tx2"/>
+              </a:solidFill>
+            </a:endParaRPr>
+          </a:p>
+        </p:txBody>
+      </p:sp>
+      <p:sp>
+        <p:nvSpPr>
+          <p:cNvPr id="4" name="Footer Placeholder 3"/>
+          <p:cNvSpPr>
+            <a:spLocks noGrp="1"/>
+          </p:cNvSpPr>
+          <p:nvPr>
+            <p:ph type="ftr" sz="quarter" idx="11"/>
+          </p:nvPr>
+        </p:nvSpPr>
+        <p:spPr/>
+        <p:txBody>
+          <a:bodyPr/>
+          <a:lstStyle/>
+          <a:p>
+            <a:r>
+              <a:rPr lang="en-US" dirty="0" smtClean="0">
+                <a:solidFill>
+                  <a:schemeClr val="accent1"/>
+                </a:solidFill>
+              </a:rPr>
+              <a:t>STT 465, MSU, Fall, 2015</a:t>
+            </a:r>
+            <a:endParaRPr lang="en-US" dirty="0">
+              <a:solidFill>
+                <a:schemeClr val="accent1"/>
+              </a:solidFill>
+            </a:endParaRPr>
+          </a:p>
+        </p:txBody>
+      </p:sp>
+    </p:spTree>
+    <p:extLst>
+      <p:ext uri="{BB962C8B-B14F-4D97-AF65-F5344CB8AC3E}">
+        <p14:creationId xmlns:p14="http://schemas.microsoft.com/office/powerpoint/2010/main" val="405164062"/>
       </p:ext>
     </p:extLst>
   </p:cSld>
@@ -6316,7 +8880,7 @@
           <a:graphicData uri="http://schemas.openxmlformats.org/presentationml/2006/ole">
             <mc:AlternateContent xmlns:mc="http://schemas.openxmlformats.org/markup-compatibility/2006">
               <mc:Choice xmlns:v="urn:schemas-microsoft-com:vml" Requires="v">
-                <p:oleObj spid="_x0000_s2083" name="Equation" r:id="rId4" imgW="1384300" imgH="279400" progId="Equation.3">
+                <p:oleObj spid="_x0000_s2101" name="Equation" r:id="rId4" imgW="1384300" imgH="279400" progId="Equation.3">
                   <p:embed/>
                 </p:oleObj>
               </mc:Choice>
@@ -6373,7 +8937,7 @@
           <a:graphicData uri="http://schemas.openxmlformats.org/presentationml/2006/ole">
             <mc:AlternateContent xmlns:mc="http://schemas.openxmlformats.org/markup-compatibility/2006">
               <mc:Choice xmlns:v="urn:schemas-microsoft-com:vml" Requires="v">
-                <p:oleObj spid="_x0000_s2084" name="Equation" r:id="rId6" imgW="4686300" imgH="317500" progId="Equation.3">
+                <p:oleObj spid="_x0000_s2102" name="Equation" r:id="rId6" imgW="4686300" imgH="317500" progId="Equation.3">
                   <p:embed/>
                 </p:oleObj>
               </mc:Choice>
@@ -6430,7 +8994,7 @@
           <a:graphicData uri="http://schemas.openxmlformats.org/presentationml/2006/ole">
             <mc:AlternateContent xmlns:mc="http://schemas.openxmlformats.org/markup-compatibility/2006">
               <mc:Choice xmlns:v="urn:schemas-microsoft-com:vml" Requires="v">
-                <p:oleObj spid="_x0000_s2085" name="Equation" r:id="rId8" imgW="4318000" imgH="495300" progId="Equation.3">
+                <p:oleObj spid="_x0000_s2103" name="Equation" r:id="rId8" imgW="4318000" imgH="495300" progId="Equation.3">
                   <p:embed/>
                 </p:oleObj>
               </mc:Choice>
@@ -6487,7 +9051,7 @@
           <a:graphicData uri="http://schemas.openxmlformats.org/presentationml/2006/ole">
             <mc:AlternateContent xmlns:mc="http://schemas.openxmlformats.org/markup-compatibility/2006">
               <mc:Choice xmlns:v="urn:schemas-microsoft-com:vml" Requires="v">
-                <p:oleObj spid="_x0000_s2086" name="Equation" r:id="rId10" imgW="2438400" imgH="469900" progId="Equation.3">
+                <p:oleObj spid="_x0000_s2104" name="Equation" r:id="rId10" imgW="2438400" imgH="469900" progId="Equation.3">
                   <p:embed/>
                 </p:oleObj>
               </mc:Choice>
@@ -7020,7 +9584,7 @@
           <a:graphicData uri="http://schemas.openxmlformats.org/presentationml/2006/ole">
             <mc:AlternateContent xmlns:mc="http://schemas.openxmlformats.org/markup-compatibility/2006">
               <mc:Choice xmlns:v="urn:schemas-microsoft-com:vml" Requires="v">
-                <p:oleObj spid="_x0000_s3094" name="Equation" r:id="rId4" imgW="3479800" imgH="469900" progId="Equation.3">
+                <p:oleObj spid="_x0000_s3108" name="Equation" r:id="rId4" imgW="3479800" imgH="469900" progId="Equation.3">
                   <p:embed/>
                 </p:oleObj>
               </mc:Choice>
@@ -7077,7 +9641,7 @@
           <a:graphicData uri="http://schemas.openxmlformats.org/presentationml/2006/ole">
             <mc:AlternateContent xmlns:mc="http://schemas.openxmlformats.org/markup-compatibility/2006">
               <mc:Choice xmlns:v="urn:schemas-microsoft-com:vml" Requires="v">
-                <p:oleObj spid="_x0000_s3095" name="Equation" r:id="rId6" imgW="3657600" imgH="495300" progId="Equation.3">
+                <p:oleObj spid="_x0000_s3109" name="Equation" r:id="rId6" imgW="3657600" imgH="495300" progId="Equation.3">
                   <p:embed/>
                 </p:oleObj>
               </mc:Choice>
@@ -7134,7 +9698,7 @@
           <a:graphicData uri="http://schemas.openxmlformats.org/presentationml/2006/ole">
             <mc:AlternateContent xmlns:mc="http://schemas.openxmlformats.org/markup-compatibility/2006">
               <mc:Choice xmlns:v="urn:schemas-microsoft-com:vml" Requires="v">
-                <p:oleObj spid="_x0000_s3096" name="Equation" r:id="rId8" imgW="2895600" imgH="1422400" progId="Equation.3">
+                <p:oleObj spid="_x0000_s3110" name="Equation" r:id="rId8" imgW="2895600" imgH="1422400" progId="Equation.3">
                   <p:embed/>
                 </p:oleObj>
               </mc:Choice>
@@ -7822,7 +10386,7 @@
           <a:graphicData uri="http://schemas.openxmlformats.org/presentationml/2006/ole">
             <mc:AlternateContent xmlns:mc="http://schemas.openxmlformats.org/markup-compatibility/2006">
               <mc:Choice xmlns:v="urn:schemas-microsoft-com:vml" Requires="v">
-                <p:oleObj spid="_x0000_s4112" name="Equation" r:id="rId4" imgW="3479800" imgH="469900" progId="Equation.3">
+                <p:oleObj spid="_x0000_s4122" name="Equation" r:id="rId4" imgW="3479800" imgH="469900" progId="Equation.3">
                   <p:embed/>
                 </p:oleObj>
               </mc:Choice>
@@ -7879,7 +10443,7 @@
           <a:graphicData uri="http://schemas.openxmlformats.org/presentationml/2006/ole">
             <mc:AlternateContent xmlns:mc="http://schemas.openxmlformats.org/markup-compatibility/2006">
               <mc:Choice xmlns:v="urn:schemas-microsoft-com:vml" Requires="v">
-                <p:oleObj spid="_x0000_s4113" name="Equation" r:id="rId6" imgW="3530600" imgH="482600" progId="Equation.3">
+                <p:oleObj spid="_x0000_s4123" name="Equation" r:id="rId6" imgW="3530600" imgH="482600" progId="Equation.3">
                   <p:embed/>
                 </p:oleObj>
               </mc:Choice>
@@ -8649,7 +11213,7 @@
           <a:graphicData uri="http://schemas.openxmlformats.org/presentationml/2006/ole">
             <mc:AlternateContent xmlns:mc="http://schemas.openxmlformats.org/markup-compatibility/2006">
               <mc:Choice xmlns:v="urn:schemas-microsoft-com:vml" Requires="v">
-                <p:oleObj spid="_x0000_s1045" name="Equation" r:id="rId4" imgW="1485900" imgH="444500" progId="Equation.3">
+                <p:oleObj spid="_x0000_s1059" name="Equation" r:id="rId4" imgW="1485900" imgH="444500" progId="Equation.3">
                   <p:embed/>
                 </p:oleObj>
               </mc:Choice>
@@ -8706,7 +11270,7 @@
           <a:graphicData uri="http://schemas.openxmlformats.org/presentationml/2006/ole">
             <mc:AlternateContent xmlns:mc="http://schemas.openxmlformats.org/markup-compatibility/2006">
               <mc:Choice xmlns:v="urn:schemas-microsoft-com:vml" Requires="v">
-                <p:oleObj spid="_x0000_s1046" name="Equation" r:id="rId6" imgW="1206500" imgH="241300" progId="Equation.3">
+                <p:oleObj spid="_x0000_s1060" name="Equation" r:id="rId6" imgW="1206500" imgH="241300" progId="Equation.3">
                   <p:embed/>
                 </p:oleObj>
               </mc:Choice>
@@ -8763,7 +11327,7 @@
           <a:graphicData uri="http://schemas.openxmlformats.org/presentationml/2006/ole">
             <mc:AlternateContent xmlns:mc="http://schemas.openxmlformats.org/markup-compatibility/2006">
               <mc:Choice xmlns:v="urn:schemas-microsoft-com:vml" Requires="v">
-                <p:oleObj spid="_x0000_s1047" name="Equation" r:id="rId8" imgW="3987800" imgH="457200" progId="Equation.3">
+                <p:oleObj spid="_x0000_s1061" name="Equation" r:id="rId8" imgW="3987800" imgH="457200" progId="Equation.3">
                   <p:embed/>
                 </p:oleObj>
               </mc:Choice>
@@ -9337,7 +11901,7 @@
           <a:graphicData uri="http://schemas.openxmlformats.org/presentationml/2006/ole">
             <mc:AlternateContent xmlns:mc="http://schemas.openxmlformats.org/markup-compatibility/2006">
               <mc:Choice xmlns:v="urn:schemas-microsoft-com:vml" Requires="v">
-                <p:oleObj spid="_x0000_s5149" name="Equation" r:id="rId4" imgW="1435100" imgH="254000" progId="Equation.3">
+                <p:oleObj spid="_x0000_s5167" name="Equation" r:id="rId4" imgW="1435100" imgH="254000" progId="Equation.3">
                   <p:embed/>
                 </p:oleObj>
               </mc:Choice>
@@ -9394,7 +11958,7 @@
           <a:graphicData uri="http://schemas.openxmlformats.org/presentationml/2006/ole">
             <mc:AlternateContent xmlns:mc="http://schemas.openxmlformats.org/markup-compatibility/2006">
               <mc:Choice xmlns:v="urn:schemas-microsoft-com:vml" Requires="v">
-                <p:oleObj spid="_x0000_s5150" name="Equation" r:id="rId6" imgW="1016000" imgH="304800" progId="Equation.3">
+                <p:oleObj spid="_x0000_s5168" name="Equation" r:id="rId6" imgW="1016000" imgH="304800" progId="Equation.3">
                   <p:embed/>
                 </p:oleObj>
               </mc:Choice>
@@ -9451,7 +12015,7 @@
           <a:graphicData uri="http://schemas.openxmlformats.org/presentationml/2006/ole">
             <mc:AlternateContent xmlns:mc="http://schemas.openxmlformats.org/markup-compatibility/2006">
               <mc:Choice xmlns:v="urn:schemas-microsoft-com:vml" Requires="v">
-                <p:oleObj spid="_x0000_s5151" name="Equation" r:id="rId8" imgW="2171700" imgH="889000" progId="Equation.3">
+                <p:oleObj spid="_x0000_s5169" name="Equation" r:id="rId8" imgW="2171700" imgH="889000" progId="Equation.3">
                   <p:embed/>
                 </p:oleObj>
               </mc:Choice>
@@ -9508,7 +12072,7 @@
           <a:graphicData uri="http://schemas.openxmlformats.org/presentationml/2006/ole">
             <mc:AlternateContent xmlns:mc="http://schemas.openxmlformats.org/markup-compatibility/2006">
               <mc:Choice xmlns:v="urn:schemas-microsoft-com:vml" Requires="v">
-                <p:oleObj spid="_x0000_s5152" name="Equation" r:id="rId10" imgW="1574800" imgH="495300" progId="Equation.3">
+                <p:oleObj spid="_x0000_s5170" name="Equation" r:id="rId10" imgW="1574800" imgH="495300" progId="Equation.3">
                   <p:embed/>
                 </p:oleObj>
               </mc:Choice>
@@ -9994,7 +12558,7 @@
           <a:graphicData uri="http://schemas.openxmlformats.org/presentationml/2006/ole">
             <mc:AlternateContent xmlns:mc="http://schemas.openxmlformats.org/markup-compatibility/2006">
               <mc:Choice xmlns:v="urn:schemas-microsoft-com:vml" Requires="v">
-                <p:oleObj spid="_x0000_s6170" name="Equation" r:id="rId4" imgW="2260600" imgH="736600" progId="Equation.3">
+                <p:oleObj spid="_x0000_s6192" name="Equation" r:id="rId4" imgW="2260600" imgH="736600" progId="Equation.3">
                   <p:embed/>
                 </p:oleObj>
               </mc:Choice>
@@ -10051,7 +12615,7 @@
           <a:graphicData uri="http://schemas.openxmlformats.org/presentationml/2006/ole">
             <mc:AlternateContent xmlns:mc="http://schemas.openxmlformats.org/markup-compatibility/2006">
               <mc:Choice xmlns:v="urn:schemas-microsoft-com:vml" Requires="v">
-                <p:oleObj spid="_x0000_s6171" name="Equation" r:id="rId6" imgW="1574800" imgH="495300" progId="Equation.3">
+                <p:oleObj spid="_x0000_s6193" name="Equation" r:id="rId6" imgW="1574800" imgH="495300" progId="Equation.3">
                   <p:embed/>
                 </p:oleObj>
               </mc:Choice>
@@ -10108,7 +12672,7 @@
           <a:graphicData uri="http://schemas.openxmlformats.org/presentationml/2006/ole">
             <mc:AlternateContent xmlns:mc="http://schemas.openxmlformats.org/markup-compatibility/2006">
               <mc:Choice xmlns:v="urn:schemas-microsoft-com:vml" Requires="v">
-                <p:oleObj spid="_x0000_s6172" name="Equation" r:id="rId8" imgW="1435100" imgH="254000" progId="Equation.3">
+                <p:oleObj spid="_x0000_s6194" name="Equation" r:id="rId8" imgW="1435100" imgH="254000" progId="Equation.3">
                   <p:embed/>
                 </p:oleObj>
               </mc:Choice>
@@ -10165,7 +12729,7 @@
           <a:graphicData uri="http://schemas.openxmlformats.org/presentationml/2006/ole">
             <mc:AlternateContent xmlns:mc="http://schemas.openxmlformats.org/markup-compatibility/2006">
               <mc:Choice xmlns:v="urn:schemas-microsoft-com:vml" Requires="v">
-                <p:oleObj spid="_x0000_s6173" name="Equation" r:id="rId10" imgW="2692400" imgH="876300" progId="Equation.3">
+                <p:oleObj spid="_x0000_s6195" name="Equation" r:id="rId10" imgW="2692400" imgH="876300" progId="Equation.3">
                   <p:embed/>
                 </p:oleObj>
               </mc:Choice>
@@ -10222,7 +12786,7 @@
           <a:graphicData uri="http://schemas.openxmlformats.org/presentationml/2006/ole">
             <mc:AlternateContent xmlns:mc="http://schemas.openxmlformats.org/markup-compatibility/2006">
               <mc:Choice xmlns:v="urn:schemas-microsoft-com:vml" Requires="v">
-                <p:oleObj spid="_x0000_s6174" name="Equation" r:id="rId12" imgW="1054100" imgH="457200" progId="Equation.3">
+                <p:oleObj spid="_x0000_s6196" name="Equation" r:id="rId12" imgW="1054100" imgH="457200" progId="Equation.3">
                   <p:embed/>
                 </p:oleObj>
               </mc:Choice>
@@ -10699,7 +13263,7 @@
           <a:graphicData uri="http://schemas.openxmlformats.org/presentationml/2006/ole">
             <mc:AlternateContent xmlns:mc="http://schemas.openxmlformats.org/markup-compatibility/2006">
               <mc:Choice xmlns:v="urn:schemas-microsoft-com:vml" Requires="v">
-                <p:oleObj spid="_x0000_s8205" name="Equation" r:id="rId4" imgW="1422400" imgH="393700" progId="Equation.3">
+                <p:oleObj spid="_x0000_s8215" name="Equation" r:id="rId4" imgW="1422400" imgH="393700" progId="Equation.3">
                   <p:embed/>
                 </p:oleObj>
               </mc:Choice>
@@ -10756,7 +13320,7 @@
           <a:graphicData uri="http://schemas.openxmlformats.org/presentationml/2006/ole">
             <mc:AlternateContent xmlns:mc="http://schemas.openxmlformats.org/markup-compatibility/2006">
               <mc:Choice xmlns:v="urn:schemas-microsoft-com:vml" Requires="v">
-                <p:oleObj spid="_x0000_s8206" name="Equation" r:id="rId6" imgW="1511300" imgH="469900" progId="Equation.3">
+                <p:oleObj spid="_x0000_s8216" name="Equation" r:id="rId6" imgW="1511300" imgH="469900" progId="Equation.3">
                   <p:embed/>
                 </p:oleObj>
               </mc:Choice>
